--- a/Presentations/Tracking.pptx
+++ b/Presentations/Tracking.pptx
@@ -2820,37 +2820,7 @@
               <a:rPr b="0" lang="en-IN" sz="4400" spc="-1" strike="noStrike">
                 <a:latin typeface="Arial"/>
               </a:rPr>
-              <a:t>Click </a:t>
-            </a:r>
-            <a:r>
-              <a:rPr b="0" lang="en-IN" sz="4400" spc="-1" strike="noStrike">
-                <a:latin typeface="Arial"/>
-              </a:rPr>
-              <a:t>to edit </a:t>
-            </a:r>
-            <a:r>
-              <a:rPr b="0" lang="en-IN" sz="4400" spc="-1" strike="noStrike">
-                <a:latin typeface="Arial"/>
-              </a:rPr>
-              <a:t>the </a:t>
-            </a:r>
-            <a:r>
-              <a:rPr b="0" lang="en-IN" sz="4400" spc="-1" strike="noStrike">
-                <a:latin typeface="Arial"/>
-              </a:rPr>
-              <a:t>title </a:t>
-            </a:r>
-            <a:r>
-              <a:rPr b="0" lang="en-IN" sz="4400" spc="-1" strike="noStrike">
-                <a:latin typeface="Arial"/>
-              </a:rPr>
-              <a:t>text </a:t>
-            </a:r>
-            <a:r>
-              <a:rPr b="0" lang="en-IN" sz="4400" spc="-1" strike="noStrike">
-                <a:latin typeface="Arial"/>
-              </a:rPr>
-              <a:t>format</a:t>
+              <a:t>Click to edit the title text format</a:t>
             </a:r>
             <a:endParaRPr b="0" lang="en-IN" sz="4400" spc="-1" strike="noStrike">
               <a:latin typeface="Arial"/>
@@ -3213,79 +3183,7 @@
               <a:rPr b="0" lang="en-IN" sz="4400" spc="-1" strike="noStrike">
                 <a:latin typeface="Arial"/>
               </a:rPr>
-              <a:t>Cli</a:t>
-            </a:r>
-            <a:r>
-              <a:rPr b="0" lang="en-IN" sz="4400" spc="-1" strike="noStrike">
-                <a:latin typeface="Arial"/>
-              </a:rPr>
-              <a:t>ck </a:t>
-            </a:r>
-            <a:r>
-              <a:rPr b="0" lang="en-IN" sz="4400" spc="-1" strike="noStrike">
-                <a:latin typeface="Arial"/>
-              </a:rPr>
-              <a:t>to </a:t>
-            </a:r>
-            <a:r>
-              <a:rPr b="0" lang="en-IN" sz="4400" spc="-1" strike="noStrike">
-                <a:latin typeface="Arial"/>
-              </a:rPr>
-              <a:t>edi</a:t>
-            </a:r>
-            <a:r>
-              <a:rPr b="0" lang="en-IN" sz="4400" spc="-1" strike="noStrike">
-                <a:latin typeface="Arial"/>
-              </a:rPr>
-              <a:t>t </a:t>
-            </a:r>
-            <a:r>
-              <a:rPr b="0" lang="en-IN" sz="4400" spc="-1" strike="noStrike">
-                <a:latin typeface="Arial"/>
-              </a:rPr>
-              <a:t>the </a:t>
-            </a:r>
-            <a:r>
-              <a:rPr b="0" lang="en-IN" sz="4400" spc="-1" strike="noStrike">
-                <a:latin typeface="Arial"/>
-              </a:rPr>
-              <a:t>titl</a:t>
-            </a:r>
-            <a:r>
-              <a:rPr b="0" lang="en-IN" sz="4400" spc="-1" strike="noStrike">
-                <a:latin typeface="Arial"/>
-              </a:rPr>
-              <a:t>e </a:t>
-            </a:r>
-            <a:r>
-              <a:rPr b="0" lang="en-IN" sz="4400" spc="-1" strike="noStrike">
-                <a:latin typeface="Arial"/>
-              </a:rPr>
-              <a:t>tex</a:t>
-            </a:r>
-            <a:r>
-              <a:rPr b="0" lang="en-IN" sz="4400" spc="-1" strike="noStrike">
-                <a:latin typeface="Arial"/>
-              </a:rPr>
-              <a:t>t </a:t>
-            </a:r>
-            <a:r>
-              <a:rPr b="0" lang="en-IN" sz="4400" spc="-1" strike="noStrike">
-                <a:latin typeface="Arial"/>
-              </a:rPr>
-              <a:t>for</a:t>
-            </a:r>
-            <a:r>
-              <a:rPr b="0" lang="en-IN" sz="4400" spc="-1" strike="noStrike">
-                <a:latin typeface="Arial"/>
-              </a:rPr>
-              <a:t>ma</a:t>
-            </a:r>
-            <a:r>
-              <a:rPr b="0" lang="en-IN" sz="4400" spc="-1" strike="noStrike">
-                <a:latin typeface="Arial"/>
-              </a:rPr>
-              <a:t>t</a:t>
+              <a:t>Click to edit the title text format</a:t>
             </a:r>
             <a:endParaRPr b="0" lang="en-IN" sz="4400" spc="-1" strike="noStrike">
               <a:latin typeface="Arial"/>
@@ -3517,8 +3415,8 @@
         </p:nvSpPr>
         <p:spPr>
           <a:xfrm>
-            <a:off x="360000" y="3330000"/>
-            <a:ext cx="9358920" cy="898920"/>
+            <a:off x="361080" y="3528000"/>
+            <a:ext cx="9358920" cy="556920"/>
           </a:xfrm>
           <a:prstGeom prst="rect">
             <a:avLst/>
@@ -3545,17 +3443,17 @@
               </a:lnSpc>
             </a:pPr>
             <a:r>
-              <a:rPr b="1" lang="en-IN" sz="2400" spc="-1" strike="noStrike">
+              <a:rPr b="1" lang="en-IN" sz="4400" spc="-1" strike="noStrike">
                 <a:solidFill>
                   <a:srgbClr val="ffffff"/>
                 </a:solidFill>
-                <a:latin typeface="Noto Sans Black"/>
+                <a:latin typeface="Times New Roman"/>
                 <a:ea typeface="DejaVu Sans"/>
               </a:rPr>
               <a:t>Tracking </a:t>
             </a:r>
-            <a:endParaRPr b="0" lang="en-IN" sz="2400" spc="-1" strike="noStrike">
-              <a:latin typeface="Arial"/>
+            <a:endParaRPr b="0" lang="en-IN" sz="4400" spc="-1" strike="noStrike">
+              <a:latin typeface="Times New Roman"/>
             </a:endParaRPr>
           </a:p>
         </p:txBody>
@@ -5292,12 +5190,98 @@
             <a:r>
               <a:rPr b="1" lang="en-IN" sz="2800" spc="-1" strike="noStrike">
                 <a:solidFill>
+                  <a:srgbClr val="000000"/>
+                </a:solidFill>
+                <a:latin typeface="Times New Roman"/>
+                <a:ea typeface="DejaVu Sans"/>
+              </a:rPr>
+              <a:t>Remember that you need to query </a:t>
+            </a:r>
+            <a:r>
+              <a:rPr b="1" lang="en-IN" sz="2800" spc="-1" strike="noStrike">
+                <a:solidFill>
+                  <a:srgbClr val="0000ff"/>
+                </a:solidFill>
+                <a:latin typeface="Times New Roman"/>
+                <a:ea typeface="DejaVu Sans"/>
+              </a:rPr>
+              <a:t>TrackingManager</a:t>
+            </a:r>
+            <a:r>
+              <a:rPr b="1" lang="en-IN" sz="2800" spc="-1" strike="noStrike">
+                <a:solidFill>
+                  <a:srgbClr val="000000"/>
+                </a:solidFill>
+                <a:latin typeface="Times New Roman"/>
+                <a:ea typeface="DejaVu Sans"/>
+              </a:rPr>
+              <a:t> object </a:t>
+            </a:r>
+            <a:r>
+              <a:rPr b="1" lang="en-IN" sz="2800" spc="-1" strike="noStrike">
+                <a:solidFill>
+                  <a:srgbClr val="0000ff"/>
+                </a:solidFill>
+                <a:latin typeface="Times New Roman"/>
+                <a:ea typeface="DejaVu Sans"/>
+              </a:rPr>
+              <a:t>fpTrackingManager</a:t>
+            </a:r>
+            <a:r>
+              <a:rPr b="1" lang="en-IN" sz="2800" spc="-1" strike="noStrike">
+                <a:solidFill>
+                  <a:srgbClr val="000000"/>
+                </a:solidFill>
+                <a:latin typeface="Times New Roman"/>
+                <a:ea typeface="DejaVu Sans"/>
+              </a:rPr>
+              <a:t> in order to get  the trajectory.</a:t>
+            </a:r>
+            <a:endParaRPr b="0" lang="en-IN" sz="2800" spc="-1" strike="noStrike">
+              <a:latin typeface="Arial"/>
+            </a:endParaRPr>
+          </a:p>
+          <a:p>
+            <a:pPr>
+              <a:lnSpc>
+                <a:spcPct val="100000"/>
+              </a:lnSpc>
+              <a:spcAft>
+                <a:spcPts val="1142"/>
+              </a:spcAft>
+            </a:pPr>
+            <a:r>
+              <a:rPr b="1" lang="en-IN" sz="2800" spc="-1" strike="noStrike">
+                <a:solidFill>
+                  <a:srgbClr val="000000"/>
+                </a:solidFill>
+                <a:latin typeface="Times New Roman"/>
+                <a:ea typeface="DejaVu Sans"/>
+              </a:rPr>
+              <a:t>Three important function related to TrackingManager</a:t>
+            </a:r>
+            <a:endParaRPr b="0" lang="en-IN" sz="2800" spc="-1" strike="noStrike">
+              <a:latin typeface="Arial"/>
+            </a:endParaRPr>
+          </a:p>
+          <a:p>
+            <a:pPr>
+              <a:lnSpc>
+                <a:spcPct val="100000"/>
+              </a:lnSpc>
+              <a:spcAft>
+                <a:spcPts val="1142"/>
+              </a:spcAft>
+            </a:pPr>
+            <a:r>
+              <a:rPr b="1" lang="en-IN" sz="2800" spc="-1" strike="noStrike">
+                <a:solidFill>
                   <a:srgbClr val="800080"/>
                 </a:solidFill>
                 <a:latin typeface="Times New Roman"/>
                 <a:ea typeface="DejaVu Sans"/>
               </a:rPr>
-              <a:t>Remember that you need to query TrackingManager object fpTrackingManager in order to get  the trajectory.</a:t>
+              <a:t>(1) GetStoreTrajectory() (2) SetStoreTrajectory()</a:t>
             </a:r>
             <a:endParaRPr b="0" lang="en-IN" sz="2800" spc="-1" strike="noStrike">
               <a:latin typeface="Arial"/>
@@ -5320,7 +5304,7 @@
                 <a:latin typeface="Times New Roman"/>
                 <a:ea typeface="DejaVu Sans"/>
               </a:rPr>
-              <a:t>Three important function related to TrackingManager</a:t>
+              <a:t>(3) GimmeTrajectory()</a:t>
             </a:r>
             <a:endParaRPr b="0" lang="en-IN" sz="2800" spc="-1" strike="noStrike">
               <a:latin typeface="Arial"/>
@@ -5335,6 +5319,19 @@
                 <a:spcPts val="1142"/>
               </a:spcAft>
             </a:pPr>
+            <a:endParaRPr b="0" lang="en-IN" sz="2800" spc="-1" strike="noStrike">
+              <a:latin typeface="Arial"/>
+            </a:endParaRPr>
+          </a:p>
+          <a:p>
+            <a:pPr>
+              <a:lnSpc>
+                <a:spcPct val="100000"/>
+              </a:lnSpc>
+              <a:spcAft>
+                <a:spcPts val="1142"/>
+              </a:spcAft>
+            </a:pPr>
             <a:r>
               <a:rPr b="1" lang="en-IN" sz="2800" spc="-1" strike="noStrike">
                 <a:solidFill>
@@ -5343,7 +5340,17 @@
                 <a:latin typeface="Times New Roman"/>
                 <a:ea typeface="DejaVu Sans"/>
               </a:rPr>
-              <a:t>(1) GetStoreTrajectory() (2) SetStoreTrajectory()</a:t>
+              <a:t>GetStoreTrajectory() </a:t>
+            </a:r>
+            <a:r>
+              <a:rPr b="1" lang="en-IN" sz="2800" spc="-1" strike="noStrike">
+                <a:solidFill>
+                  <a:srgbClr val="000000"/>
+                </a:solidFill>
+                <a:latin typeface="Times New Roman"/>
+                <a:ea typeface="DejaVu Sans"/>
+              </a:rPr>
+              <a:t>just tell whether the trajectory storage is enable or not.</a:t>
             </a:r>
             <a:endParaRPr b="0" lang="en-IN" sz="2800" spc="-1" strike="noStrike">
               <a:latin typeface="Arial"/>
@@ -5361,94 +5368,45 @@
             <a:r>
               <a:rPr b="1" lang="en-IN" sz="2800" spc="-1" strike="noStrike">
                 <a:solidFill>
+                  <a:srgbClr val="000000"/>
+                </a:solidFill>
+                <a:latin typeface="Times New Roman"/>
+                <a:ea typeface="DejaVu Sans"/>
+              </a:rPr>
+              <a:t>It does not give the Trajectory itself.</a:t>
+            </a:r>
+            <a:endParaRPr b="0" lang="en-IN" sz="2800" spc="-1" strike="noStrike">
+              <a:latin typeface="Arial"/>
+            </a:endParaRPr>
+          </a:p>
+          <a:p>
+            <a:pPr>
+              <a:lnSpc>
+                <a:spcPct val="100000"/>
+              </a:lnSpc>
+              <a:spcAft>
+                <a:spcPts val="1142"/>
+              </a:spcAft>
+            </a:pPr>
+            <a:r>
+              <a:rPr b="1" lang="en-IN" sz="2800" spc="-1" strike="noStrike">
+                <a:solidFill>
                   <a:srgbClr val="800080"/>
                 </a:solidFill>
                 <a:latin typeface="Times New Roman"/>
                 <a:ea typeface="DejaVu Sans"/>
               </a:rPr>
-              <a:t>(3) GimmeTrajectory()</a:t>
-            </a:r>
-            <a:endParaRPr b="0" lang="en-IN" sz="2800" spc="-1" strike="noStrike">
-              <a:latin typeface="Arial"/>
-            </a:endParaRPr>
-          </a:p>
-          <a:p>
-            <a:pPr>
-              <a:lnSpc>
-                <a:spcPct val="100000"/>
-              </a:lnSpc>
-              <a:spcAft>
-                <a:spcPts val="1142"/>
-              </a:spcAft>
-            </a:pPr>
-            <a:endParaRPr b="0" lang="en-IN" sz="2800" spc="-1" strike="noStrike">
-              <a:latin typeface="Arial"/>
-            </a:endParaRPr>
-          </a:p>
-          <a:p>
-            <a:pPr>
-              <a:lnSpc>
-                <a:spcPct val="100000"/>
-              </a:lnSpc>
-              <a:spcAft>
-                <a:spcPts val="1142"/>
-              </a:spcAft>
-            </a:pPr>
+              <a:t>GimmeTrajectory() </a:t>
+            </a:r>
             <a:r>
               <a:rPr b="1" lang="en-IN" sz="2800" spc="-1" strike="noStrike">
                 <a:solidFill>
-                  <a:srgbClr val="800080"/>
-                </a:solidFill>
-                <a:latin typeface="Times New Roman"/>
-                <a:ea typeface="DejaVu Sans"/>
-              </a:rPr>
-              <a:t>GetStoreTrajectory() just tell whether the trajectory storage is enable or not.</a:t>
-            </a:r>
-            <a:endParaRPr b="0" lang="en-IN" sz="2800" spc="-1" strike="noStrike">
-              <a:latin typeface="Arial"/>
-            </a:endParaRPr>
-          </a:p>
-          <a:p>
-            <a:pPr>
-              <a:lnSpc>
-                <a:spcPct val="100000"/>
-              </a:lnSpc>
-              <a:spcAft>
-                <a:spcPts val="1142"/>
-              </a:spcAft>
-            </a:pPr>
-            <a:r>
-              <a:rPr b="1" lang="en-IN" sz="2800" spc="-1" strike="noStrike">
-                <a:solidFill>
-                  <a:srgbClr val="800080"/>
-                </a:solidFill>
-                <a:latin typeface="Times New Roman"/>
-                <a:ea typeface="DejaVu Sans"/>
-              </a:rPr>
-              <a:t>It does not give the Trajectory itself.</a:t>
-            </a:r>
-            <a:endParaRPr b="0" lang="en-IN" sz="2800" spc="-1" strike="noStrike">
-              <a:latin typeface="Arial"/>
-            </a:endParaRPr>
-          </a:p>
-          <a:p>
-            <a:pPr>
-              <a:lnSpc>
-                <a:spcPct val="100000"/>
-              </a:lnSpc>
-              <a:spcAft>
-                <a:spcPts val="1142"/>
-              </a:spcAft>
-            </a:pPr>
-            <a:r>
-              <a:rPr b="1" lang="en-IN" sz="2800" spc="-1" strike="noStrike">
-                <a:solidFill>
-                  <a:srgbClr val="800080"/>
-                </a:solidFill>
-                <a:latin typeface="Times New Roman"/>
-                <a:ea typeface="DejaVu Sans"/>
-              </a:rPr>
-              <a:t>GimmeTrajectory() function actually gives you a trajectory only if trajectory storage flag is set.</a:t>
+                  <a:srgbClr val="000000"/>
+                </a:solidFill>
+                <a:latin typeface="Times New Roman"/>
+                <a:ea typeface="DejaVu Sans"/>
+              </a:rPr>
+              <a:t>function actually gives you a trajectory only if trajectory storage flag is set.</a:t>
             </a:r>
             <a:endParaRPr b="0" lang="en-IN" sz="2800" spc="-1" strike="noStrike">
               <a:latin typeface="Arial"/>
@@ -7115,7 +7073,7 @@
         </p:nvSpPr>
         <p:spPr>
           <a:xfrm>
-            <a:off x="360000" y="1980000"/>
+            <a:off x="360000" y="1620000"/>
             <a:ext cx="9178920" cy="4678920"/>
           </a:xfrm>
           <a:prstGeom prst="rect">
@@ -7176,6 +7134,16 @@
                 <a:latin typeface="Times New Roman"/>
                 <a:ea typeface="DejaVu Sans"/>
               </a:rPr>
+              <a:t>	</a:t>
+            </a:r>
+            <a:r>
+              <a:rPr b="1" lang="en-IN" sz="1950" spc="-1" strike="noStrike">
+                <a:solidFill>
+                  <a:srgbClr val="1c1c1c"/>
+                </a:solidFill>
+                <a:latin typeface="Times New Roman"/>
+                <a:ea typeface="DejaVu Sans"/>
+              </a:rPr>
               <a:t>Particle Type</a:t>
             </a:r>
             <a:endParaRPr b="0" lang="en-IN" sz="1950" spc="-1" strike="noStrike">
@@ -7199,6 +7167,16 @@
                 <a:latin typeface="Times New Roman"/>
                 <a:ea typeface="DejaVu Sans"/>
               </a:rPr>
+              <a:t>	</a:t>
+            </a:r>
+            <a:r>
+              <a:rPr b="1" lang="en-IN" sz="1950" spc="-1" strike="noStrike">
+                <a:solidFill>
+                  <a:srgbClr val="1c1c1c"/>
+                </a:solidFill>
+                <a:latin typeface="Times New Roman"/>
+                <a:ea typeface="DejaVu Sans"/>
+              </a:rPr>
               <a:t>Physics Process</a:t>
             </a:r>
             <a:endParaRPr b="0" lang="en-IN" sz="1950" spc="-1" strike="noStrike">
@@ -7245,6 +7223,16 @@
                 <a:latin typeface="Times New Roman"/>
                 <a:ea typeface="DejaVu Sans"/>
               </a:rPr>
+              <a:t>	</a:t>
+            </a:r>
+            <a:r>
+              <a:rPr b="1" lang="en-IN" sz="1950" spc="-1" strike="noStrike">
+                <a:solidFill>
+                  <a:srgbClr val="1c1c1c"/>
+                </a:solidFill>
+                <a:latin typeface="Times New Roman"/>
+                <a:ea typeface="DejaVu Sans"/>
+              </a:rPr>
               <a:t>Determining the step length</a:t>
             </a:r>
             <a:endParaRPr b="0" lang="en-IN" sz="1950" spc="-1" strike="noStrike">
@@ -7268,6 +7256,16 @@
                 <a:latin typeface="Times New Roman"/>
                 <a:ea typeface="DejaVu Sans"/>
               </a:rPr>
+              <a:t>	</a:t>
+            </a:r>
+            <a:r>
+              <a:rPr b="1" lang="en-IN" sz="1950" spc="-1" strike="noStrike">
+                <a:solidFill>
+                  <a:srgbClr val="1c1c1c"/>
+                </a:solidFill>
+                <a:latin typeface="Times New Roman"/>
+                <a:ea typeface="DejaVu Sans"/>
+              </a:rPr>
               <a:t>Generate secondary particles</a:t>
             </a:r>
             <a:endParaRPr b="0" lang="en-IN" sz="1950" spc="-1" strike="noStrike">
@@ -7283,6 +7281,16 @@
                 <a:spcPts val="853"/>
               </a:spcAft>
             </a:pPr>
+            <a:r>
+              <a:rPr b="1" lang="en-IN" sz="1950" spc="-1" strike="noStrike">
+                <a:solidFill>
+                  <a:srgbClr val="1c1c1c"/>
+                </a:solidFill>
+                <a:latin typeface="Times New Roman"/>
+                <a:ea typeface="DejaVu Sans"/>
+              </a:rPr>
+              <a:t>	</a:t>
+            </a:r>
             <a:r>
               <a:rPr b="1" lang="en-IN" sz="1950" spc="-1" strike="noStrike">
                 <a:solidFill>
@@ -7983,7 +7991,16 @@
                 </a:solidFill>
                 <a:latin typeface="Calibri"/>
               </a:rPr>
-              <a:t>Tracking follows particles from creation to termination step-by-step.</a:t>
+              <a:t>Tracking follows particles from creation to </a:t>
+            </a:r>
+            <a:r>
+              <a:rPr b="0" lang="en-IN" sz="3200" spc="-1" strike="noStrike">
+                <a:solidFill>
+                  <a:srgbClr val="000000"/>
+                </a:solidFill>
+                <a:latin typeface="Calibri"/>
+              </a:rPr>
+              <a:t>termination step-by-step.</a:t>
             </a:r>
             <a:endParaRPr b="0" lang="en-IN" sz="3200" spc="-1" strike="noStrike">
               <a:latin typeface="Arial"/>
@@ -8010,7 +8027,16 @@
                 </a:solidFill>
                 <a:latin typeface="Calibri"/>
               </a:rPr>
-              <a:t>- Includes interactions, decays, and field effects.</a:t>
+              <a:t>- Includes interactions, decays, and field </a:t>
+            </a:r>
+            <a:r>
+              <a:rPr b="0" lang="en-IN" sz="3200" spc="-1" strike="noStrike">
+                <a:solidFill>
+                  <a:srgbClr val="000000"/>
+                </a:solidFill>
+                <a:latin typeface="Calibri"/>
+              </a:rPr>
+              <a:t>effects.</a:t>
             </a:r>
             <a:endParaRPr b="0" lang="en-IN" sz="3200" spc="-1" strike="noStrike">
               <a:latin typeface="Arial"/>
@@ -8037,7 +8063,16 @@
                 </a:solidFill>
                 <a:latin typeface="Calibri"/>
               </a:rPr>
-              <a:t>- Each step contributes to simulation accuracy.</a:t>
+              <a:t>- Each step contributes to simulation </a:t>
+            </a:r>
+            <a:r>
+              <a:rPr b="0" lang="en-IN" sz="3200" spc="-1" strike="noStrike">
+                <a:solidFill>
+                  <a:srgbClr val="000000"/>
+                </a:solidFill>
+                <a:latin typeface="Calibri"/>
+              </a:rPr>
+              <a:t>accuracy.</a:t>
             </a:r>
             <a:endParaRPr b="0" lang="en-IN" sz="3200" spc="-1" strike="noStrike">
               <a:latin typeface="Arial"/>

--- a/Presentations/Tracking.pptx
+++ b/Presentations/Tracking.pptx
@@ -28,6 +28,9 @@
     <p:sldId id="275" r:id="rId23"/>
     <p:sldId id="276" r:id="rId24"/>
     <p:sldId id="277" r:id="rId25"/>
+    <p:sldId id="278" r:id="rId26"/>
+    <p:sldId id="279" r:id="rId27"/>
+    <p:sldId id="280" r:id="rId28"/>
   </p:sldIdLst>
   <p:sldSz cx="10080625" cy="7559675"/>
   <p:notesSz cx="7559675" cy="10691812"/>
@@ -2772,7 +2775,7 @@
         <p:spPr>
           <a:xfrm>
             <a:off x="0" y="3150000"/>
-            <a:ext cx="9718920" cy="1258920"/>
+            <a:ext cx="9718560" cy="1258560"/>
           </a:xfrm>
           <a:prstGeom prst="rect">
             <a:avLst/>
@@ -3053,7 +3056,7 @@
         <p:spPr>
           <a:xfrm>
             <a:off x="0" y="180000"/>
-            <a:ext cx="9718920" cy="1258920"/>
+            <a:ext cx="9718560" cy="1258560"/>
           </a:xfrm>
           <a:prstGeom prst="rect">
             <a:avLst/>
@@ -3081,7 +3084,7 @@
         <p:spPr>
           <a:xfrm>
             <a:off x="7560000" y="6840000"/>
-            <a:ext cx="2518920" cy="538920"/>
+            <a:ext cx="2518560" cy="538560"/>
           </a:xfrm>
           <a:prstGeom prst="rect">
             <a:avLst/>
@@ -3109,7 +3112,7 @@
         <p:spPr>
           <a:xfrm>
             <a:off x="900000" y="6840000"/>
-            <a:ext cx="6478920" cy="538920"/>
+            <a:ext cx="6478560" cy="538560"/>
           </a:xfrm>
           <a:prstGeom prst="rect">
             <a:avLst/>
@@ -3137,7 +3140,7 @@
         <p:spPr>
           <a:xfrm>
             <a:off x="180000" y="6840000"/>
-            <a:ext cx="538920" cy="538920"/>
+            <a:ext cx="538560" cy="538560"/>
           </a:xfrm>
           <a:prstGeom prst="rect">
             <a:avLst/>
@@ -3416,7 +3419,7 @@
         <p:spPr>
           <a:xfrm>
             <a:off x="361080" y="3528000"/>
-            <a:ext cx="9358920" cy="556920"/>
+            <a:ext cx="9358560" cy="556560"/>
           </a:xfrm>
           <a:prstGeom prst="rect">
             <a:avLst/>
@@ -3453,7 +3456,7 @@
               <a:t>Tracking </a:t>
             </a:r>
             <a:endParaRPr b="0" lang="en-IN" sz="4400" spc="-1" strike="noStrike">
-              <a:latin typeface="Times New Roman"/>
+              <a:latin typeface="Arial"/>
             </a:endParaRPr>
           </a:p>
         </p:txBody>
@@ -3467,7 +3470,7 @@
         <p:spPr>
           <a:xfrm>
             <a:off x="540000" y="4680000"/>
-            <a:ext cx="9178920" cy="2518920"/>
+            <a:ext cx="9178560" cy="2518560"/>
           </a:xfrm>
           <a:prstGeom prst="rect">
             <a:avLst/>
@@ -3516,14 +3519,14 @@
       </p:grpSpPr>
       <p:sp>
         <p:nvSpPr>
-          <p:cNvPr id="100" name="CustomShape 1"/>
+          <p:cNvPr id="103" name="CustomShape 1"/>
           <p:cNvSpPr/>
           <p:nvPr/>
         </p:nvSpPr>
         <p:spPr>
           <a:xfrm>
             <a:off x="360000" y="612000"/>
-            <a:ext cx="9358920" cy="466920"/>
+            <a:ext cx="9358560" cy="466560"/>
           </a:xfrm>
           <a:prstGeom prst="rect">
             <a:avLst/>
@@ -3557,7 +3560,7 @@
                 <a:latin typeface="Times New Roman"/>
                 <a:ea typeface="DejaVu Sans"/>
               </a:rPr>
-              <a:t>Lifetime of a Track Object</a:t>
+              <a:t>What is a Track ??</a:t>
             </a:r>
             <a:endParaRPr b="0" lang="en-IN" sz="3200" spc="-1" strike="noStrike">
               <a:latin typeface="Arial"/>
@@ -3567,14 +3570,14 @@
       </p:sp>
       <p:sp>
         <p:nvSpPr>
-          <p:cNvPr id="101" name="CustomShape 2"/>
+          <p:cNvPr id="104" name="CustomShape 2"/>
           <p:cNvSpPr/>
           <p:nvPr/>
         </p:nvSpPr>
         <p:spPr>
           <a:xfrm>
             <a:off x="324000" y="1692000"/>
-            <a:ext cx="9178920" cy="4678920"/>
+            <a:ext cx="9178560" cy="4678560"/>
           </a:xfrm>
           <a:prstGeom prst="rect">
             <a:avLst/>
@@ -3592,7 +3595,7 @@
         </p:style>
         <p:txBody>
           <a:bodyPr lIns="0" rIns="0" tIns="0" bIns="0">
-            <a:normAutofit fontScale="82000"/>
+            <a:normAutofit fontScale="55000"/>
           </a:bodyPr>
           <a:p>
             <a:pPr>
@@ -3606,12 +3609,12 @@
             <a:r>
               <a:rPr b="1" lang="en-IN" sz="3200" spc="-1" strike="noStrike">
                 <a:solidFill>
-                  <a:srgbClr val="0000ff"/>
-                </a:solidFill>
-                <a:latin typeface="Times New Roman"/>
-                <a:ea typeface="DejaVu Sans"/>
-              </a:rPr>
-              <a:t>Each Track object disappears (is deleted) when it either</a:t>
+                  <a:srgbClr val="ff0000"/>
+                </a:solidFill>
+                <a:latin typeface="Times New Roman"/>
+                <a:ea typeface="DejaVu Sans"/>
+              </a:rPr>
+              <a:t>Our perception : A sequence of steps followed by the particle</a:t>
             </a:r>
             <a:endParaRPr b="0" lang="en-IN" sz="3200" spc="-1" strike="noStrike">
               <a:latin typeface="Arial"/>
@@ -3627,26 +3630,36 @@
               </a:spcAft>
             </a:pPr>
             <a:r>
-              <a:rPr b="1" lang="en-IN" sz="3200" spc="-1" strike="noStrike">
-                <a:solidFill>
-                  <a:srgbClr val="000000"/>
-                </a:solidFill>
-                <a:latin typeface="Times New Roman"/>
-                <a:ea typeface="DejaVu Sans"/>
-              </a:rPr>
-              <a:t>– </a:t>
-            </a:r>
-            <a:r>
-              <a:rPr b="1" lang="en-IN" sz="3200" spc="-1" strike="noStrike">
-                <a:solidFill>
-                  <a:srgbClr val="000000"/>
-                </a:solidFill>
-                <a:latin typeface="Times New Roman"/>
-                <a:ea typeface="DejaVu Sans"/>
-              </a:rPr>
-              <a:t>leaves the outermost (‘world’) volume,</a:t>
-            </a:r>
-            <a:endParaRPr b="0" lang="en-IN" sz="3200" spc="-1" strike="noStrike">
+              <a:rPr b="1" lang="en-IN" sz="2600" spc="-1" strike="noStrike">
+                <a:solidFill>
+                  <a:srgbClr val="1c1c1c"/>
+                </a:solidFill>
+                <a:latin typeface="Times New Roman"/>
+                <a:ea typeface="DejaVu Sans"/>
+              </a:rPr>
+              <a:t>In Geant4 terminology sequence of steps is a </a:t>
+            </a:r>
+            <a:r>
+              <a:rPr b="1" lang="en-IN" sz="2600" spc="-1" strike="noStrike">
+                <a:solidFill>
+                  <a:srgbClr val="0000ff"/>
+                </a:solidFill>
+                <a:latin typeface="Times New Roman"/>
+                <a:ea typeface="DejaVu Sans"/>
+              </a:rPr>
+              <a:t>Trajectory</a:t>
+            </a:r>
+            <a:r>
+              <a:rPr b="1" lang="en-IN" sz="2600" spc="-1" strike="noStrike">
+                <a:solidFill>
+                  <a:srgbClr val="1c1c1c"/>
+                </a:solidFill>
+                <a:latin typeface="Times New Roman"/>
+                <a:ea typeface="DejaVu Sans"/>
+              </a:rPr>
+              <a:t>, not a track.</a:t>
+            </a:r>
+            <a:endParaRPr b="0" lang="en-IN" sz="2600" spc="-1" strike="noStrike">
               <a:latin typeface="Arial"/>
             </a:endParaRPr>
           </a:p>
@@ -3660,26 +3673,26 @@
               </a:spcAft>
             </a:pPr>
             <a:r>
-              <a:rPr b="1" lang="en-IN" sz="3200" spc="-1" strike="noStrike">
-                <a:solidFill>
-                  <a:srgbClr val="000000"/>
-                </a:solidFill>
-                <a:latin typeface="Times New Roman"/>
-                <a:ea typeface="DejaVu Sans"/>
-              </a:rPr>
-              <a:t>– </a:t>
-            </a:r>
-            <a:r>
-              <a:rPr b="1" lang="en-IN" sz="3200" spc="-1" strike="noStrike">
-                <a:solidFill>
-                  <a:srgbClr val="000000"/>
-                </a:solidFill>
-                <a:latin typeface="Times New Roman"/>
-                <a:ea typeface="DejaVu Sans"/>
-              </a:rPr>
-              <a:t>disappears in an interaction (e.g. by decay or inelastic scattering),</a:t>
-            </a:r>
-            <a:endParaRPr b="0" lang="en-IN" sz="3200" spc="-1" strike="noStrike">
+              <a:rPr b="1" lang="en-IN" sz="2600" spc="-1" strike="noStrike">
+                <a:solidFill>
+                  <a:srgbClr val="0000ff"/>
+                </a:solidFill>
+                <a:latin typeface="Times New Roman"/>
+                <a:ea typeface="DejaVu Sans"/>
+              </a:rPr>
+              <a:t>Track</a:t>
+            </a:r>
+            <a:r>
+              <a:rPr b="1" lang="en-IN" sz="2600" spc="-1" strike="noStrike">
+                <a:solidFill>
+                  <a:srgbClr val="1c1c1c"/>
+                </a:solidFill>
+                <a:latin typeface="Times New Roman"/>
+                <a:ea typeface="DejaVu Sans"/>
+              </a:rPr>
+              <a:t> :  Represent by G4Track class represent the current state (snapshot of a particle).</a:t>
+            </a:r>
+            <a:endParaRPr b="0" lang="en-IN" sz="2600" spc="-1" strike="noStrike">
               <a:latin typeface="Arial"/>
             </a:endParaRPr>
           </a:p>
@@ -3693,26 +3706,16 @@
               </a:spcAft>
             </a:pPr>
             <a:r>
-              <a:rPr b="1" lang="en-IN" sz="3200" spc="-1" strike="noStrike">
-                <a:solidFill>
-                  <a:srgbClr val="000000"/>
-                </a:solidFill>
-                <a:latin typeface="Times New Roman"/>
-                <a:ea typeface="DejaVu Sans"/>
-              </a:rPr>
-              <a:t>– </a:t>
-            </a:r>
-            <a:r>
-              <a:rPr b="1" lang="en-IN" sz="3200" spc="-1" strike="noStrike">
-                <a:solidFill>
-                  <a:srgbClr val="000000"/>
-                </a:solidFill>
-                <a:latin typeface="Times New Roman"/>
-                <a:ea typeface="DejaVu Sans"/>
-              </a:rPr>
-              <a:t>it’s kinetic energy becomes zero </a:t>
-            </a:r>
-            <a:endParaRPr b="0" lang="en-IN" sz="3200" spc="-1" strike="noStrike">
+              <a:rPr b="1" lang="en-IN" sz="2600" spc="-1" strike="noStrike">
+                <a:solidFill>
+                  <a:srgbClr val="1c1c1c"/>
+                </a:solidFill>
+                <a:latin typeface="Times New Roman"/>
+                <a:ea typeface="DejaVu Sans"/>
+              </a:rPr>
+              <a:t>Gives information about the particle at the time of query.</a:t>
+            </a:r>
+            <a:endParaRPr b="0" lang="en-IN" sz="2600" spc="-1" strike="noStrike">
               <a:latin typeface="Arial"/>
             </a:endParaRPr>
           </a:p>
@@ -3726,26 +3729,36 @@
               </a:spcAft>
             </a:pPr>
             <a:r>
-              <a:rPr b="1" lang="en-IN" sz="3200" spc="-1" strike="noStrike">
-                <a:solidFill>
-                  <a:srgbClr val="000000"/>
-                </a:solidFill>
-                <a:latin typeface="Times New Roman"/>
-                <a:ea typeface="DejaVu Sans"/>
-              </a:rPr>
-              <a:t>– </a:t>
-            </a:r>
-            <a:r>
-              <a:rPr b="1" lang="en-IN" sz="3200" spc="-1" strike="noStrike">
-                <a:solidFill>
-                  <a:srgbClr val="000000"/>
-                </a:solidFill>
-                <a:latin typeface="Times New Roman"/>
-                <a:ea typeface="DejaVu Sans"/>
-              </a:rPr>
-              <a:t>the user decides to kill it ( ‘artificially’ ).</a:t>
-            </a:r>
-            <a:endParaRPr b="0" lang="en-IN" sz="3200" spc="-1" strike="noStrike">
+              <a:rPr b="1" lang="en-IN" sz="2600" spc="-1" strike="noStrike">
+                <a:solidFill>
+                  <a:srgbClr val="1c1c1c"/>
+                </a:solidFill>
+                <a:latin typeface="Times New Roman"/>
+                <a:ea typeface="DejaVu Sans"/>
+              </a:rPr>
+              <a:t>Pointer to the track object can be obtained from steps by call </a:t>
+            </a:r>
+            <a:r>
+              <a:rPr b="1" lang="en-IN" sz="2600" spc="-1" strike="noStrike">
+                <a:solidFill>
+                  <a:srgbClr val="0000ff"/>
+                </a:solidFill>
+                <a:latin typeface="Times New Roman"/>
+                <a:ea typeface="DejaVu Sans"/>
+              </a:rPr>
+              <a:t>GetTrack()</a:t>
+            </a:r>
+            <a:r>
+              <a:rPr b="1" lang="en-IN" sz="2600" spc="-1" strike="noStrike">
+                <a:solidFill>
+                  <a:srgbClr val="1c1c1c"/>
+                </a:solidFill>
+                <a:latin typeface="Times New Roman"/>
+                <a:ea typeface="DejaVu Sans"/>
+              </a:rPr>
+              <a:t> function.</a:t>
+            </a:r>
+            <a:endParaRPr b="0" lang="en-IN" sz="2600" spc="-1" strike="noStrike">
               <a:latin typeface="Arial"/>
             </a:endParaRPr>
           </a:p>
@@ -3759,26 +3772,82 @@
               </a:spcAft>
             </a:pPr>
             <a:r>
-              <a:rPr b="1" lang="en-IN" sz="3200" spc="-1" strike="noStrike">
-                <a:solidFill>
-                  <a:srgbClr val="000000"/>
-                </a:solidFill>
-                <a:latin typeface="Times New Roman"/>
-                <a:ea typeface="DejaVu Sans"/>
-              </a:rPr>
-              <a:t>– </a:t>
-            </a:r>
-            <a:r>
-              <a:rPr b="1" lang="en-IN" sz="3200" spc="-1" strike="noStrike">
-                <a:solidFill>
-                  <a:srgbClr val="000000"/>
-                </a:solidFill>
-                <a:latin typeface="Times New Roman"/>
-                <a:ea typeface="DejaVu Sans"/>
-              </a:rPr>
-              <a:t>all the Tracks (particles) disappears in the end of event.</a:t>
-            </a:r>
-            <a:endParaRPr b="0" lang="en-IN" sz="3200" spc="-1" strike="noStrike">
+              <a:rPr b="1" lang="en-IN" sz="2600" spc="-1" strike="noStrike">
+                <a:solidFill>
+                  <a:srgbClr val="0000ff"/>
+                </a:solidFill>
+                <a:latin typeface="Times New Roman"/>
+                <a:ea typeface="DejaVu Sans"/>
+              </a:rPr>
+              <a:t>G4TrackingManager</a:t>
+            </a:r>
+            <a:r>
+              <a:rPr b="1" lang="en-IN" sz="2600" spc="-1" strike="noStrike">
+                <a:solidFill>
+                  <a:srgbClr val="1c1c1c"/>
+                </a:solidFill>
+                <a:latin typeface="Times New Roman"/>
+                <a:ea typeface="DejaVu Sans"/>
+              </a:rPr>
+              <a:t> is the manager class</a:t>
+            </a:r>
+            <a:endParaRPr b="0" lang="en-IN" sz="2600" spc="-1" strike="noStrike">
+              <a:latin typeface="Arial"/>
+            </a:endParaRPr>
+          </a:p>
+          <a:p>
+            <a:pPr>
+              <a:lnSpc>
+                <a:spcPct val="100000"/>
+              </a:lnSpc>
+              <a:spcAft>
+                <a:spcPts val="1142"/>
+              </a:spcAft>
+            </a:pPr>
+            <a:r>
+              <a:rPr b="1" lang="en-IN" sz="2600" spc="-1" strike="noStrike">
+                <a:solidFill>
+                  <a:srgbClr val="c9211e"/>
+                </a:solidFill>
+                <a:latin typeface="Times New Roman"/>
+                <a:ea typeface="DejaVu Sans"/>
+              </a:rPr>
+              <a:t>G4UserTrackingAction</a:t>
+            </a:r>
+            <a:r>
+              <a:rPr b="1" lang="en-IN" sz="2600" spc="-1" strike="noStrike">
+                <a:solidFill>
+                  <a:srgbClr val="1c1c1c"/>
+                </a:solidFill>
+                <a:latin typeface="Times New Roman"/>
+                <a:ea typeface="DejaVu Sans"/>
+              </a:rPr>
+              <a:t> is the optional user hook</a:t>
+            </a:r>
+            <a:endParaRPr b="0" lang="en-IN" sz="2600" spc="-1" strike="noStrike">
+              <a:latin typeface="Arial"/>
+            </a:endParaRPr>
+          </a:p>
+          <a:p>
+            <a:pPr>
+              <a:lnSpc>
+                <a:spcPct val="100000"/>
+              </a:lnSpc>
+              <a:spcAft>
+                <a:spcPts val="1142"/>
+              </a:spcAft>
+            </a:pPr>
+            <a:r>
+              <a:rPr b="1" lang="en-IN" sz="2600" spc="-1" strike="noStrike">
+                <a:solidFill>
+                  <a:srgbClr val="1c1c1c"/>
+                </a:solidFill>
+                <a:latin typeface="Times New Roman"/>
+                <a:ea typeface="DejaVu Sans"/>
+              </a:rPr>
+              <a:t>Create your own Tracking class inherited from G4UserTrackingAction to implement new features, and to interact with Track during the simulation</a:t>
+            </a:r>
+            <a:endParaRPr b="0" lang="en-IN" sz="2600" spc="-1" strike="noStrike">
               <a:latin typeface="Arial"/>
             </a:endParaRPr>
           </a:p>
@@ -3839,14 +3908,14 @@
       </p:grpSpPr>
       <p:sp>
         <p:nvSpPr>
-          <p:cNvPr id="102" name="CustomShape 1"/>
+          <p:cNvPr id="105" name="CustomShape 1"/>
           <p:cNvSpPr/>
           <p:nvPr/>
         </p:nvSpPr>
         <p:spPr>
           <a:xfrm>
-            <a:off x="360000" y="612000"/>
-            <a:ext cx="9358920" cy="466920"/>
+            <a:off x="360000" y="360000"/>
+            <a:ext cx="9358560" cy="898560"/>
           </a:xfrm>
           <a:prstGeom prst="rect">
             <a:avLst/>
@@ -3873,16 +3942,16 @@
               </a:lnSpc>
             </a:pPr>
             <a:r>
-              <a:rPr b="1" lang="en-IN" sz="3200" spc="-1" strike="noStrike">
+              <a:rPr b="1" lang="en-IN" sz="2600" spc="-1" strike="noStrike">
                 <a:solidFill>
                   <a:srgbClr val="ffffff"/>
                 </a:solidFill>
-                <a:latin typeface="Times New Roman"/>
-                <a:ea typeface="DejaVu Sans"/>
-              </a:rPr>
-              <a:t>Situation where UserTrackingAction is useful !!!</a:t>
-            </a:r>
-            <a:endParaRPr b="0" lang="en-IN" sz="3200" spc="-1" strike="noStrike">
+                <a:latin typeface="Arial"/>
+                <a:ea typeface="DejaVu Sans"/>
+              </a:rPr>
+              <a:t>Getting information from Trackingaction</a:t>
+            </a:r>
+            <a:endParaRPr b="1" lang="en-IN" sz="2600" spc="-1" strike="noStrike">
               <a:latin typeface="Arial"/>
             </a:endParaRPr>
           </a:p>
@@ -3890,14 +3959,14 @@
       </p:sp>
       <p:sp>
         <p:nvSpPr>
-          <p:cNvPr id="103" name="CustomShape 2"/>
+          <p:cNvPr id="106" name="CustomShape 2"/>
           <p:cNvSpPr/>
           <p:nvPr/>
         </p:nvSpPr>
         <p:spPr>
           <a:xfrm>
-            <a:off x="324000" y="1692000"/>
-            <a:ext cx="9178920" cy="4678920"/>
+            <a:off x="216000" y="2160000"/>
+            <a:ext cx="3960000" cy="2649960"/>
           </a:xfrm>
           <a:prstGeom prst="rect">
             <a:avLst/>
@@ -3914,193 +3983,895 @@
           <a:fontRef idx="minor"/>
         </p:style>
         <p:txBody>
-          <a:bodyPr lIns="0" rIns="0" tIns="0" bIns="0">
-            <a:normAutofit/>
+          <a:bodyPr lIns="90000" rIns="90000" tIns="45000" bIns="45000">
+            <a:noAutofit/>
           </a:bodyPr>
           <a:p>
             <a:pPr>
               <a:lnSpc>
                 <a:spcPct val="100000"/>
               </a:lnSpc>
-              <a:spcAft>
-                <a:spcPts val="1142"/>
-              </a:spcAft>
-            </a:pPr>
-            <a:r>
-              <a:rPr b="1" lang="en-IN" sz="2400" spc="-1" strike="noStrike">
+            </a:pPr>
+            <a:r>
+              <a:rPr b="0" lang="en-IN" sz="1500" spc="-1" strike="noStrike">
+                <a:latin typeface="Arial"/>
+              </a:rPr>
+              <a:t>class </a:t>
+            </a:r>
+            <a:r>
+              <a:rPr b="1" lang="en-IN" sz="1500" spc="-1" strike="noStrike">
+                <a:solidFill>
+                  <a:srgbClr val="0000ff"/>
+                </a:solidFill>
+                <a:latin typeface="Arial"/>
+              </a:rPr>
+              <a:t>G4UserTrackingAction</a:t>
+            </a:r>
+            <a:endParaRPr b="0" lang="en-IN" sz="1500" spc="-1" strike="noStrike">
+              <a:latin typeface="Arial"/>
+            </a:endParaRPr>
+          </a:p>
+          <a:p>
+            <a:pPr>
+              <a:lnSpc>
+                <a:spcPct val="100000"/>
+              </a:lnSpc>
+            </a:pPr>
+            <a:r>
+              <a:rPr b="0" lang="en-IN" sz="1500" spc="-1" strike="noStrike">
+                <a:latin typeface="Arial"/>
+              </a:rPr>
+              <a:t>{</a:t>
+            </a:r>
+            <a:endParaRPr b="0" lang="en-IN" sz="1500" spc="-1" strike="noStrike">
+              <a:latin typeface="Arial"/>
+            </a:endParaRPr>
+          </a:p>
+          <a:p>
+            <a:pPr>
+              <a:lnSpc>
+                <a:spcPct val="100000"/>
+              </a:lnSpc>
+            </a:pPr>
+            <a:endParaRPr b="0" lang="en-IN" sz="1500" spc="-1" strike="noStrike">
+              <a:latin typeface="Arial"/>
+            </a:endParaRPr>
+          </a:p>
+          <a:p>
+            <a:pPr>
+              <a:lnSpc>
+                <a:spcPct val="100000"/>
+              </a:lnSpc>
+            </a:pPr>
+            <a:r>
+              <a:rPr b="0" lang="en-IN" sz="1500" spc="-1" strike="noStrike">
+                <a:latin typeface="Arial"/>
+              </a:rPr>
+              <a:t>      </a:t>
+            </a:r>
+            <a:r>
+              <a:rPr b="0" lang="en-IN" sz="1500" spc="-1" strike="noStrike">
+                <a:latin typeface="Arial"/>
+              </a:rPr>
+              <a:t>G4UserTrackingAction();</a:t>
+            </a:r>
+            <a:endParaRPr b="0" lang="en-IN" sz="1500" spc="-1" strike="noStrike">
+              <a:latin typeface="Arial"/>
+            </a:endParaRPr>
+          </a:p>
+          <a:p>
+            <a:pPr>
+              <a:lnSpc>
+                <a:spcPct val="100000"/>
+              </a:lnSpc>
+            </a:pPr>
+            <a:r>
+              <a:rPr b="0" lang="en-IN" sz="1500" spc="-1" strike="noStrike">
+                <a:latin typeface="Arial"/>
+              </a:rPr>
+              <a:t>      </a:t>
+            </a:r>
+            <a:r>
+              <a:rPr b="0" lang="en-IN" sz="1500" spc="-1" strike="noStrike">
+                <a:latin typeface="Arial"/>
+              </a:rPr>
+              <a:t>virtual ~G4UserTracking();</a:t>
+            </a:r>
+            <a:endParaRPr b="0" lang="en-IN" sz="1500" spc="-1" strike="noStrike">
+              <a:latin typeface="Arial"/>
+            </a:endParaRPr>
+          </a:p>
+          <a:p>
+            <a:pPr>
+              <a:lnSpc>
+                <a:spcPct val="100000"/>
+              </a:lnSpc>
+            </a:pPr>
+            <a:r>
+              <a:rPr b="0" lang="en-IN" sz="1500" spc="-1" strike="noStrike">
+                <a:latin typeface="Arial"/>
+              </a:rPr>
+              <a:t>      </a:t>
+            </a:r>
+            <a:r>
+              <a:rPr b="0" lang="en-IN" sz="1500" spc="-1" strike="noStrike">
+                <a:latin typeface="Arial"/>
+              </a:rPr>
+              <a:t>virtual void </a:t>
+            </a:r>
+            <a:r>
+              <a:rPr b="1" lang="en-IN" sz="1500" spc="-1" strike="noStrike">
+                <a:solidFill>
+                  <a:srgbClr val="be480a"/>
+                </a:solidFill>
+                <a:latin typeface="Arial"/>
+              </a:rPr>
+              <a:t>PreUserTrackingAction</a:t>
+            </a:r>
+            <a:r>
+              <a:rPr b="0" lang="en-IN" sz="1500" spc="-1" strike="noStrike">
+                <a:latin typeface="Arial"/>
+              </a:rPr>
+              <a:t>(const          G4Track* track);</a:t>
+            </a:r>
+            <a:endParaRPr b="0" lang="en-IN" sz="1500" spc="-1" strike="noStrike">
+              <a:latin typeface="Arial"/>
+            </a:endParaRPr>
+          </a:p>
+          <a:p>
+            <a:pPr>
+              <a:lnSpc>
+                <a:spcPct val="100000"/>
+              </a:lnSpc>
+            </a:pPr>
+            <a:r>
+              <a:rPr b="0" lang="en-IN" sz="1500" spc="-1" strike="noStrike">
+                <a:latin typeface="Arial"/>
+              </a:rPr>
+              <a:t>      </a:t>
+            </a:r>
+            <a:r>
+              <a:rPr b="0" lang="en-IN" sz="1500" spc="-1" strike="noStrike">
+                <a:latin typeface="Arial"/>
+              </a:rPr>
+              <a:t>virtual void PostUserTracking</a:t>
+            </a:r>
+            <a:r>
+              <a:rPr b="1" lang="en-IN" sz="1500" spc="-1" strike="noStrike">
+                <a:solidFill>
+                  <a:srgbClr val="be480a"/>
+                </a:solidFill>
+                <a:latin typeface="Arial"/>
+              </a:rPr>
+              <a:t>Action</a:t>
+            </a:r>
+            <a:r>
+              <a:rPr b="0" lang="en-IN" sz="1500" spc="-1" strike="noStrike">
+                <a:latin typeface="Arial"/>
+              </a:rPr>
+              <a:t>(const             G4Track *track);</a:t>
+            </a:r>
+            <a:endParaRPr b="0" lang="en-IN" sz="1500" spc="-1" strike="noStrike">
+              <a:latin typeface="Arial"/>
+            </a:endParaRPr>
+          </a:p>
+          <a:p>
+            <a:pPr>
+              <a:lnSpc>
+                <a:spcPct val="100000"/>
+              </a:lnSpc>
+            </a:pPr>
+            <a:r>
+              <a:rPr b="0" lang="en-IN" sz="1500" spc="-1" strike="noStrike">
+                <a:latin typeface="Arial"/>
+              </a:rPr>
+              <a:t>}</a:t>
+            </a:r>
+            <a:endParaRPr b="0" lang="en-IN" sz="1500" spc="-1" strike="noStrike">
+              <a:latin typeface="Arial"/>
+            </a:endParaRPr>
+          </a:p>
+        </p:txBody>
+      </p:sp>
+      <p:sp>
+        <p:nvSpPr>
+          <p:cNvPr id="107" name="CustomShape 3"/>
+          <p:cNvSpPr/>
+          <p:nvPr/>
+        </p:nvSpPr>
+        <p:spPr>
+          <a:xfrm>
+            <a:off x="4580640" y="1446120"/>
+            <a:ext cx="5355360" cy="4183200"/>
+          </a:xfrm>
+          <a:prstGeom prst="rect">
+            <a:avLst/>
+          </a:prstGeom>
+          <a:noFill/>
+          <a:ln>
+            <a:noFill/>
+          </a:ln>
+        </p:spPr>
+        <p:style>
+          <a:lnRef idx="0"/>
+          <a:fillRef idx="0"/>
+          <a:effectRef idx="0"/>
+          <a:fontRef idx="minor"/>
+        </p:style>
+        <p:txBody>
+          <a:bodyPr lIns="90000" rIns="90000" tIns="45000" bIns="45000">
+            <a:noAutofit/>
+          </a:bodyPr>
+          <a:p>
+            <a:pPr>
+              <a:lnSpc>
+                <a:spcPct val="100000"/>
+              </a:lnSpc>
+            </a:pPr>
+            <a:r>
+              <a:rPr b="0" lang="en-IN" sz="1600" spc="-1" strike="noStrike">
+                <a:latin typeface="Arial"/>
+              </a:rPr>
+              <a:t>class </a:t>
+            </a:r>
+            <a:r>
+              <a:rPr b="1" lang="en-IN" sz="1600" spc="-1" strike="noStrike">
+                <a:solidFill>
+                  <a:srgbClr val="00a933"/>
+                </a:solidFill>
+                <a:latin typeface="Arial"/>
+              </a:rPr>
+              <a:t>MyClass_TrackingAction</a:t>
+            </a:r>
+            <a:r>
+              <a:rPr b="0" lang="en-IN" sz="1600" spc="-1" strike="noStrike">
+                <a:latin typeface="Arial"/>
+              </a:rPr>
+              <a:t> : public  </a:t>
+            </a:r>
+            <a:r>
+              <a:rPr b="1" lang="en-IN" sz="1600" spc="-1" strike="noStrike">
+                <a:solidFill>
+                  <a:srgbClr val="0000ff"/>
+                </a:solidFill>
+                <a:latin typeface="Arial"/>
+              </a:rPr>
+              <a:t>G4UserTrackingAction</a:t>
+            </a:r>
+            <a:r>
+              <a:rPr b="0" lang="en-IN" sz="1600" spc="-1" strike="noStrike">
+                <a:latin typeface="Arial"/>
+              </a:rPr>
+              <a:t>{</a:t>
+            </a:r>
+            <a:endParaRPr b="0" lang="en-IN" sz="1600" spc="-1" strike="noStrike">
+              <a:latin typeface="Arial"/>
+            </a:endParaRPr>
+          </a:p>
+          <a:p>
+            <a:pPr>
+              <a:lnSpc>
+                <a:spcPct val="100000"/>
+              </a:lnSpc>
+            </a:pPr>
+            <a:endParaRPr b="0" lang="en-IN" sz="1600" spc="-1" strike="noStrike">
+              <a:latin typeface="Arial"/>
+            </a:endParaRPr>
+          </a:p>
+          <a:p>
+            <a:pPr>
+              <a:lnSpc>
+                <a:spcPct val="100000"/>
+              </a:lnSpc>
+            </a:pPr>
+            <a:r>
+              <a:rPr b="0" lang="en-IN" sz="1600" spc="-1" strike="noStrike">
+                <a:latin typeface="Arial"/>
+                <a:ea typeface="Noto Sans CJK SC"/>
+              </a:rPr>
+              <a:t>    </a:t>
+            </a:r>
+            <a:r>
+              <a:rPr b="1" lang="en-IN" sz="1600" spc="-1" strike="noStrike">
+                <a:solidFill>
+                  <a:srgbClr val="00a933"/>
+                </a:solidFill>
+                <a:latin typeface="Arial"/>
+              </a:rPr>
+              <a:t>MyClass</a:t>
+            </a:r>
+            <a:r>
+              <a:rPr b="0" lang="en-IN" sz="1600" spc="-1" strike="noStrike">
+                <a:latin typeface="Arial"/>
+              </a:rPr>
+              <a:t>_TrackingAction();</a:t>
+            </a:r>
+            <a:endParaRPr b="0" lang="en-IN" sz="1600" spc="-1" strike="noStrike">
+              <a:latin typeface="Arial"/>
+            </a:endParaRPr>
+          </a:p>
+          <a:p>
+            <a:pPr>
+              <a:lnSpc>
+                <a:spcPct val="100000"/>
+              </a:lnSpc>
+            </a:pPr>
+            <a:r>
+              <a:rPr b="0" lang="en-IN" sz="1600" spc="-1" strike="noStrike">
+                <a:latin typeface="Arial"/>
+                <a:ea typeface="Noto Sans CJK SC"/>
+              </a:rPr>
+              <a:t>    </a:t>
+            </a:r>
+            <a:r>
+              <a:rPr b="0" lang="en-IN" sz="1600" spc="-1" strike="noStrike">
+                <a:latin typeface="Arial"/>
+                <a:ea typeface="Noto Sans CJK SC"/>
+              </a:rPr>
+              <a:t>~</a:t>
+            </a:r>
+            <a:r>
+              <a:rPr b="1" lang="en-IN" sz="1600" spc="-1" strike="noStrike">
+                <a:solidFill>
+                  <a:srgbClr val="00a933"/>
+                </a:solidFill>
+                <a:latin typeface="Arial"/>
+              </a:rPr>
+              <a:t>MyClass</a:t>
+            </a:r>
+            <a:r>
+              <a:rPr b="0" lang="en-IN" sz="1600" spc="-1" strike="noStrike">
+                <a:latin typeface="Arial"/>
+              </a:rPr>
+              <a:t>_TrackingAction();</a:t>
+            </a:r>
+            <a:endParaRPr b="0" lang="en-IN" sz="1600" spc="-1" strike="noStrike">
+              <a:latin typeface="Arial"/>
+            </a:endParaRPr>
+          </a:p>
+          <a:p>
+            <a:pPr>
+              <a:lnSpc>
+                <a:spcPct val="100000"/>
+              </a:lnSpc>
+            </a:pPr>
+            <a:r>
+              <a:rPr b="0" lang="en-IN" sz="1600" spc="-1" strike="noStrike">
+                <a:latin typeface="Arial"/>
+              </a:rPr>
+              <a:t>     </a:t>
+            </a:r>
+            <a:r>
+              <a:rPr b="0" lang="en-IN" sz="1600" spc="-1" strike="noStrike">
+                <a:latin typeface="Arial"/>
+              </a:rPr>
+              <a:t>Doubel eDep;</a:t>
+            </a:r>
+            <a:endParaRPr b="0" lang="en-IN" sz="1600" spc="-1" strike="noStrike">
+              <a:latin typeface="Arial"/>
+            </a:endParaRPr>
+          </a:p>
+          <a:p>
+            <a:pPr>
+              <a:lnSpc>
+                <a:spcPct val="100000"/>
+              </a:lnSpc>
+            </a:pPr>
+            <a:endParaRPr b="0" lang="en-IN" sz="1600" spc="-1" strike="noStrike">
+              <a:latin typeface="Arial"/>
+            </a:endParaRPr>
+          </a:p>
+          <a:p>
+            <a:pPr>
+              <a:lnSpc>
+                <a:spcPct val="100000"/>
+              </a:lnSpc>
+            </a:pPr>
+            <a:r>
+              <a:rPr b="0" lang="en-IN" sz="1600" spc="-1" strike="noStrike">
+                <a:latin typeface="Arial"/>
+              </a:rPr>
+              <a:t>    </a:t>
+            </a:r>
+            <a:r>
+              <a:rPr b="0" lang="en-IN" sz="1600" spc="-1" strike="noStrike">
+                <a:solidFill>
+                  <a:srgbClr val="6a1816"/>
+                </a:solidFill>
+                <a:latin typeface="Arial"/>
+              </a:rPr>
+              <a:t>void </a:t>
+            </a:r>
+            <a:r>
+              <a:rPr b="1" lang="en-IN" sz="1600" spc="-1" strike="noStrike">
+                <a:solidFill>
+                  <a:srgbClr val="be480a"/>
+                </a:solidFill>
+                <a:latin typeface="Arial"/>
+              </a:rPr>
+              <a:t>PreUserTrackingAction</a:t>
+            </a:r>
+            <a:r>
+              <a:rPr b="0" lang="en-IN" sz="1600" spc="-1" strike="noStrike">
+                <a:solidFill>
+                  <a:srgbClr val="6a1816"/>
+                </a:solidFill>
+                <a:latin typeface="Arial"/>
+              </a:rPr>
+              <a:t>(const G4Track* track){</a:t>
+            </a:r>
+            <a:endParaRPr b="0" lang="en-IN" sz="1600" spc="-1" strike="noStrike">
+              <a:latin typeface="Arial"/>
+            </a:endParaRPr>
+          </a:p>
+          <a:p>
+            <a:pPr>
+              <a:lnSpc>
+                <a:spcPct val="100000"/>
+              </a:lnSpc>
+            </a:pPr>
+            <a:r>
+              <a:rPr b="1" lang="en-IN" sz="1600" spc="-1" strike="noStrike">
+                <a:solidFill>
+                  <a:srgbClr val="6a1816"/>
+                </a:solidFill>
+                <a:latin typeface="Arial"/>
+              </a:rPr>
+              <a:t>    </a:t>
+            </a:r>
+            <a:r>
+              <a:rPr b="1" lang="en-IN" sz="1600" spc="-1" strike="noStrike">
+                <a:solidFill>
+                  <a:srgbClr val="6a1816"/>
+                </a:solidFill>
+                <a:latin typeface="Arial"/>
+              </a:rPr>
+              <a:t>	</a:t>
+            </a:r>
+            <a:r>
+              <a:rPr b="1" lang="en-IN" sz="1600" spc="-1" strike="noStrike">
                 <a:solidFill>
                   <a:srgbClr val="000000"/>
                 </a:solidFill>
-                <a:latin typeface="Times New Roman"/>
-                <a:ea typeface="DejaVu Sans"/>
-              </a:rPr>
-              <a:t>Holds a pointer to G4TrackingManager</a:t>
-            </a:r>
-            <a:endParaRPr b="0" lang="en-IN" sz="2400" spc="-1" strike="noStrike">
-              <a:latin typeface="Arial"/>
-            </a:endParaRPr>
-          </a:p>
-          <a:p>
-            <a:pPr>
-              <a:lnSpc>
-                <a:spcPct val="100000"/>
-              </a:lnSpc>
-              <a:spcAft>
-                <a:spcPts val="1142"/>
-              </a:spcAft>
-            </a:pPr>
-            <a:r>
-              <a:rPr b="1" lang="en-IN" sz="2600" spc="-1" strike="noStrike">
-                <a:solidFill>
-                  <a:srgbClr val="1c1c1c"/>
-                </a:solidFill>
-                <a:latin typeface="Times New Roman"/>
-                <a:ea typeface="DejaVu Sans"/>
-              </a:rPr>
-              <a:t>Contains 2 important function  </a:t>
-            </a:r>
-            <a:endParaRPr b="0" lang="en-IN" sz="2600" spc="-1" strike="noStrike">
-              <a:latin typeface="Arial"/>
-            </a:endParaRPr>
-          </a:p>
-          <a:p>
-            <a:pPr>
-              <a:lnSpc>
-                <a:spcPct val="100000"/>
-              </a:lnSpc>
-              <a:spcAft>
-                <a:spcPts val="1142"/>
-              </a:spcAft>
-            </a:pPr>
-            <a:r>
-              <a:rPr b="1" lang="en-IN" sz="2600" spc="-1" strike="noStrike">
-                <a:solidFill>
-                  <a:srgbClr val="0000ff"/>
-                </a:solidFill>
-                <a:latin typeface="Times New Roman"/>
-                <a:ea typeface="DejaVu Sans"/>
-              </a:rPr>
-              <a:t>1) PreUserTrackingAction(const G4Track*) : </a:t>
-            </a:r>
-            <a:endParaRPr b="0" lang="en-IN" sz="2600" spc="-1" strike="noStrike">
-              <a:latin typeface="Arial"/>
-            </a:endParaRPr>
-          </a:p>
-          <a:p>
-            <a:pPr>
-              <a:lnSpc>
-                <a:spcPct val="100000"/>
-              </a:lnSpc>
-              <a:spcAft>
-                <a:spcPts val="1142"/>
-              </a:spcAft>
-            </a:pPr>
-            <a:r>
-              <a:rPr b="1" lang="en-IN" sz="2600" spc="-1" strike="noStrike">
-                <a:solidFill>
-                  <a:srgbClr val="1c1c1c"/>
-                </a:solidFill>
-                <a:latin typeface="Times New Roman"/>
-                <a:ea typeface="DejaVu Sans"/>
-              </a:rPr>
-              <a:t>Called when a new track is about to be processed and useful for following</a:t>
-            </a:r>
-            <a:endParaRPr b="0" lang="en-IN" sz="2600" spc="-1" strike="noStrike">
-              <a:latin typeface="Arial"/>
-            </a:endParaRPr>
-          </a:p>
-          <a:p>
-            <a:pPr>
-              <a:lnSpc>
-                <a:spcPct val="100000"/>
-              </a:lnSpc>
-              <a:spcAft>
-                <a:spcPts val="1142"/>
-              </a:spcAft>
-            </a:pPr>
-            <a:r>
-              <a:rPr b="1" lang="en-IN" sz="2600" spc="-1" strike="noStrike">
-                <a:solidFill>
-                  <a:srgbClr val="1c1c1c"/>
-                </a:solidFill>
-                <a:latin typeface="Times New Roman"/>
-                <a:ea typeface="DejaVu Sans"/>
-              </a:rPr>
-              <a:t>Filtering or classifying track based on certain condition (eg. Store only charged particles..)</a:t>
-            </a:r>
-            <a:endParaRPr b="0" lang="en-IN" sz="2600" spc="-1" strike="noStrike">
-              <a:latin typeface="Arial"/>
-            </a:endParaRPr>
-          </a:p>
-          <a:p>
-            <a:pPr>
-              <a:lnSpc>
-                <a:spcPct val="100000"/>
-              </a:lnSpc>
-              <a:spcAft>
-                <a:spcPts val="1142"/>
-              </a:spcAft>
-            </a:pPr>
-            <a:r>
-              <a:rPr b="1" lang="en-IN" sz="2600" spc="-1" strike="noStrike">
-                <a:solidFill>
-                  <a:srgbClr val="1c1c1c"/>
-                </a:solidFill>
-                <a:latin typeface="Times New Roman"/>
-                <a:ea typeface="DejaVu Sans"/>
-              </a:rPr>
-              <a:t>Enabling or disabling trajectory storage for specific particles.</a:t>
-            </a:r>
-            <a:endParaRPr b="0" lang="en-IN" sz="2600" spc="-1" strike="noStrike">
-              <a:latin typeface="Arial"/>
-            </a:endParaRPr>
-          </a:p>
-          <a:p>
-            <a:pPr>
-              <a:lnSpc>
-                <a:spcPct val="100000"/>
-              </a:lnSpc>
-              <a:spcAft>
-                <a:spcPts val="1142"/>
-              </a:spcAft>
-            </a:pPr>
-            <a:r>
-              <a:rPr b="1" lang="en-IN" sz="2600" spc="-1" strike="noStrike">
-                <a:solidFill>
-                  <a:srgbClr val="ff0000"/>
-                </a:solidFill>
-                <a:latin typeface="Times New Roman"/>
-                <a:ea typeface="DejaVu Sans"/>
-              </a:rPr>
-              <a:t>[By default Geant4 does not store the trajectory to save memory and performance, but it can be done if required.]</a:t>
-            </a:r>
-            <a:endParaRPr b="0" lang="en-IN" sz="2600" spc="-1" strike="noStrike">
-              <a:latin typeface="Arial"/>
-            </a:endParaRPr>
-          </a:p>
-          <a:p>
-            <a:pPr>
-              <a:lnSpc>
-                <a:spcPct val="100000"/>
-              </a:lnSpc>
-              <a:spcAft>
-                <a:spcPts val="1142"/>
-              </a:spcAft>
-            </a:pPr>
-            <a:endParaRPr b="0" lang="en-IN" sz="2600" spc="-1" strike="noStrike">
-              <a:latin typeface="Arial"/>
-            </a:endParaRPr>
-          </a:p>
-          <a:p>
-            <a:pPr>
-              <a:lnSpc>
-                <a:spcPct val="100000"/>
-              </a:lnSpc>
-              <a:spcAft>
-                <a:spcPts val="1142"/>
-              </a:spcAft>
-            </a:pPr>
-            <a:endParaRPr b="0" lang="en-IN" sz="2600" spc="-1" strike="noStrike">
+                <a:latin typeface="Arial"/>
+              </a:rPr>
+              <a:t>//Write your stuff here</a:t>
+            </a:r>
+            <a:endParaRPr b="0" lang="en-IN" sz="1600" spc="-1" strike="noStrike">
+              <a:latin typeface="Arial"/>
+            </a:endParaRPr>
+          </a:p>
+          <a:p>
+            <a:pPr>
+              <a:lnSpc>
+                <a:spcPct val="100000"/>
+              </a:lnSpc>
+            </a:pPr>
+            <a:r>
+              <a:rPr b="1" lang="en-IN" sz="1600" spc="-1" strike="noStrike">
+                <a:solidFill>
+                  <a:srgbClr val="000000"/>
+                </a:solidFill>
+                <a:latin typeface="Arial"/>
+              </a:rPr>
+              <a:t>	</a:t>
+            </a:r>
+            <a:r>
+              <a:rPr b="1" lang="en-IN" sz="1600" spc="-1" strike="noStrike">
+                <a:solidFill>
+                  <a:srgbClr val="000000"/>
+                </a:solidFill>
+                <a:latin typeface="Arial"/>
+              </a:rPr>
+              <a:t>//Get all the secondaries generated</a:t>
+            </a:r>
+            <a:endParaRPr b="0" lang="en-IN" sz="1600" spc="-1" strike="noStrike">
+              <a:latin typeface="Arial"/>
+            </a:endParaRPr>
+          </a:p>
+          <a:p>
+            <a:pPr>
+              <a:lnSpc>
+                <a:spcPct val="100000"/>
+              </a:lnSpc>
+            </a:pPr>
+            <a:r>
+              <a:rPr b="1" lang="en-IN" sz="1600" spc="-1" strike="noStrike">
+                <a:solidFill>
+                  <a:srgbClr val="000000"/>
+                </a:solidFill>
+                <a:latin typeface="Arial"/>
+              </a:rPr>
+              <a:t>        </a:t>
+            </a:r>
+            <a:r>
+              <a:rPr b="1" lang="en-IN" sz="1600" spc="-1" strike="noStrike">
+                <a:solidFill>
+                  <a:srgbClr val="000000"/>
+                </a:solidFill>
+                <a:latin typeface="Arial"/>
+              </a:rPr>
+              <a:t>//Filter secondaries</a:t>
+            </a:r>
+            <a:endParaRPr b="0" lang="en-IN" sz="1600" spc="-1" strike="noStrike">
+              <a:latin typeface="Arial"/>
+            </a:endParaRPr>
+          </a:p>
+          <a:p>
+            <a:pPr>
+              <a:lnSpc>
+                <a:spcPct val="100000"/>
+              </a:lnSpc>
+            </a:pPr>
+            <a:endParaRPr b="0" lang="en-IN" sz="1600" spc="-1" strike="noStrike">
+              <a:latin typeface="Arial"/>
+            </a:endParaRPr>
+          </a:p>
+          <a:p>
+            <a:pPr>
+              <a:lnSpc>
+                <a:spcPct val="100000"/>
+              </a:lnSpc>
+            </a:pPr>
+            <a:r>
+              <a:rPr b="0" lang="en-IN" sz="1600" spc="-1" strike="noStrike">
+                <a:solidFill>
+                  <a:srgbClr val="6a1816"/>
+                </a:solidFill>
+                <a:latin typeface="Arial"/>
+              </a:rPr>
+              <a:t>    </a:t>
+            </a:r>
+            <a:r>
+              <a:rPr b="0" lang="en-IN" sz="1600" spc="-1" strike="noStrike">
+                <a:solidFill>
+                  <a:srgbClr val="6a1816"/>
+                </a:solidFill>
+                <a:latin typeface="Arial"/>
+              </a:rPr>
+              <a:t>}</a:t>
+            </a:r>
+            <a:endParaRPr b="0" lang="en-IN" sz="1600" spc="-1" strike="noStrike">
+              <a:latin typeface="Arial"/>
+            </a:endParaRPr>
+          </a:p>
+          <a:p>
+            <a:pPr>
+              <a:lnSpc>
+                <a:spcPct val="100000"/>
+              </a:lnSpc>
+            </a:pPr>
+            <a:r>
+              <a:rPr b="0" lang="en-IN" sz="1600" spc="-1" strike="noStrike">
+                <a:solidFill>
+                  <a:srgbClr val="6a1816"/>
+                </a:solidFill>
+                <a:latin typeface="Arial"/>
+              </a:rPr>
+              <a:t>    </a:t>
+            </a:r>
+            <a:r>
+              <a:rPr b="0" lang="en-IN" sz="1600" spc="-1" strike="noStrike">
+                <a:solidFill>
+                  <a:srgbClr val="6a1816"/>
+                </a:solidFill>
+                <a:latin typeface="Arial"/>
+              </a:rPr>
+              <a:t>void </a:t>
+            </a:r>
+            <a:r>
+              <a:rPr b="1" lang="en-IN" sz="1600" spc="-1" strike="noStrike">
+                <a:solidFill>
+                  <a:srgbClr val="be480a"/>
+                </a:solidFill>
+                <a:latin typeface="Arial"/>
+              </a:rPr>
+              <a:t>PostUserTrackingAction</a:t>
+            </a:r>
+            <a:r>
+              <a:rPr b="0" lang="en-IN" sz="1600" spc="-1" strike="noStrike">
+                <a:solidFill>
+                  <a:srgbClr val="6a1816"/>
+                </a:solidFill>
+                <a:latin typeface="Arial"/>
+              </a:rPr>
+              <a:t>(const G4Track* track){</a:t>
+            </a:r>
+            <a:endParaRPr b="0" lang="en-IN" sz="1600" spc="-1" strike="noStrike">
+              <a:latin typeface="Arial"/>
+            </a:endParaRPr>
+          </a:p>
+          <a:p>
+            <a:pPr>
+              <a:lnSpc>
+                <a:spcPct val="100000"/>
+              </a:lnSpc>
+            </a:pPr>
+            <a:r>
+              <a:rPr b="1" lang="en-IN" sz="1600" spc="-1" strike="noStrike">
+                <a:solidFill>
+                  <a:srgbClr val="6a1816"/>
+                </a:solidFill>
+                <a:latin typeface="Arial"/>
+              </a:rPr>
+              <a:t>    </a:t>
+            </a:r>
+            <a:r>
+              <a:rPr b="1" lang="en-IN" sz="1600" spc="-1" strike="noStrike">
+                <a:solidFill>
+                  <a:srgbClr val="6a1816"/>
+                </a:solidFill>
+                <a:latin typeface="Arial"/>
+              </a:rPr>
+              <a:t>	</a:t>
+            </a:r>
+            <a:r>
+              <a:rPr b="1" lang="en-IN" sz="1600" spc="-1" strike="noStrike">
+                <a:solidFill>
+                  <a:srgbClr val="000000"/>
+                </a:solidFill>
+                <a:latin typeface="Arial"/>
+              </a:rPr>
+              <a:t>//Write your stuff here</a:t>
+            </a:r>
+            <a:endParaRPr b="0" lang="en-IN" sz="1600" spc="-1" strike="noStrike">
+              <a:latin typeface="Arial"/>
+            </a:endParaRPr>
+          </a:p>
+          <a:p>
+            <a:pPr>
+              <a:lnSpc>
+                <a:spcPct val="100000"/>
+              </a:lnSpc>
+            </a:pPr>
+            <a:r>
+              <a:rPr b="1" lang="en-IN" sz="1600" spc="-1" strike="noStrike">
+                <a:solidFill>
+                  <a:srgbClr val="000000"/>
+                </a:solidFill>
+                <a:latin typeface="Arial"/>
+              </a:rPr>
+              <a:t>	</a:t>
+            </a:r>
+            <a:r>
+              <a:rPr b="1" lang="en-IN" sz="1600" spc="-1" strike="noStrike">
+                <a:solidFill>
+                  <a:srgbClr val="000000"/>
+                </a:solidFill>
+                <a:latin typeface="Arial"/>
+              </a:rPr>
+              <a:t>//Process the complete trajectory</a:t>
+            </a:r>
+            <a:endParaRPr b="0" lang="en-IN" sz="1600" spc="-1" strike="noStrike">
+              <a:latin typeface="Arial"/>
+            </a:endParaRPr>
+          </a:p>
+          <a:p>
+            <a:pPr>
+              <a:lnSpc>
+                <a:spcPct val="100000"/>
+              </a:lnSpc>
+            </a:pPr>
+            <a:r>
+              <a:rPr b="1" lang="en-IN" sz="1600" spc="-1" strike="noStrike">
+                <a:solidFill>
+                  <a:srgbClr val="6a1816"/>
+                </a:solidFill>
+                <a:latin typeface="Arial"/>
+              </a:rPr>
+              <a:t>	</a:t>
+            </a:r>
+            <a:endParaRPr b="0" lang="en-IN" sz="1600" spc="-1" strike="noStrike">
+              <a:latin typeface="Arial"/>
+            </a:endParaRPr>
+          </a:p>
+          <a:p>
+            <a:pPr>
+              <a:lnSpc>
+                <a:spcPct val="100000"/>
+              </a:lnSpc>
+            </a:pPr>
+            <a:r>
+              <a:rPr b="0" lang="en-IN" sz="1600" spc="-1" strike="noStrike">
+                <a:solidFill>
+                  <a:srgbClr val="6a1816"/>
+                </a:solidFill>
+                <a:latin typeface="Arial"/>
+              </a:rPr>
+              <a:t>     </a:t>
+            </a:r>
+            <a:r>
+              <a:rPr b="0" lang="en-IN" sz="1600" spc="-1" strike="noStrike">
+                <a:solidFill>
+                  <a:srgbClr val="6a1816"/>
+                </a:solidFill>
+                <a:latin typeface="Arial"/>
+              </a:rPr>
+              <a:t>}</a:t>
+            </a:r>
+            <a:endParaRPr b="0" lang="en-IN" sz="1600" spc="-1" strike="noStrike">
+              <a:latin typeface="Arial"/>
+            </a:endParaRPr>
+          </a:p>
+          <a:p>
+            <a:pPr>
+              <a:lnSpc>
+                <a:spcPct val="100000"/>
+              </a:lnSpc>
+            </a:pPr>
+            <a:r>
+              <a:rPr b="0" lang="en-IN" sz="1800" spc="-1" strike="noStrike">
+                <a:solidFill>
+                  <a:srgbClr val="6a1816"/>
+                </a:solidFill>
+                <a:latin typeface="Arial"/>
+              </a:rPr>
+              <a:t>}</a:t>
+            </a:r>
+            <a:endParaRPr b="0" lang="en-IN" sz="1800" spc="-1" strike="noStrike">
+              <a:latin typeface="Arial"/>
+            </a:endParaRPr>
+          </a:p>
+          <a:p>
+            <a:pPr>
+              <a:lnSpc>
+                <a:spcPct val="100000"/>
+              </a:lnSpc>
+            </a:pPr>
+            <a:r>
+              <a:rPr b="0" lang="en-IN" sz="1600" spc="-1" strike="noStrike">
+                <a:solidFill>
+                  <a:srgbClr val="6a1816"/>
+                </a:solidFill>
+                <a:latin typeface="Arial"/>
+              </a:rPr>
+              <a:t>;</a:t>
+            </a:r>
+            <a:endParaRPr b="0" lang="en-IN" sz="1600" spc="-1" strike="noStrike">
+              <a:latin typeface="Arial"/>
+            </a:endParaRPr>
+          </a:p>
+        </p:txBody>
+      </p:sp>
+      <p:sp>
+        <p:nvSpPr>
+          <p:cNvPr id="108" name="Line 4"/>
+          <p:cNvSpPr/>
+          <p:nvPr/>
+        </p:nvSpPr>
+        <p:spPr>
+          <a:xfrm>
+            <a:off x="4176000" y="1584000"/>
+            <a:ext cx="0" cy="4392000"/>
+          </a:xfrm>
+          <a:prstGeom prst="line">
+            <a:avLst/>
+          </a:prstGeom>
+          <a:ln w="36000">
+            <a:solidFill>
+              <a:srgbClr val="ff4000"/>
+            </a:solidFill>
+            <a:round/>
+          </a:ln>
+        </p:spPr>
+        <p:style>
+          <a:lnRef idx="0"/>
+          <a:fillRef idx="0"/>
+          <a:effectRef idx="0"/>
+          <a:fontRef idx="minor"/>
+        </p:style>
+      </p:sp>
+      <p:sp>
+        <p:nvSpPr>
+          <p:cNvPr id="109" name="TextShape 5"/>
+          <p:cNvSpPr txBox="1"/>
+          <p:nvPr/>
+        </p:nvSpPr>
+        <p:spPr>
+          <a:xfrm>
+            <a:off x="72000" y="6169320"/>
+            <a:ext cx="10076400" cy="602280"/>
+          </a:xfrm>
+          <a:prstGeom prst="rect">
+            <a:avLst/>
+          </a:prstGeom>
+          <a:noFill/>
+          <a:ln>
+            <a:noFill/>
+          </a:ln>
+        </p:spPr>
+        <p:txBody>
+          <a:bodyPr lIns="90000" rIns="90000" tIns="45000" bIns="45000">
+            <a:noAutofit/>
+          </a:bodyPr>
+          <a:p>
+            <a:r>
+              <a:rPr b="0" lang="en-IN" sz="1800" spc="-1" strike="noStrike">
+                <a:latin typeface="Arial"/>
+              </a:rPr>
+              <a:t>Now just register the object of your </a:t>
+            </a:r>
+            <a:r>
+              <a:rPr b="1" lang="en-IN" sz="1800" spc="-1" strike="noStrike">
+                <a:latin typeface="Arial"/>
+              </a:rPr>
+              <a:t>EventAction</a:t>
+            </a:r>
+            <a:r>
+              <a:rPr b="0" lang="en-IN" sz="1800" spc="-1" strike="noStrike">
+                <a:latin typeface="Arial"/>
+              </a:rPr>
+              <a:t> with RunManager</a:t>
+            </a:r>
+            <a:endParaRPr b="0" lang="en-IN" sz="1800" spc="-1" strike="noStrike">
+              <a:latin typeface="Arial"/>
+            </a:endParaRPr>
+          </a:p>
+          <a:p>
+            <a:pPr>
+              <a:lnSpc>
+                <a:spcPct val="100000"/>
+              </a:lnSpc>
+            </a:pPr>
+            <a:r>
+              <a:rPr b="1" lang="en-IN" sz="1800" spc="-1" strike="noStrike">
+                <a:solidFill>
+                  <a:srgbClr val="ce181e"/>
+                </a:solidFill>
+                <a:latin typeface="Arial"/>
+                <a:ea typeface="Noto Sans CJK SC"/>
+              </a:rPr>
+              <a:t>SetUserAction(</a:t>
+            </a:r>
+            <a:r>
+              <a:rPr b="1" lang="en-IN" sz="1800" spc="-1" strike="noStrike">
+                <a:solidFill>
+                  <a:srgbClr val="000000"/>
+                </a:solidFill>
+                <a:latin typeface="Arial"/>
+                <a:ea typeface="Noto Sans CJK SC"/>
+              </a:rPr>
+              <a:t>new</a:t>
+            </a:r>
+            <a:r>
+              <a:rPr b="1" lang="en-IN" sz="1800" spc="-1" strike="noStrike">
+                <a:solidFill>
+                  <a:srgbClr val="ce181e"/>
+                </a:solidFill>
+                <a:latin typeface="Arial"/>
+                <a:ea typeface="Noto Sans CJK SC"/>
+              </a:rPr>
+              <a:t> </a:t>
+            </a:r>
+            <a:r>
+              <a:rPr b="1" lang="en-IN" sz="1600" spc="-1" strike="noStrike">
+                <a:solidFill>
+                  <a:srgbClr val="00a933"/>
+                </a:solidFill>
+                <a:latin typeface="Arial"/>
+                <a:ea typeface="Noto Sans CJK SC"/>
+              </a:rPr>
+              <a:t>MyClass</a:t>
+            </a:r>
+            <a:r>
+              <a:rPr b="1" lang="en-IN" sz="1600" spc="-1" strike="noStrike">
+                <a:solidFill>
+                  <a:srgbClr val="00a933"/>
+                </a:solidFill>
+                <a:latin typeface="Arial"/>
+              </a:rPr>
+              <a:t>_EventAction</a:t>
+            </a:r>
+            <a:r>
+              <a:rPr b="1" lang="en-IN" sz="1800" spc="-1" strike="noStrike">
+                <a:solidFill>
+                  <a:srgbClr val="ce181e"/>
+                </a:solidFill>
+                <a:latin typeface="Arial"/>
+              </a:rPr>
+              <a:t>);</a:t>
+            </a:r>
+            <a:endParaRPr b="0" lang="en-IN" sz="1800" spc="-1" strike="noStrike">
               <a:latin typeface="Arial"/>
             </a:endParaRPr>
           </a:p>
@@ -4138,14 +4909,65 @@
       </p:grpSpPr>
       <p:sp>
         <p:nvSpPr>
-          <p:cNvPr id="104" name="CustomShape 1"/>
+          <p:cNvPr id="110" name="CustomShape 1"/>
           <p:cNvSpPr/>
           <p:nvPr/>
         </p:nvSpPr>
         <p:spPr>
           <a:xfrm>
-            <a:off x="252000" y="1476000"/>
-            <a:ext cx="9178920" cy="4678920"/>
+            <a:off x="360000" y="612000"/>
+            <a:ext cx="9358560" cy="466560"/>
+          </a:xfrm>
+          <a:prstGeom prst="rect">
+            <a:avLst/>
+          </a:prstGeom>
+          <a:noFill/>
+          <a:ln>
+            <a:noFill/>
+          </a:ln>
+        </p:spPr>
+        <p:style>
+          <a:lnRef idx="0"/>
+          <a:fillRef idx="0"/>
+          <a:effectRef idx="0"/>
+          <a:fontRef idx="minor"/>
+        </p:style>
+        <p:txBody>
+          <a:bodyPr lIns="0" rIns="0" tIns="0" bIns="0" anchor="b">
+            <a:noAutofit/>
+          </a:bodyPr>
+          <a:p>
+            <a:pPr>
+              <a:lnSpc>
+                <a:spcPct val="100000"/>
+              </a:lnSpc>
+            </a:pPr>
+            <a:r>
+              <a:rPr b="1" lang="en-IN" sz="3200" spc="-1" strike="noStrike">
+                <a:solidFill>
+                  <a:srgbClr val="ffffff"/>
+                </a:solidFill>
+                <a:latin typeface="Times New Roman"/>
+                <a:ea typeface="DejaVu Sans"/>
+              </a:rPr>
+              <a:t>Lifetime of a Track Object</a:t>
+            </a:r>
+            <a:endParaRPr b="0" lang="en-IN" sz="3200" spc="-1" strike="noStrike">
+              <a:latin typeface="Arial"/>
+            </a:endParaRPr>
+          </a:p>
+        </p:txBody>
+      </p:sp>
+      <p:sp>
+        <p:nvSpPr>
+          <p:cNvPr id="111" name="CustomShape 2"/>
+          <p:cNvSpPr/>
+          <p:nvPr/>
+        </p:nvSpPr>
+        <p:spPr>
+          <a:xfrm>
+            <a:off x="324000" y="1692000"/>
+            <a:ext cx="9178560" cy="4678560"/>
           </a:xfrm>
           <a:prstGeom prst="rect">
             <a:avLst/>
@@ -4163,7 +4985,7 @@
         </p:style>
         <p:txBody>
           <a:bodyPr lIns="0" rIns="0" tIns="0" bIns="0">
-            <a:normAutofit fontScale="60000"/>
+            <a:normAutofit fontScale="81000"/>
           </a:bodyPr>
           <a:p>
             <a:pPr>
@@ -4175,16 +4997,16 @@
               </a:spcAft>
             </a:pPr>
             <a:r>
-              <a:rPr b="1" lang="en-IN" sz="2400" spc="-1" strike="noStrike">
-                <a:solidFill>
-                  <a:srgbClr val="800080"/>
-                </a:solidFill>
-                <a:latin typeface="Times New Roman"/>
-                <a:ea typeface="DejaVu Sans"/>
-              </a:rPr>
-              <a:t>If Geant4 does not store trajectory, how it visualizes them ?</a:t>
-            </a:r>
-            <a:endParaRPr b="0" lang="en-IN" sz="2400" spc="-1" strike="noStrike">
+              <a:rPr b="1" lang="en-IN" sz="3200" spc="-1" strike="noStrike">
+                <a:solidFill>
+                  <a:srgbClr val="0000ff"/>
+                </a:solidFill>
+                <a:latin typeface="Times New Roman"/>
+                <a:ea typeface="DejaVu Sans"/>
+              </a:rPr>
+              <a:t>Each Track object disappears (is deleted) when it either</a:t>
+            </a:r>
+            <a:endParaRPr b="0" lang="en-IN" sz="3200" spc="-1" strike="noStrike">
               <a:latin typeface="Arial"/>
             </a:endParaRPr>
           </a:p>
@@ -4198,16 +5020,26 @@
               </a:spcAft>
             </a:pPr>
             <a:r>
-              <a:rPr b="1" lang="en-IN" sz="2400" spc="-1" strike="noStrike">
+              <a:rPr b="1" lang="en-IN" sz="3200" spc="-1" strike="noStrike">
                 <a:solidFill>
                   <a:srgbClr val="000000"/>
                 </a:solidFill>
                 <a:latin typeface="Times New Roman"/>
                 <a:ea typeface="DejaVu Sans"/>
               </a:rPr>
-              <a:t>During interactive mode, Geant4 dynamically creates and visualizes trajectories.</a:t>
-            </a:r>
-            <a:endParaRPr b="0" lang="en-IN" sz="2400" spc="-1" strike="noStrike">
+              <a:t>– </a:t>
+            </a:r>
+            <a:r>
+              <a:rPr b="1" lang="en-IN" sz="3200" spc="-1" strike="noStrike">
+                <a:solidFill>
+                  <a:srgbClr val="000000"/>
+                </a:solidFill>
+                <a:latin typeface="Times New Roman"/>
+                <a:ea typeface="DejaVu Sans"/>
+              </a:rPr>
+              <a:t>leaves the outermost (‘world’) volume,</a:t>
+            </a:r>
+            <a:endParaRPr b="0" lang="en-IN" sz="3200" spc="-1" strike="noStrike">
               <a:latin typeface="Arial"/>
             </a:endParaRPr>
           </a:p>
@@ -4221,16 +5053,26 @@
               </a:spcAft>
             </a:pPr>
             <a:r>
-              <a:rPr b="1" lang="en-IN" sz="2400" spc="-1" strike="noStrike">
+              <a:rPr b="1" lang="en-IN" sz="3200" spc="-1" strike="noStrike">
                 <a:solidFill>
                   <a:srgbClr val="000000"/>
                 </a:solidFill>
                 <a:latin typeface="Times New Roman"/>
                 <a:ea typeface="DejaVu Sans"/>
               </a:rPr>
-              <a:t>This behavior is controlled by the visualization manager and trajectory drawing settings.</a:t>
-            </a:r>
-            <a:endParaRPr b="0" lang="en-IN" sz="2400" spc="-1" strike="noStrike">
+              <a:t>– </a:t>
+            </a:r>
+            <a:r>
+              <a:rPr b="1" lang="en-IN" sz="3200" spc="-1" strike="noStrike">
+                <a:solidFill>
+                  <a:srgbClr val="000000"/>
+                </a:solidFill>
+                <a:latin typeface="Times New Roman"/>
+                <a:ea typeface="DejaVu Sans"/>
+              </a:rPr>
+              <a:t>disappears in an interaction (e.g. by decay or inelastic scattering),</a:t>
+            </a:r>
+            <a:endParaRPr b="0" lang="en-IN" sz="3200" spc="-1" strike="noStrike">
               <a:latin typeface="Arial"/>
             </a:endParaRPr>
           </a:p>
@@ -4244,16 +5086,26 @@
               </a:spcAft>
             </a:pPr>
             <a:r>
-              <a:rPr b="1" lang="en-IN" sz="2400" spc="-1" strike="noStrike">
-                <a:solidFill>
-                  <a:srgbClr val="ff3838"/>
-                </a:solidFill>
-                <a:latin typeface="Times New Roman"/>
-                <a:ea typeface="DejaVu Sans"/>
-              </a:rPr>
-              <a:t>[Try running your simulation in interactive mode and batch mode]</a:t>
-            </a:r>
-            <a:endParaRPr b="0" lang="en-IN" sz="2400" spc="-1" strike="noStrike">
+              <a:rPr b="1" lang="en-IN" sz="3200" spc="-1" strike="noStrike">
+                <a:solidFill>
+                  <a:srgbClr val="000000"/>
+                </a:solidFill>
+                <a:latin typeface="Times New Roman"/>
+                <a:ea typeface="DejaVu Sans"/>
+              </a:rPr>
+              <a:t>– </a:t>
+            </a:r>
+            <a:r>
+              <a:rPr b="1" lang="en-IN" sz="3200" spc="-1" strike="noStrike">
+                <a:solidFill>
+                  <a:srgbClr val="000000"/>
+                </a:solidFill>
+                <a:latin typeface="Times New Roman"/>
+                <a:ea typeface="DejaVu Sans"/>
+              </a:rPr>
+              <a:t>it’s kinetic energy becomes zero </a:t>
+            </a:r>
+            <a:endParaRPr b="0" lang="en-IN" sz="3200" spc="-1" strike="noStrike">
               <a:latin typeface="Arial"/>
             </a:endParaRPr>
           </a:p>
@@ -4267,16 +5119,26 @@
               </a:spcAft>
             </a:pPr>
             <a:r>
-              <a:rPr b="1" lang="en-IN" sz="2400" spc="-1" strike="noStrike">
+              <a:rPr b="1" lang="en-IN" sz="3200" spc="-1" strike="noStrike">
                 <a:solidFill>
                   <a:srgbClr val="000000"/>
                 </a:solidFill>
                 <a:latin typeface="Times New Roman"/>
                 <a:ea typeface="DejaVu Sans"/>
               </a:rPr>
-              <a:t>These objects are passed to the visualization manager, which renders them in OpenGL, HepRep, or other visualization engines.</a:t>
-            </a:r>
-            <a:endParaRPr b="0" lang="en-IN" sz="2400" spc="-1" strike="noStrike">
+              <a:t>– </a:t>
+            </a:r>
+            <a:r>
+              <a:rPr b="1" lang="en-IN" sz="3200" spc="-1" strike="noStrike">
+                <a:solidFill>
+                  <a:srgbClr val="000000"/>
+                </a:solidFill>
+                <a:latin typeface="Times New Roman"/>
+                <a:ea typeface="DejaVu Sans"/>
+              </a:rPr>
+              <a:t>the user decides to kill it ( ‘artificially’ ).</a:t>
+            </a:r>
+            <a:endParaRPr b="0" lang="en-IN" sz="3200" spc="-1" strike="noStrike">
               <a:latin typeface="Arial"/>
             </a:endParaRPr>
           </a:p>
@@ -4290,16 +5152,26 @@
               </a:spcAft>
             </a:pPr>
             <a:r>
-              <a:rPr b="1" lang="en-IN" sz="2400" spc="-1" strike="noStrike">
+              <a:rPr b="1" lang="en-IN" sz="3200" spc="-1" strike="noStrike">
                 <a:solidFill>
                   <a:srgbClr val="000000"/>
                 </a:solidFill>
                 <a:latin typeface="Times New Roman"/>
                 <a:ea typeface="DejaVu Sans"/>
               </a:rPr>
-              <a:t>The temporary trajectories exist only while the event is processed, and they are discarded after visualization.</a:t>
-            </a:r>
-            <a:endParaRPr b="0" lang="en-IN" sz="2400" spc="-1" strike="noStrike">
+              <a:t>– </a:t>
+            </a:r>
+            <a:r>
+              <a:rPr b="1" lang="en-IN" sz="3200" spc="-1" strike="noStrike">
+                <a:solidFill>
+                  <a:srgbClr val="000000"/>
+                </a:solidFill>
+                <a:latin typeface="Times New Roman"/>
+                <a:ea typeface="DejaVu Sans"/>
+              </a:rPr>
+              <a:t>all the Tracks (particles) disappears in the end of event.</a:t>
+            </a:r>
+            <a:endParaRPr b="0" lang="en-IN" sz="3200" spc="-1" strike="noStrike">
               <a:latin typeface="Arial"/>
             </a:endParaRPr>
           </a:p>
@@ -4313,146 +5185,21 @@
               </a:spcAft>
             </a:pPr>
             <a:r>
-              <a:rPr b="1" lang="en-IN" sz="2400" spc="-1" strike="noStrike">
-                <a:solidFill>
-                  <a:srgbClr val="000000"/>
-                </a:solidFill>
-                <a:latin typeface="Times New Roman"/>
-                <a:ea typeface="DejaVu Sans"/>
-              </a:rPr>
-              <a:t>If you want to save them: You must explicitly enable storage using </a:t>
-            </a:r>
-            <a:r>
-              <a:rPr b="1" lang="en-IN" sz="2400" spc="-1" strike="noStrike">
-                <a:solidFill>
-                  <a:srgbClr val="0000ff"/>
-                </a:solidFill>
-                <a:latin typeface="Times New Roman"/>
-                <a:ea typeface="DejaVu Sans"/>
-              </a:rPr>
-              <a:t>SetStoreTrajectory(true). </a:t>
-            </a:r>
-            <a:endParaRPr b="0" lang="en-IN" sz="2400" spc="-1" strike="noStrike">
-              <a:latin typeface="Arial"/>
-            </a:endParaRPr>
-          </a:p>
-          <a:p>
-            <a:pPr>
-              <a:lnSpc>
-                <a:spcPct val="100000"/>
-              </a:lnSpc>
-              <a:spcAft>
-                <a:spcPts val="1142"/>
-              </a:spcAft>
-            </a:pPr>
-            <a:r>
-              <a:rPr b="1" lang="en-IN" sz="2400" spc="-1" strike="noStrike">
-                <a:solidFill>
-                  <a:srgbClr val="ff0000"/>
-                </a:solidFill>
-                <a:latin typeface="Times New Roman"/>
-                <a:ea typeface="DejaVu Sans"/>
-              </a:rPr>
-              <a:t>[Do it carefully, as you </a:t>
-            </a:r>
-            <a:endParaRPr b="0" lang="en-IN" sz="2400" spc="-1" strike="noStrike">
-              <a:latin typeface="Arial"/>
-            </a:endParaRPr>
-          </a:p>
-          <a:p>
-            <a:pPr>
-              <a:lnSpc>
-                <a:spcPct val="100000"/>
-              </a:lnSpc>
-              <a:spcAft>
-                <a:spcPts val="1142"/>
-              </a:spcAft>
-            </a:pPr>
-            <a:r>
-              <a:rPr b="1" lang="en-IN" sz="2400" spc="-1" strike="noStrike">
-                <a:solidFill>
-                  <a:srgbClr val="ff0000"/>
-                </a:solidFill>
-                <a:latin typeface="Times New Roman"/>
-                <a:ea typeface="DejaVu Sans"/>
-              </a:rPr>
-              <a:t>are going to store a lot</a:t>
-            </a:r>
-            <a:endParaRPr b="0" lang="en-IN" sz="2400" spc="-1" strike="noStrike">
-              <a:latin typeface="Arial"/>
-            </a:endParaRPr>
-          </a:p>
-          <a:p>
-            <a:pPr>
-              <a:lnSpc>
-                <a:spcPct val="100000"/>
-              </a:lnSpc>
-              <a:spcAft>
-                <a:spcPts val="1142"/>
-              </a:spcAft>
-            </a:pPr>
-            <a:r>
-              <a:rPr b="1" lang="en-IN" sz="2400" spc="-1" strike="noStrike">
-                <a:solidFill>
-                  <a:srgbClr val="ff0000"/>
+              <a:rPr b="1" lang="en-IN" sz="2600" spc="-1" strike="noStrike">
+                <a:solidFill>
+                  <a:srgbClr val="1c1c1c"/>
                 </a:solidFill>
                 <a:latin typeface="Times New Roman"/>
                 <a:ea typeface="DejaVu Sans"/>
               </a:rPr>
               <a:t> </a:t>
             </a:r>
-            <a:r>
-              <a:rPr b="1" lang="en-IN" sz="2400" spc="-1" strike="noStrike">
-                <a:solidFill>
-                  <a:srgbClr val="ff0000"/>
-                </a:solidFill>
-                <a:latin typeface="Times New Roman"/>
-                <a:ea typeface="DejaVu Sans"/>
-              </a:rPr>
-              <a:t>of data]</a:t>
-            </a:r>
-            <a:endParaRPr b="0" lang="en-IN" sz="2400" spc="-1" strike="noStrike">
-              <a:latin typeface="Arial"/>
-            </a:endParaRPr>
-          </a:p>
-          <a:p>
-            <a:pPr>
-              <a:lnSpc>
-                <a:spcPct val="100000"/>
-              </a:lnSpc>
-              <a:spcAft>
-                <a:spcPts val="1142"/>
-              </a:spcAft>
-            </a:pPr>
-            <a:endParaRPr b="0" lang="en-IN" sz="2400" spc="-1" strike="noStrike">
+            <a:endParaRPr b="0" lang="en-IN" sz="2600" spc="-1" strike="noStrike">
               <a:latin typeface="Arial"/>
             </a:endParaRPr>
           </a:p>
         </p:txBody>
       </p:sp>
-      <p:pic>
-        <p:nvPicPr>
-          <p:cNvPr id="105" name="" descr=""/>
-          <p:cNvPicPr/>
-          <p:nvPr/>
-        </p:nvPicPr>
-        <p:blipFill>
-          <a:blip r:embed="rId1"/>
-          <a:stretch/>
-        </p:blipFill>
-        <p:spPr>
-          <a:xfrm>
-            <a:off x="2664000" y="5087520"/>
-            <a:ext cx="7416720" cy="1392480"/>
-          </a:xfrm>
-          <a:prstGeom prst="rect">
-            <a:avLst/>
-          </a:prstGeom>
-          <a:ln>
-            <a:noFill/>
-          </a:ln>
-        </p:spPr>
-      </p:pic>
     </p:spTree>
   </p:cSld>
   <mc:AlternateContent>
@@ -4485,14 +5232,65 @@
       </p:grpSpPr>
       <p:sp>
         <p:nvSpPr>
-          <p:cNvPr id="106" name="CustomShape 1"/>
+          <p:cNvPr id="112" name="CustomShape 1"/>
           <p:cNvSpPr/>
           <p:nvPr/>
         </p:nvSpPr>
         <p:spPr>
           <a:xfrm>
-            <a:off x="252000" y="1476000"/>
-            <a:ext cx="9828720" cy="5220000"/>
+            <a:off x="360000" y="612000"/>
+            <a:ext cx="9358560" cy="466560"/>
+          </a:xfrm>
+          <a:prstGeom prst="rect">
+            <a:avLst/>
+          </a:prstGeom>
+          <a:noFill/>
+          <a:ln>
+            <a:noFill/>
+          </a:ln>
+        </p:spPr>
+        <p:style>
+          <a:lnRef idx="0"/>
+          <a:fillRef idx="0"/>
+          <a:effectRef idx="0"/>
+          <a:fontRef idx="minor"/>
+        </p:style>
+        <p:txBody>
+          <a:bodyPr lIns="0" rIns="0" tIns="0" bIns="0" anchor="b">
+            <a:noAutofit/>
+          </a:bodyPr>
+          <a:p>
+            <a:pPr>
+              <a:lnSpc>
+                <a:spcPct val="100000"/>
+              </a:lnSpc>
+            </a:pPr>
+            <a:r>
+              <a:rPr b="1" lang="en-IN" sz="3200" spc="-1" strike="noStrike">
+                <a:solidFill>
+                  <a:srgbClr val="ffffff"/>
+                </a:solidFill>
+                <a:latin typeface="Times New Roman"/>
+                <a:ea typeface="DejaVu Sans"/>
+              </a:rPr>
+              <a:t>Situation where UserTrackingAction is useful !!!</a:t>
+            </a:r>
+            <a:endParaRPr b="0" lang="en-IN" sz="3200" spc="-1" strike="noStrike">
+              <a:latin typeface="Arial"/>
+            </a:endParaRPr>
+          </a:p>
+        </p:txBody>
+      </p:sp>
+      <p:sp>
+        <p:nvSpPr>
+          <p:cNvPr id="113" name="CustomShape 2"/>
+          <p:cNvSpPr/>
+          <p:nvPr/>
+        </p:nvSpPr>
+        <p:spPr>
+          <a:xfrm>
+            <a:off x="324000" y="1692000"/>
+            <a:ext cx="9178560" cy="4678560"/>
           </a:xfrm>
           <a:prstGeom prst="rect">
             <a:avLst/>
@@ -4510,7 +5308,7 @@
         </p:style>
         <p:txBody>
           <a:bodyPr lIns="0" rIns="0" tIns="0" bIns="0">
-            <a:normAutofit fontScale="51000"/>
+            <a:normAutofit/>
           </a:bodyPr>
           <a:p>
             <a:pPr>
@@ -4522,16 +5320,16 @@
               </a:spcAft>
             </a:pPr>
             <a:r>
-              <a:rPr b="1" lang="en-IN" sz="2800" spc="-1" strike="noStrike">
-                <a:solidFill>
-                  <a:srgbClr val="800080"/>
-                </a:solidFill>
-                <a:latin typeface="Times New Roman"/>
-                <a:ea typeface="DejaVu Sans"/>
-              </a:rPr>
-              <a:t>Lets verify the trajectory in the interactive and batch mode.</a:t>
-            </a:r>
-            <a:endParaRPr b="0" lang="en-IN" sz="2800" spc="-1" strike="noStrike">
+              <a:rPr b="1" lang="en-IN" sz="2400" spc="-1" strike="noStrike">
+                <a:solidFill>
+                  <a:srgbClr val="000000"/>
+                </a:solidFill>
+                <a:latin typeface="Times New Roman"/>
+                <a:ea typeface="DejaVu Sans"/>
+              </a:rPr>
+              <a:t>Holds a pointer to G4TrackingManager</a:t>
+            </a:r>
+            <a:endParaRPr b="0" lang="en-IN" sz="2400" spc="-1" strike="noStrike">
               <a:latin typeface="Arial"/>
             </a:endParaRPr>
           </a:p>
@@ -4545,16 +5343,16 @@
               </a:spcAft>
             </a:pPr>
             <a:r>
-              <a:rPr b="1" lang="en-IN" sz="2800" spc="-1" strike="noStrike">
-                <a:solidFill>
-                  <a:srgbClr val="800080"/>
-                </a:solidFill>
-                <a:latin typeface="Times New Roman"/>
-                <a:ea typeface="DejaVu Sans"/>
-              </a:rPr>
-              <a:t>Can be done by querying the TrackingManager in PreUserTrackingAction() function</a:t>
-            </a:r>
-            <a:endParaRPr b="0" lang="en-IN" sz="2800" spc="-1" strike="noStrike">
+              <a:rPr b="1" lang="en-IN" sz="2600" spc="-1" strike="noStrike">
+                <a:solidFill>
+                  <a:srgbClr val="1c1c1c"/>
+                </a:solidFill>
+                <a:latin typeface="Times New Roman"/>
+                <a:ea typeface="DejaVu Sans"/>
+              </a:rPr>
+              <a:t>Contains 2 important function  </a:t>
+            </a:r>
+            <a:endParaRPr b="0" lang="en-IN" sz="2600" spc="-1" strike="noStrike">
               <a:latin typeface="Arial"/>
             </a:endParaRPr>
           </a:p>
@@ -4568,16 +5366,16 @@
               </a:spcAft>
             </a:pPr>
             <a:r>
-              <a:rPr b="1" lang="en-IN" sz="2200" spc="-1" strike="noStrike">
-                <a:solidFill>
-                  <a:srgbClr val="000000"/>
-                </a:solidFill>
-                <a:latin typeface="Times New Roman"/>
-                <a:ea typeface="DejaVu Sans"/>
-              </a:rPr>
-              <a:t>void MyTrackingAction::PreUserTrackingAction(const G4Track* track) {</a:t>
-            </a:r>
-            <a:endParaRPr b="0" lang="en-IN" sz="2200" spc="-1" strike="noStrike">
+              <a:rPr b="1" lang="en-IN" sz="2600" spc="-1" strike="noStrike">
+                <a:solidFill>
+                  <a:srgbClr val="0000ff"/>
+                </a:solidFill>
+                <a:latin typeface="Times New Roman"/>
+                <a:ea typeface="DejaVu Sans"/>
+              </a:rPr>
+              <a:t>1) PreUserTrackingAction(const G4Track*) : </a:t>
+            </a:r>
+            <a:endParaRPr b="0" lang="en-IN" sz="2600" spc="-1" strike="noStrike">
               <a:latin typeface="Arial"/>
             </a:endParaRPr>
           </a:p>
@@ -4591,46 +5389,16 @@
               </a:spcAft>
             </a:pPr>
             <a:r>
-              <a:rPr b="1" lang="en-IN" sz="2200" spc="-1" strike="noStrike">
-                <a:solidFill>
-                  <a:srgbClr val="000000"/>
-                </a:solidFill>
-                <a:latin typeface="Times New Roman"/>
-                <a:ea typeface="DejaVu Sans"/>
-              </a:rPr>
-              <a:t>    </a:t>
-            </a:r>
-            <a:r>
-              <a:rPr b="1" lang="en-IN" sz="2200" spc="-1" strike="noStrike">
-                <a:solidFill>
-                  <a:srgbClr val="000000"/>
-                </a:solidFill>
-                <a:latin typeface="Times New Roman"/>
-                <a:ea typeface="DejaVu Sans"/>
-              </a:rPr>
-              <a:t>if (</a:t>
-            </a:r>
-            <a:r>
-              <a:rPr b="1" lang="en-IN" sz="2200" spc="-1" strike="noStrike">
-                <a:solidFill>
-                  <a:srgbClr val="0000ff"/>
-                </a:solidFill>
-                <a:latin typeface="Times New Roman"/>
-                <a:ea typeface="DejaVu Sans"/>
-              </a:rPr>
-              <a:t>fpTrackingManager-&gt;GetStoreTrajectory()</a:t>
-            </a:r>
-            <a:r>
-              <a:rPr b="1" lang="en-IN" sz="2200" spc="-1" strike="noStrike">
-                <a:solidFill>
-                  <a:srgbClr val="000000"/>
-                </a:solidFill>
-                <a:latin typeface="Times New Roman"/>
-                <a:ea typeface="DejaVu Sans"/>
-              </a:rPr>
-              <a:t>) {</a:t>
-            </a:r>
-            <a:endParaRPr b="0" lang="en-IN" sz="2200" spc="-1" strike="noStrike">
+              <a:rPr b="1" lang="en-IN" sz="2600" spc="-1" strike="noStrike">
+                <a:solidFill>
+                  <a:srgbClr val="1c1c1c"/>
+                </a:solidFill>
+                <a:latin typeface="Times New Roman"/>
+                <a:ea typeface="DejaVu Sans"/>
+              </a:rPr>
+              <a:t>Called when a new track is about to be processed and useful for following</a:t>
+            </a:r>
+            <a:endParaRPr b="0" lang="en-IN" sz="2600" spc="-1" strike="noStrike">
               <a:latin typeface="Arial"/>
             </a:endParaRPr>
           </a:p>
@@ -4644,26 +5412,16 @@
               </a:spcAft>
             </a:pPr>
             <a:r>
-              <a:rPr b="1" lang="en-IN" sz="2200" spc="-1" strike="noStrike">
-                <a:solidFill>
-                  <a:srgbClr val="000000"/>
-                </a:solidFill>
-                <a:latin typeface="Times New Roman"/>
-                <a:ea typeface="DejaVu Sans"/>
-              </a:rPr>
-              <a:t>        </a:t>
-            </a:r>
-            <a:r>
-              <a:rPr b="1" lang="en-IN" sz="2200" spc="-1" strike="noStrike">
-                <a:solidFill>
-                  <a:srgbClr val="000000"/>
-                </a:solidFill>
-                <a:latin typeface="Times New Roman"/>
-                <a:ea typeface="DejaVu Sans"/>
-              </a:rPr>
-              <a:t>G4cout &lt;&lt; "Trajectory is being stored for Track ID: " </a:t>
-            </a:r>
-            <a:endParaRPr b="0" lang="en-IN" sz="2200" spc="-1" strike="noStrike">
+              <a:rPr b="1" lang="en-IN" sz="2600" spc="-1" strike="noStrike">
+                <a:solidFill>
+                  <a:srgbClr val="1c1c1c"/>
+                </a:solidFill>
+                <a:latin typeface="Times New Roman"/>
+                <a:ea typeface="DejaVu Sans"/>
+              </a:rPr>
+              <a:t>Filtering or classifying track based on certain condition (eg. Store only charged particles..)</a:t>
+            </a:r>
+            <a:endParaRPr b="0" lang="en-IN" sz="2600" spc="-1" strike="noStrike">
               <a:latin typeface="Arial"/>
             </a:endParaRPr>
           </a:p>
@@ -4677,26 +5435,16 @@
               </a:spcAft>
             </a:pPr>
             <a:r>
-              <a:rPr b="1" lang="en-IN" sz="2200" spc="-1" strike="noStrike">
-                <a:solidFill>
-                  <a:srgbClr val="000000"/>
-                </a:solidFill>
-                <a:latin typeface="Times New Roman"/>
-                <a:ea typeface="DejaVu Sans"/>
-              </a:rPr>
-              <a:t>               </a:t>
-            </a:r>
-            <a:r>
-              <a:rPr b="1" lang="en-IN" sz="2200" spc="-1" strike="noStrike">
-                <a:solidFill>
-                  <a:srgbClr val="000000"/>
-                </a:solidFill>
-                <a:latin typeface="Times New Roman"/>
-                <a:ea typeface="DejaVu Sans"/>
-              </a:rPr>
-              <a:t>&lt;&lt; track-&gt;GetTrackID() &lt;&lt; G4endl;</a:t>
-            </a:r>
-            <a:endParaRPr b="0" lang="en-IN" sz="2200" spc="-1" strike="noStrike">
+              <a:rPr b="1" lang="en-IN" sz="2600" spc="-1" strike="noStrike">
+                <a:solidFill>
+                  <a:srgbClr val="1c1c1c"/>
+                </a:solidFill>
+                <a:latin typeface="Times New Roman"/>
+                <a:ea typeface="DejaVu Sans"/>
+              </a:rPr>
+              <a:t>Enabling or disabling trajectory storage for specific particles.</a:t>
+            </a:r>
+            <a:endParaRPr b="0" lang="en-IN" sz="2600" spc="-1" strike="noStrike">
               <a:latin typeface="Arial"/>
             </a:endParaRPr>
           </a:p>
@@ -4710,26 +5458,16 @@
               </a:spcAft>
             </a:pPr>
             <a:r>
-              <a:rPr b="1" lang="en-IN" sz="2200" spc="-1" strike="noStrike">
-                <a:solidFill>
-                  <a:srgbClr val="000000"/>
-                </a:solidFill>
-                <a:latin typeface="Times New Roman"/>
-                <a:ea typeface="DejaVu Sans"/>
-              </a:rPr>
-              <a:t>    </a:t>
-            </a:r>
-            <a:r>
-              <a:rPr b="1" lang="en-IN" sz="2200" spc="-1" strike="noStrike">
-                <a:solidFill>
-                  <a:srgbClr val="000000"/>
-                </a:solidFill>
-                <a:latin typeface="Times New Roman"/>
-                <a:ea typeface="DejaVu Sans"/>
-              </a:rPr>
-              <a:t>} else {</a:t>
-            </a:r>
-            <a:endParaRPr b="0" lang="en-IN" sz="2200" spc="-1" strike="noStrike">
+              <a:rPr b="1" lang="en-IN" sz="2600" spc="-1" strike="noStrike">
+                <a:solidFill>
+                  <a:srgbClr val="ff0000"/>
+                </a:solidFill>
+                <a:latin typeface="Times New Roman"/>
+                <a:ea typeface="DejaVu Sans"/>
+              </a:rPr>
+              <a:t>[By default Geant4 does not store the trajectory to save memory and performance, but it can be done if required.]</a:t>
+            </a:r>
+            <a:endParaRPr b="0" lang="en-IN" sz="2600" spc="-1" strike="noStrike">
               <a:latin typeface="Arial"/>
             </a:endParaRPr>
           </a:p>
@@ -4742,27 +5480,7 @@
                 <a:spcPts val="1142"/>
               </a:spcAft>
             </a:pPr>
-            <a:r>
-              <a:rPr b="1" lang="en-IN" sz="2200" spc="-1" strike="noStrike">
-                <a:solidFill>
-                  <a:srgbClr val="000000"/>
-                </a:solidFill>
-                <a:latin typeface="Times New Roman"/>
-                <a:ea typeface="DejaVu Sans"/>
-              </a:rPr>
-              <a:t>        </a:t>
-            </a:r>
-            <a:r>
-              <a:rPr b="1" lang="en-IN" sz="2200" spc="-1" strike="noStrike">
-                <a:solidFill>
-                  <a:srgbClr val="000000"/>
-                </a:solidFill>
-                <a:latin typeface="Times New Roman"/>
-                <a:ea typeface="DejaVu Sans"/>
-              </a:rPr>
-              <a:t>G4cout &lt;&lt; "No trajectory storage for Track ID: " </a:t>
-            </a:r>
-            <a:endParaRPr b="0" lang="en-IN" sz="2200" spc="-1" strike="noStrike">
+            <a:endParaRPr b="0" lang="en-IN" sz="2600" spc="-1" strike="noStrike">
               <a:latin typeface="Arial"/>
             </a:endParaRPr>
           </a:p>
@@ -4775,305 +5493,7 @@
                 <a:spcPts val="1142"/>
               </a:spcAft>
             </a:pPr>
-            <a:r>
-              <a:rPr b="1" lang="en-IN" sz="2200" spc="-1" strike="noStrike">
-                <a:solidFill>
-                  <a:srgbClr val="000000"/>
-                </a:solidFill>
-                <a:latin typeface="Times New Roman"/>
-                <a:ea typeface="DejaVu Sans"/>
-              </a:rPr>
-              <a:t>               </a:t>
-            </a:r>
-            <a:r>
-              <a:rPr b="1" lang="en-IN" sz="2200" spc="-1" strike="noStrike">
-                <a:solidFill>
-                  <a:srgbClr val="000000"/>
-                </a:solidFill>
-                <a:latin typeface="Times New Roman"/>
-                <a:ea typeface="DejaVu Sans"/>
-              </a:rPr>
-              <a:t>&lt;&lt; track-&gt;GetTrackID() &lt;&lt; G4endl;</a:t>
-            </a:r>
-            <a:endParaRPr b="0" lang="en-IN" sz="2200" spc="-1" strike="noStrike">
-              <a:latin typeface="Arial"/>
-            </a:endParaRPr>
-          </a:p>
-          <a:p>
-            <a:pPr>
-              <a:lnSpc>
-                <a:spcPct val="100000"/>
-              </a:lnSpc>
-              <a:spcAft>
-                <a:spcPts val="1142"/>
-              </a:spcAft>
-            </a:pPr>
-            <a:r>
-              <a:rPr b="1" lang="en-IN" sz="2200" spc="-1" strike="noStrike">
-                <a:solidFill>
-                  <a:srgbClr val="000000"/>
-                </a:solidFill>
-                <a:latin typeface="Times New Roman"/>
-                <a:ea typeface="DejaVu Sans"/>
-              </a:rPr>
-              <a:t>    </a:t>
-            </a:r>
-            <a:r>
-              <a:rPr b="1" lang="en-IN" sz="2200" spc="-1" strike="noStrike">
-                <a:solidFill>
-                  <a:srgbClr val="000000"/>
-                </a:solidFill>
-                <a:latin typeface="Times New Roman"/>
-                <a:ea typeface="DejaVu Sans"/>
-              </a:rPr>
-              <a:t>}</a:t>
-            </a:r>
-            <a:endParaRPr b="0" lang="en-IN" sz="2200" spc="-1" strike="noStrike">
-              <a:latin typeface="Arial"/>
-            </a:endParaRPr>
-          </a:p>
-          <a:p>
-            <a:pPr>
-              <a:lnSpc>
-                <a:spcPct val="100000"/>
-              </a:lnSpc>
-              <a:spcAft>
-                <a:spcPts val="1142"/>
-              </a:spcAft>
-            </a:pPr>
-            <a:r>
-              <a:rPr b="1" lang="en-IN" sz="2200" spc="-1" strike="noStrike">
-                <a:solidFill>
-                  <a:srgbClr val="000000"/>
-                </a:solidFill>
-                <a:latin typeface="Times New Roman"/>
-                <a:ea typeface="DejaVu Sans"/>
-              </a:rPr>
-              <a:t>}</a:t>
-            </a:r>
-            <a:endParaRPr b="0" lang="en-IN" sz="2200" spc="-1" strike="noStrike">
-              <a:latin typeface="Arial"/>
-            </a:endParaRPr>
-          </a:p>
-          <a:p>
-            <a:pPr>
-              <a:lnSpc>
-                <a:spcPct val="100000"/>
-              </a:lnSpc>
-              <a:spcAft>
-                <a:spcPts val="1142"/>
-              </a:spcAft>
-            </a:pPr>
-            <a:r>
-              <a:rPr b="1" lang="en-IN" sz="2800" spc="-1" strike="noStrike">
-                <a:solidFill>
-                  <a:srgbClr val="ff0000"/>
-                </a:solidFill>
-                <a:latin typeface="Times New Roman"/>
-                <a:ea typeface="DejaVu Sans"/>
-              </a:rPr>
-              <a:t>Things to Try :</a:t>
-            </a:r>
-            <a:endParaRPr b="0" lang="en-IN" sz="2800" spc="-1" strike="noStrike">
-              <a:latin typeface="Arial"/>
-            </a:endParaRPr>
-          </a:p>
-          <a:p>
-            <a:pPr>
-              <a:lnSpc>
-                <a:spcPct val="100000"/>
-              </a:lnSpc>
-              <a:spcAft>
-                <a:spcPts val="1142"/>
-              </a:spcAft>
-            </a:pPr>
-            <a:r>
-              <a:rPr b="1" lang="en-IN" sz="2800" spc="-1" strike="noStrike">
-                <a:solidFill>
-                  <a:srgbClr val="000000"/>
-                </a:solidFill>
-                <a:latin typeface="Times New Roman"/>
-                <a:ea typeface="DejaVu Sans"/>
-              </a:rPr>
-              <a:t>Run you code in </a:t>
-            </a:r>
-            <a:r>
-              <a:rPr b="1" lang="en-IN" sz="2800" spc="-1" strike="noStrike">
-                <a:solidFill>
-                  <a:srgbClr val="00a933"/>
-                </a:solidFill>
-                <a:latin typeface="Times New Roman"/>
-                <a:ea typeface="DejaVu Sans"/>
-              </a:rPr>
-              <a:t>(1) </a:t>
-            </a:r>
-            <a:r>
-              <a:rPr b="1" lang="en-IN" sz="2800" spc="-1" strike="noStrike">
-                <a:solidFill>
-                  <a:srgbClr val="00a933"/>
-                </a:solidFill>
-                <a:latin typeface="Times New Roman"/>
-                <a:ea typeface="DejaVu Sans"/>
-              </a:rPr>
-              <a:t>Batch mode</a:t>
-            </a:r>
-            <a:r>
-              <a:rPr b="1" lang="en-IN" sz="2800" spc="-1" strike="noStrike">
-                <a:solidFill>
-                  <a:srgbClr val="ff0000"/>
-                </a:solidFill>
-                <a:latin typeface="Times New Roman"/>
-                <a:ea typeface="DejaVu Sans"/>
-              </a:rPr>
-              <a:t> (2) Interactive mode.</a:t>
-            </a:r>
-            <a:endParaRPr b="0" lang="en-IN" sz="2800" spc="-1" strike="noStrike">
-              <a:latin typeface="Arial"/>
-            </a:endParaRPr>
-          </a:p>
-          <a:p>
-            <a:pPr>
-              <a:lnSpc>
-                <a:spcPct val="100000"/>
-              </a:lnSpc>
-              <a:spcAft>
-                <a:spcPts val="1142"/>
-              </a:spcAft>
-            </a:pPr>
-            <a:r>
-              <a:rPr b="1" lang="en-IN" sz="2800" spc="-1" strike="noStrike">
-                <a:solidFill>
-                  <a:srgbClr val="800080"/>
-                </a:solidFill>
-                <a:latin typeface="Times New Roman"/>
-                <a:ea typeface="DejaVu Sans"/>
-              </a:rPr>
-              <a:t>Now force trajectory storage :</a:t>
-            </a:r>
-            <a:r>
-              <a:rPr b="1" lang="en-IN" sz="2800" spc="-1" strike="noStrike">
-                <a:solidFill>
-                  <a:srgbClr val="ff0000"/>
-                </a:solidFill>
-                <a:latin typeface="Times New Roman"/>
-                <a:ea typeface="DejaVu Sans"/>
-              </a:rPr>
-              <a:t>  </a:t>
-            </a:r>
-            <a:r>
-              <a:rPr b="1" lang="en-IN" sz="2800" spc="-1" strike="noStrike">
-                <a:solidFill>
-                  <a:srgbClr val="ff0000"/>
-                </a:solidFill>
-                <a:latin typeface="Times New Roman"/>
-                <a:ea typeface="DejaVu Sans"/>
-              </a:rPr>
-              <a:t>fpTrackingManager-&gt;SetStoreTrajectory(true);</a:t>
-            </a:r>
-            <a:endParaRPr b="0" lang="en-IN" sz="2800" spc="-1" strike="noStrike">
-              <a:latin typeface="Arial"/>
-            </a:endParaRPr>
-          </a:p>
-          <a:p>
-            <a:pPr>
-              <a:lnSpc>
-                <a:spcPct val="100000"/>
-              </a:lnSpc>
-              <a:spcAft>
-                <a:spcPts val="1142"/>
-              </a:spcAft>
-            </a:pPr>
-            <a:r>
-              <a:rPr b="1" lang="en-IN" sz="2800" spc="-1" strike="noStrike">
-                <a:solidFill>
-                  <a:srgbClr val="000000"/>
-                </a:solidFill>
-                <a:latin typeface="Times New Roman"/>
-                <a:ea typeface="DejaVu Sans"/>
-              </a:rPr>
-              <a:t>Again Run you code in </a:t>
-            </a:r>
-            <a:r>
-              <a:rPr b="1" lang="en-IN" sz="2800" spc="-1" strike="noStrike">
-                <a:solidFill>
-                  <a:srgbClr val="00a933"/>
-                </a:solidFill>
-                <a:latin typeface="Times New Roman"/>
-                <a:ea typeface="DejaVu Sans"/>
-              </a:rPr>
-              <a:t>(1)</a:t>
-            </a:r>
-            <a:r>
-              <a:rPr b="1" lang="en-IN" sz="2800" spc="-1" strike="noStrike">
-                <a:solidFill>
-                  <a:srgbClr val="00a933"/>
-                </a:solidFill>
-                <a:latin typeface="Times New Roman"/>
-                <a:ea typeface="DejaVu Sans"/>
-              </a:rPr>
-              <a:t> Batch mode </a:t>
-            </a:r>
-            <a:r>
-              <a:rPr b="1" lang="en-IN" sz="2800" spc="-1" strike="noStrike">
-                <a:solidFill>
-                  <a:srgbClr val="ff0000"/>
-                </a:solidFill>
-                <a:latin typeface="Times New Roman"/>
-                <a:ea typeface="DejaVu Sans"/>
-              </a:rPr>
-              <a:t>(2) </a:t>
-            </a:r>
-            <a:r>
-              <a:rPr b="1" lang="en-IN" sz="2800" spc="-1" strike="noStrike">
-                <a:solidFill>
-                  <a:srgbClr val="ff0000"/>
-                </a:solidFill>
-                <a:latin typeface="Times New Roman"/>
-                <a:ea typeface="DejaVu Sans"/>
-              </a:rPr>
-              <a:t>Interactive mode.</a:t>
-            </a:r>
-            <a:endParaRPr b="0" lang="en-IN" sz="2800" spc="-1" strike="noStrike">
-              <a:latin typeface="Arial"/>
-            </a:endParaRPr>
-          </a:p>
-        </p:txBody>
-      </p:sp>
-      <p:sp>
-        <p:nvSpPr>
-          <p:cNvPr id="107" name="TextShape 2"/>
-          <p:cNvSpPr txBox="1"/>
-          <p:nvPr/>
-        </p:nvSpPr>
-        <p:spPr>
-          <a:xfrm>
-            <a:off x="264240" y="465840"/>
-            <a:ext cx="8591760" cy="542160"/>
-          </a:xfrm>
-          <a:prstGeom prst="rect">
-            <a:avLst/>
-          </a:prstGeom>
-          <a:noFill/>
-          <a:ln>
-            <a:noFill/>
-          </a:ln>
-        </p:spPr>
-        <p:txBody>
-          <a:bodyPr lIns="90000" rIns="90000" tIns="45000" bIns="45000">
-            <a:noAutofit/>
-          </a:bodyPr>
-          <a:p>
-            <a:r>
-              <a:rPr b="1" lang="en-IN" sz="3200" spc="-1" strike="noStrike">
-                <a:solidFill>
-                  <a:srgbClr val="ffffff"/>
-                </a:solidFill>
-                <a:latin typeface="Times New Roman"/>
-                <a:ea typeface="DejaVu Sans"/>
-              </a:rPr>
-              <a:t>Trajectory verification</a:t>
-            </a:r>
-            <a:endParaRPr b="0" lang="en-IN" sz="3200" spc="-1" strike="noStrike">
+            <a:endParaRPr b="0" lang="en-IN" sz="2600" spc="-1" strike="noStrike">
               <a:latin typeface="Arial"/>
             </a:endParaRPr>
           </a:p>
@@ -5111,54 +5531,14 @@
       </p:grpSpPr>
       <p:sp>
         <p:nvSpPr>
-          <p:cNvPr id="108" name="TextShape 1"/>
-          <p:cNvSpPr txBox="1"/>
-          <p:nvPr/>
-        </p:nvSpPr>
-        <p:spPr>
-          <a:xfrm>
-            <a:off x="411120" y="432000"/>
-            <a:ext cx="8660880" cy="1444680"/>
-          </a:xfrm>
-          <a:prstGeom prst="rect">
-            <a:avLst/>
-          </a:prstGeom>
-          <a:noFill/>
-          <a:ln>
-            <a:noFill/>
-          </a:ln>
-        </p:spPr>
-        <p:txBody>
-          <a:bodyPr lIns="90000" rIns="90000" tIns="45000" bIns="45000">
-            <a:noAutofit/>
-          </a:bodyPr>
-          <a:p>
-            <a:r>
-              <a:rPr b="1" lang="en-IN" sz="3200" spc="-1" strike="noStrike">
-                <a:solidFill>
-                  <a:srgbClr val="ffffff"/>
-                </a:solidFill>
-                <a:latin typeface="Times New Roman"/>
-                <a:ea typeface="DejaVu Sans"/>
-              </a:rPr>
-              <a:t>Some Important points about Trajectory</a:t>
-            </a:r>
-            <a:endParaRPr b="0" lang="en-IN" sz="3200" spc="-1" strike="noStrike">
-              <a:latin typeface="Arial"/>
-            </a:endParaRPr>
-          </a:p>
-        </p:txBody>
-      </p:sp>
-      <p:sp>
-        <p:nvSpPr>
-          <p:cNvPr id="109" name="CustomShape 2"/>
+          <p:cNvPr id="114" name="CustomShape 1"/>
           <p:cNvSpPr/>
           <p:nvPr/>
         </p:nvSpPr>
         <p:spPr>
           <a:xfrm>
             <a:off x="252000" y="1476000"/>
-            <a:ext cx="9828720" cy="5220000"/>
+            <a:ext cx="9178560" cy="4678560"/>
           </a:xfrm>
           <a:prstGeom prst="rect">
             <a:avLst/>
@@ -5176,7 +5556,7 @@
         </p:style>
         <p:txBody>
           <a:bodyPr lIns="0" rIns="0" tIns="0" bIns="0">
-            <a:normAutofit fontScale="91000"/>
+            <a:normAutofit fontScale="60000"/>
           </a:bodyPr>
           <a:p>
             <a:pPr>
@@ -5188,56 +5568,16 @@
               </a:spcAft>
             </a:pPr>
             <a:r>
-              <a:rPr b="1" lang="en-IN" sz="2800" spc="-1" strike="noStrike">
-                <a:solidFill>
-                  <a:srgbClr val="000000"/>
-                </a:solidFill>
-                <a:latin typeface="Times New Roman"/>
-                <a:ea typeface="DejaVu Sans"/>
-              </a:rPr>
-              <a:t>Remember that you need to query </a:t>
-            </a:r>
-            <a:r>
-              <a:rPr b="1" lang="en-IN" sz="2800" spc="-1" strike="noStrike">
-                <a:solidFill>
-                  <a:srgbClr val="0000ff"/>
-                </a:solidFill>
-                <a:latin typeface="Times New Roman"/>
-                <a:ea typeface="DejaVu Sans"/>
-              </a:rPr>
-              <a:t>TrackingManager</a:t>
-            </a:r>
-            <a:r>
-              <a:rPr b="1" lang="en-IN" sz="2800" spc="-1" strike="noStrike">
-                <a:solidFill>
-                  <a:srgbClr val="000000"/>
-                </a:solidFill>
-                <a:latin typeface="Times New Roman"/>
-                <a:ea typeface="DejaVu Sans"/>
-              </a:rPr>
-              <a:t> object </a:t>
-            </a:r>
-            <a:r>
-              <a:rPr b="1" lang="en-IN" sz="2800" spc="-1" strike="noStrike">
-                <a:solidFill>
-                  <a:srgbClr val="0000ff"/>
-                </a:solidFill>
-                <a:latin typeface="Times New Roman"/>
-                <a:ea typeface="DejaVu Sans"/>
-              </a:rPr>
-              <a:t>fpTrackingManager</a:t>
-            </a:r>
-            <a:r>
-              <a:rPr b="1" lang="en-IN" sz="2800" spc="-1" strike="noStrike">
-                <a:solidFill>
-                  <a:srgbClr val="000000"/>
-                </a:solidFill>
-                <a:latin typeface="Times New Roman"/>
-                <a:ea typeface="DejaVu Sans"/>
-              </a:rPr>
-              <a:t> in order to get  the trajectory.</a:t>
-            </a:r>
-            <a:endParaRPr b="0" lang="en-IN" sz="2800" spc="-1" strike="noStrike">
+              <a:rPr b="1" lang="en-IN" sz="2400" spc="-1" strike="noStrike">
+                <a:solidFill>
+                  <a:srgbClr val="800080"/>
+                </a:solidFill>
+                <a:latin typeface="Times New Roman"/>
+                <a:ea typeface="DejaVu Sans"/>
+              </a:rPr>
+              <a:t>If Geant4 does not store trajectory, how it visualizes them ?</a:t>
+            </a:r>
+            <a:endParaRPr b="0" lang="en-IN" sz="2400" spc="-1" strike="noStrike">
               <a:latin typeface="Arial"/>
             </a:endParaRPr>
           </a:p>
@@ -5251,16 +5591,16 @@
               </a:spcAft>
             </a:pPr>
             <a:r>
-              <a:rPr b="1" lang="en-IN" sz="2800" spc="-1" strike="noStrike">
+              <a:rPr b="1" lang="en-IN" sz="2400" spc="-1" strike="noStrike">
                 <a:solidFill>
                   <a:srgbClr val="000000"/>
                 </a:solidFill>
                 <a:latin typeface="Times New Roman"/>
                 <a:ea typeface="DejaVu Sans"/>
               </a:rPr>
-              <a:t>Three important function related to TrackingManager</a:t>
-            </a:r>
-            <a:endParaRPr b="0" lang="en-IN" sz="2800" spc="-1" strike="noStrike">
+              <a:t>During interactive mode, Geant4 dynamically creates and visualizes trajectories.</a:t>
+            </a:r>
+            <a:endParaRPr b="0" lang="en-IN" sz="2400" spc="-1" strike="noStrike">
               <a:latin typeface="Arial"/>
             </a:endParaRPr>
           </a:p>
@@ -5274,16 +5614,16 @@
               </a:spcAft>
             </a:pPr>
             <a:r>
-              <a:rPr b="1" lang="en-IN" sz="2800" spc="-1" strike="noStrike">
-                <a:solidFill>
-                  <a:srgbClr val="800080"/>
-                </a:solidFill>
-                <a:latin typeface="Times New Roman"/>
-                <a:ea typeface="DejaVu Sans"/>
-              </a:rPr>
-              <a:t>(1) GetStoreTrajectory() (2) SetStoreTrajectory()</a:t>
-            </a:r>
-            <a:endParaRPr b="0" lang="en-IN" sz="2800" spc="-1" strike="noStrike">
+              <a:rPr b="1" lang="en-IN" sz="2400" spc="-1" strike="noStrike">
+                <a:solidFill>
+                  <a:srgbClr val="000000"/>
+                </a:solidFill>
+                <a:latin typeface="Times New Roman"/>
+                <a:ea typeface="DejaVu Sans"/>
+              </a:rPr>
+              <a:t>This behavior is controlled by the visualization manager and trajectory drawing settings.</a:t>
+            </a:r>
+            <a:endParaRPr b="0" lang="en-IN" sz="2400" spc="-1" strike="noStrike">
               <a:latin typeface="Arial"/>
             </a:endParaRPr>
           </a:p>
@@ -5297,16 +5637,16 @@
               </a:spcAft>
             </a:pPr>
             <a:r>
-              <a:rPr b="1" lang="en-IN" sz="2800" spc="-1" strike="noStrike">
-                <a:solidFill>
-                  <a:srgbClr val="800080"/>
-                </a:solidFill>
-                <a:latin typeface="Times New Roman"/>
-                <a:ea typeface="DejaVu Sans"/>
-              </a:rPr>
-              <a:t>(3) GimmeTrajectory()</a:t>
-            </a:r>
-            <a:endParaRPr b="0" lang="en-IN" sz="2800" spc="-1" strike="noStrike">
+              <a:rPr b="1" lang="en-IN" sz="2400" spc="-1" strike="noStrike">
+                <a:solidFill>
+                  <a:srgbClr val="ff3838"/>
+                </a:solidFill>
+                <a:latin typeface="Times New Roman"/>
+                <a:ea typeface="DejaVu Sans"/>
+              </a:rPr>
+              <a:t>[Try running your simulation in interactive mode and batch mode]</a:t>
+            </a:r>
+            <a:endParaRPr b="0" lang="en-IN" sz="2400" spc="-1" strike="noStrike">
               <a:latin typeface="Arial"/>
             </a:endParaRPr>
           </a:p>
@@ -5319,7 +5659,17 @@
                 <a:spcPts val="1142"/>
               </a:spcAft>
             </a:pPr>
-            <a:endParaRPr b="0" lang="en-IN" sz="2800" spc="-1" strike="noStrike">
+            <a:r>
+              <a:rPr b="1" lang="en-IN" sz="2400" spc="-1" strike="noStrike">
+                <a:solidFill>
+                  <a:srgbClr val="000000"/>
+                </a:solidFill>
+                <a:latin typeface="Times New Roman"/>
+                <a:ea typeface="DejaVu Sans"/>
+              </a:rPr>
+              <a:t>These objects are passed to the visualization manager, which renders them in OpenGL, HepRep, or other visualization engines.</a:t>
+            </a:r>
+            <a:endParaRPr b="0" lang="en-IN" sz="2400" spc="-1" strike="noStrike">
               <a:latin typeface="Arial"/>
             </a:endParaRPr>
           </a:p>
@@ -5333,26 +5683,16 @@
               </a:spcAft>
             </a:pPr>
             <a:r>
-              <a:rPr b="1" lang="en-IN" sz="2800" spc="-1" strike="noStrike">
-                <a:solidFill>
-                  <a:srgbClr val="800080"/>
-                </a:solidFill>
-                <a:latin typeface="Times New Roman"/>
-                <a:ea typeface="DejaVu Sans"/>
-              </a:rPr>
-              <a:t>GetStoreTrajectory() </a:t>
-            </a:r>
-            <a:r>
-              <a:rPr b="1" lang="en-IN" sz="2800" spc="-1" strike="noStrike">
+              <a:rPr b="1" lang="en-IN" sz="2400" spc="-1" strike="noStrike">
                 <a:solidFill>
                   <a:srgbClr val="000000"/>
                 </a:solidFill>
                 <a:latin typeface="Times New Roman"/>
                 <a:ea typeface="DejaVu Sans"/>
               </a:rPr>
-              <a:t>just tell whether the trajectory storage is enable or not.</a:t>
-            </a:r>
-            <a:endParaRPr b="0" lang="en-IN" sz="2800" spc="-1" strike="noStrike">
+              <a:t>The temporary trajectories exist only while the event is processed, and they are discarded after visualization.</a:t>
+            </a:r>
+            <a:endParaRPr b="0" lang="en-IN" sz="2400" spc="-1" strike="noStrike">
               <a:latin typeface="Arial"/>
             </a:endParaRPr>
           </a:p>
@@ -5366,16 +5706,26 @@
               </a:spcAft>
             </a:pPr>
             <a:r>
-              <a:rPr b="1" lang="en-IN" sz="2800" spc="-1" strike="noStrike">
+              <a:rPr b="1" lang="en-IN" sz="2400" spc="-1" strike="noStrike">
                 <a:solidFill>
                   <a:srgbClr val="000000"/>
                 </a:solidFill>
                 <a:latin typeface="Times New Roman"/>
                 <a:ea typeface="DejaVu Sans"/>
               </a:rPr>
-              <a:t>It does not give the Trajectory itself.</a:t>
-            </a:r>
-            <a:endParaRPr b="0" lang="en-IN" sz="2800" spc="-1" strike="noStrike">
+              <a:t>If you want to save them: You must explicitly enable storage using </a:t>
+            </a:r>
+            <a:r>
+              <a:rPr b="1" lang="en-IN" sz="2400" spc="-1" strike="noStrike">
+                <a:solidFill>
+                  <a:srgbClr val="0000ff"/>
+                </a:solidFill>
+                <a:latin typeface="Times New Roman"/>
+                <a:ea typeface="DejaVu Sans"/>
+              </a:rPr>
+              <a:t>SetStoreTrajectory(true). </a:t>
+            </a:r>
+            <a:endParaRPr b="0" lang="en-IN" sz="2400" spc="-1" strike="noStrike">
               <a:latin typeface="Arial"/>
             </a:endParaRPr>
           </a:p>
@@ -5389,26 +5739,16 @@
               </a:spcAft>
             </a:pPr>
             <a:r>
-              <a:rPr b="1" lang="en-IN" sz="2800" spc="-1" strike="noStrike">
-                <a:solidFill>
-                  <a:srgbClr val="800080"/>
-                </a:solidFill>
-                <a:latin typeface="Times New Roman"/>
-                <a:ea typeface="DejaVu Sans"/>
-              </a:rPr>
-              <a:t>GimmeTrajectory() </a:t>
-            </a:r>
-            <a:r>
-              <a:rPr b="1" lang="en-IN" sz="2800" spc="-1" strike="noStrike">
-                <a:solidFill>
-                  <a:srgbClr val="000000"/>
-                </a:solidFill>
-                <a:latin typeface="Times New Roman"/>
-                <a:ea typeface="DejaVu Sans"/>
-              </a:rPr>
-              <a:t>function actually gives you a trajectory only if trajectory storage flag is set.</a:t>
-            </a:r>
-            <a:endParaRPr b="0" lang="en-IN" sz="2800" spc="-1" strike="noStrike">
+              <a:rPr b="1" lang="en-IN" sz="2400" spc="-1" strike="noStrike">
+                <a:solidFill>
+                  <a:srgbClr val="ff0000"/>
+                </a:solidFill>
+                <a:latin typeface="Times New Roman"/>
+                <a:ea typeface="DejaVu Sans"/>
+              </a:rPr>
+              <a:t>[Do it carefully, as you </a:t>
+            </a:r>
+            <a:endParaRPr b="0" lang="en-IN" sz="2400" spc="-1" strike="noStrike">
               <a:latin typeface="Arial"/>
             </a:endParaRPr>
           </a:p>
@@ -5421,12 +5761,91 @@
                 <a:spcPts val="1142"/>
               </a:spcAft>
             </a:pPr>
-            <a:endParaRPr b="0" lang="en-IN" sz="2800" spc="-1" strike="noStrike">
+            <a:r>
+              <a:rPr b="1" lang="en-IN" sz="2400" spc="-1" strike="noStrike">
+                <a:solidFill>
+                  <a:srgbClr val="ff0000"/>
+                </a:solidFill>
+                <a:latin typeface="Times New Roman"/>
+                <a:ea typeface="DejaVu Sans"/>
+              </a:rPr>
+              <a:t>are going to store a lot</a:t>
+            </a:r>
+            <a:endParaRPr b="0" lang="en-IN" sz="2400" spc="-1" strike="noStrike">
+              <a:latin typeface="Arial"/>
+            </a:endParaRPr>
+          </a:p>
+          <a:p>
+            <a:pPr>
+              <a:lnSpc>
+                <a:spcPct val="100000"/>
+              </a:lnSpc>
+              <a:spcAft>
+                <a:spcPts val="1142"/>
+              </a:spcAft>
+            </a:pPr>
+            <a:r>
+              <a:rPr b="1" lang="en-IN" sz="2400" spc="-1" strike="noStrike">
+                <a:solidFill>
+                  <a:srgbClr val="ff0000"/>
+                </a:solidFill>
+                <a:latin typeface="Times New Roman"/>
+                <a:ea typeface="DejaVu Sans"/>
+              </a:rPr>
+              <a:t> </a:t>
+            </a:r>
+            <a:r>
+              <a:rPr b="1" lang="en-IN" sz="2400" spc="-1" strike="noStrike">
+                <a:solidFill>
+                  <a:srgbClr val="ff0000"/>
+                </a:solidFill>
+                <a:latin typeface="Times New Roman"/>
+                <a:ea typeface="DejaVu Sans"/>
+              </a:rPr>
+              <a:t>of data]</a:t>
+            </a:r>
+            <a:endParaRPr b="0" lang="en-IN" sz="2400" spc="-1" strike="noStrike">
+              <a:latin typeface="Arial"/>
+            </a:endParaRPr>
+          </a:p>
+          <a:p>
+            <a:pPr>
+              <a:lnSpc>
+                <a:spcPct val="100000"/>
+              </a:lnSpc>
+              <a:spcAft>
+                <a:spcPts val="1142"/>
+              </a:spcAft>
+            </a:pPr>
+            <a:endParaRPr b="0" lang="en-IN" sz="2400" spc="-1" strike="noStrike">
               <a:latin typeface="Arial"/>
             </a:endParaRPr>
           </a:p>
         </p:txBody>
       </p:sp>
+      <p:pic>
+        <p:nvPicPr>
+          <p:cNvPr id="115" name="" descr=""/>
+          <p:cNvPicPr/>
+          <p:nvPr/>
+        </p:nvPicPr>
+        <p:blipFill>
+          <a:blip r:embed="rId1"/>
+          <a:stretch/>
+        </p:blipFill>
+        <p:spPr>
+          <a:xfrm>
+            <a:off x="2664000" y="5087520"/>
+            <a:ext cx="7416360" cy="1392120"/>
+          </a:xfrm>
+          <a:prstGeom prst="rect">
+            <a:avLst/>
+          </a:prstGeom>
+          <a:ln>
+            <a:noFill/>
+          </a:ln>
+        </p:spPr>
+      </p:pic>
     </p:spTree>
   </p:cSld>
   <mc:AlternateContent>
@@ -5459,14 +5878,14 @@
       </p:grpSpPr>
       <p:sp>
         <p:nvSpPr>
-          <p:cNvPr id="110" name="TextShape 1"/>
-          <p:cNvSpPr txBox="1"/>
+          <p:cNvPr id="116" name="CustomShape 1"/>
+          <p:cNvSpPr/>
           <p:nvPr/>
         </p:nvSpPr>
         <p:spPr>
           <a:xfrm>
-            <a:off x="288000" y="1519560"/>
-            <a:ext cx="9288000" cy="5970240"/>
+            <a:off x="252000" y="1476000"/>
+            <a:ext cx="9828360" cy="5219640"/>
           </a:xfrm>
           <a:prstGeom prst="rect">
             <a:avLst/>
@@ -5476,147 +5895,549 @@
             <a:noFill/>
           </a:ln>
         </p:spPr>
+        <p:style>
+          <a:lnRef idx="0"/>
+          <a:fillRef idx="0"/>
+          <a:effectRef idx="0"/>
+          <a:fontRef idx="minor"/>
+        </p:style>
+        <p:txBody>
+          <a:bodyPr lIns="0" rIns="0" tIns="0" bIns="0">
+            <a:normAutofit fontScale="51000"/>
+          </a:bodyPr>
+          <a:p>
+            <a:pPr>
+              <a:lnSpc>
+                <a:spcPct val="100000"/>
+              </a:lnSpc>
+              <a:spcAft>
+                <a:spcPts val="1142"/>
+              </a:spcAft>
+            </a:pPr>
+            <a:r>
+              <a:rPr b="1" lang="en-IN" sz="2800" spc="-1" strike="noStrike">
+                <a:solidFill>
+                  <a:srgbClr val="800080"/>
+                </a:solidFill>
+                <a:latin typeface="Times New Roman"/>
+                <a:ea typeface="DejaVu Sans"/>
+              </a:rPr>
+              <a:t>Lets verify the trajectory in the interactive and batch mode.</a:t>
+            </a:r>
+            <a:endParaRPr b="0" lang="en-IN" sz="2800" spc="-1" strike="noStrike">
+              <a:latin typeface="Arial"/>
+            </a:endParaRPr>
+          </a:p>
+          <a:p>
+            <a:pPr>
+              <a:lnSpc>
+                <a:spcPct val="100000"/>
+              </a:lnSpc>
+              <a:spcAft>
+                <a:spcPts val="1142"/>
+              </a:spcAft>
+            </a:pPr>
+            <a:r>
+              <a:rPr b="1" lang="en-IN" sz="2800" spc="-1" strike="noStrike">
+                <a:solidFill>
+                  <a:srgbClr val="800080"/>
+                </a:solidFill>
+                <a:latin typeface="Times New Roman"/>
+                <a:ea typeface="DejaVu Sans"/>
+              </a:rPr>
+              <a:t>Can be done by querying the TrackingManager in PreUserTrackingAction() function</a:t>
+            </a:r>
+            <a:endParaRPr b="0" lang="en-IN" sz="2800" spc="-1" strike="noStrike">
+              <a:latin typeface="Arial"/>
+            </a:endParaRPr>
+          </a:p>
+          <a:p>
+            <a:pPr>
+              <a:lnSpc>
+                <a:spcPct val="100000"/>
+              </a:lnSpc>
+              <a:spcAft>
+                <a:spcPts val="1142"/>
+              </a:spcAft>
+            </a:pPr>
+            <a:r>
+              <a:rPr b="1" lang="en-IN" sz="2200" spc="-1" strike="noStrike">
+                <a:solidFill>
+                  <a:srgbClr val="000000"/>
+                </a:solidFill>
+                <a:latin typeface="Times New Roman"/>
+                <a:ea typeface="DejaVu Sans"/>
+              </a:rPr>
+              <a:t>void MyTrackingAction::PreUserTrackingAction(const G4Track* track) {</a:t>
+            </a:r>
+            <a:endParaRPr b="0" lang="en-IN" sz="2200" spc="-1" strike="noStrike">
+              <a:latin typeface="Arial"/>
+            </a:endParaRPr>
+          </a:p>
+          <a:p>
+            <a:pPr>
+              <a:lnSpc>
+                <a:spcPct val="100000"/>
+              </a:lnSpc>
+              <a:spcAft>
+                <a:spcPts val="1142"/>
+              </a:spcAft>
+            </a:pPr>
+            <a:r>
+              <a:rPr b="1" lang="en-IN" sz="2200" spc="-1" strike="noStrike">
+                <a:solidFill>
+                  <a:srgbClr val="000000"/>
+                </a:solidFill>
+                <a:latin typeface="Times New Roman"/>
+                <a:ea typeface="DejaVu Sans"/>
+              </a:rPr>
+              <a:t>    </a:t>
+            </a:r>
+            <a:r>
+              <a:rPr b="1" lang="en-IN" sz="2200" spc="-1" strike="noStrike">
+                <a:solidFill>
+                  <a:srgbClr val="000000"/>
+                </a:solidFill>
+                <a:latin typeface="Times New Roman"/>
+                <a:ea typeface="DejaVu Sans"/>
+              </a:rPr>
+              <a:t>if (</a:t>
+            </a:r>
+            <a:r>
+              <a:rPr b="1" lang="en-IN" sz="2200" spc="-1" strike="noStrike">
+                <a:solidFill>
+                  <a:srgbClr val="0000ff"/>
+                </a:solidFill>
+                <a:latin typeface="Times New Roman"/>
+                <a:ea typeface="DejaVu Sans"/>
+              </a:rPr>
+              <a:t>fpTrackingManager-&gt;GetStoreTrajectory()</a:t>
+            </a:r>
+            <a:r>
+              <a:rPr b="1" lang="en-IN" sz="2200" spc="-1" strike="noStrike">
+                <a:solidFill>
+                  <a:srgbClr val="000000"/>
+                </a:solidFill>
+                <a:latin typeface="Times New Roman"/>
+                <a:ea typeface="DejaVu Sans"/>
+              </a:rPr>
+              <a:t>) {</a:t>
+            </a:r>
+            <a:endParaRPr b="0" lang="en-IN" sz="2200" spc="-1" strike="noStrike">
+              <a:latin typeface="Arial"/>
+            </a:endParaRPr>
+          </a:p>
+          <a:p>
+            <a:pPr>
+              <a:lnSpc>
+                <a:spcPct val="100000"/>
+              </a:lnSpc>
+              <a:spcAft>
+                <a:spcPts val="1142"/>
+              </a:spcAft>
+            </a:pPr>
+            <a:r>
+              <a:rPr b="1" lang="en-IN" sz="2200" spc="-1" strike="noStrike">
+                <a:solidFill>
+                  <a:srgbClr val="000000"/>
+                </a:solidFill>
+                <a:latin typeface="Times New Roman"/>
+                <a:ea typeface="DejaVu Sans"/>
+              </a:rPr>
+              <a:t>        </a:t>
+            </a:r>
+            <a:r>
+              <a:rPr b="1" lang="en-IN" sz="2200" spc="-1" strike="noStrike">
+                <a:solidFill>
+                  <a:srgbClr val="000000"/>
+                </a:solidFill>
+                <a:latin typeface="Times New Roman"/>
+                <a:ea typeface="DejaVu Sans"/>
+              </a:rPr>
+              <a:t>G4cout &lt;&lt; "Trajectory is being stored for Track ID: " </a:t>
+            </a:r>
+            <a:endParaRPr b="0" lang="en-IN" sz="2200" spc="-1" strike="noStrike">
+              <a:latin typeface="Arial"/>
+            </a:endParaRPr>
+          </a:p>
+          <a:p>
+            <a:pPr>
+              <a:lnSpc>
+                <a:spcPct val="100000"/>
+              </a:lnSpc>
+              <a:spcAft>
+                <a:spcPts val="1142"/>
+              </a:spcAft>
+            </a:pPr>
+            <a:r>
+              <a:rPr b="1" lang="en-IN" sz="2200" spc="-1" strike="noStrike">
+                <a:solidFill>
+                  <a:srgbClr val="000000"/>
+                </a:solidFill>
+                <a:latin typeface="Times New Roman"/>
+                <a:ea typeface="DejaVu Sans"/>
+              </a:rPr>
+              <a:t>               </a:t>
+            </a:r>
+            <a:r>
+              <a:rPr b="1" lang="en-IN" sz="2200" spc="-1" strike="noStrike">
+                <a:solidFill>
+                  <a:srgbClr val="000000"/>
+                </a:solidFill>
+                <a:latin typeface="Times New Roman"/>
+                <a:ea typeface="DejaVu Sans"/>
+              </a:rPr>
+              <a:t>&lt;&lt; track-&gt;GetTrackID() &lt;&lt; G4endl;</a:t>
+            </a:r>
+            <a:endParaRPr b="0" lang="en-IN" sz="2200" spc="-1" strike="noStrike">
+              <a:latin typeface="Arial"/>
+            </a:endParaRPr>
+          </a:p>
+          <a:p>
+            <a:pPr>
+              <a:lnSpc>
+                <a:spcPct val="100000"/>
+              </a:lnSpc>
+              <a:spcAft>
+                <a:spcPts val="1142"/>
+              </a:spcAft>
+            </a:pPr>
+            <a:r>
+              <a:rPr b="1" lang="en-IN" sz="2200" spc="-1" strike="noStrike">
+                <a:solidFill>
+                  <a:srgbClr val="000000"/>
+                </a:solidFill>
+                <a:latin typeface="Times New Roman"/>
+                <a:ea typeface="DejaVu Sans"/>
+              </a:rPr>
+              <a:t>    </a:t>
+            </a:r>
+            <a:r>
+              <a:rPr b="1" lang="en-IN" sz="2200" spc="-1" strike="noStrike">
+                <a:solidFill>
+                  <a:srgbClr val="000000"/>
+                </a:solidFill>
+                <a:latin typeface="Times New Roman"/>
+                <a:ea typeface="DejaVu Sans"/>
+              </a:rPr>
+              <a:t>} else {</a:t>
+            </a:r>
+            <a:endParaRPr b="0" lang="en-IN" sz="2200" spc="-1" strike="noStrike">
+              <a:latin typeface="Arial"/>
+            </a:endParaRPr>
+          </a:p>
+          <a:p>
+            <a:pPr>
+              <a:lnSpc>
+                <a:spcPct val="100000"/>
+              </a:lnSpc>
+              <a:spcAft>
+                <a:spcPts val="1142"/>
+              </a:spcAft>
+            </a:pPr>
+            <a:r>
+              <a:rPr b="1" lang="en-IN" sz="2200" spc="-1" strike="noStrike">
+                <a:solidFill>
+                  <a:srgbClr val="000000"/>
+                </a:solidFill>
+                <a:latin typeface="Times New Roman"/>
+                <a:ea typeface="DejaVu Sans"/>
+              </a:rPr>
+              <a:t>        </a:t>
+            </a:r>
+            <a:r>
+              <a:rPr b="1" lang="en-IN" sz="2200" spc="-1" strike="noStrike">
+                <a:solidFill>
+                  <a:srgbClr val="000000"/>
+                </a:solidFill>
+                <a:latin typeface="Times New Roman"/>
+                <a:ea typeface="DejaVu Sans"/>
+              </a:rPr>
+              <a:t>G4cout &lt;&lt; "No trajectory storage for Track ID: " </a:t>
+            </a:r>
+            <a:endParaRPr b="0" lang="en-IN" sz="2200" spc="-1" strike="noStrike">
+              <a:latin typeface="Arial"/>
+            </a:endParaRPr>
+          </a:p>
+          <a:p>
+            <a:pPr>
+              <a:lnSpc>
+                <a:spcPct val="100000"/>
+              </a:lnSpc>
+              <a:spcAft>
+                <a:spcPts val="1142"/>
+              </a:spcAft>
+            </a:pPr>
+            <a:r>
+              <a:rPr b="1" lang="en-IN" sz="2200" spc="-1" strike="noStrike">
+                <a:solidFill>
+                  <a:srgbClr val="000000"/>
+                </a:solidFill>
+                <a:latin typeface="Times New Roman"/>
+                <a:ea typeface="DejaVu Sans"/>
+              </a:rPr>
+              <a:t>               </a:t>
+            </a:r>
+            <a:r>
+              <a:rPr b="1" lang="en-IN" sz="2200" spc="-1" strike="noStrike">
+                <a:solidFill>
+                  <a:srgbClr val="000000"/>
+                </a:solidFill>
+                <a:latin typeface="Times New Roman"/>
+                <a:ea typeface="DejaVu Sans"/>
+              </a:rPr>
+              <a:t>&lt;&lt; track-&gt;GetTrackID() &lt;&lt; G4endl;</a:t>
+            </a:r>
+            <a:endParaRPr b="0" lang="en-IN" sz="2200" spc="-1" strike="noStrike">
+              <a:latin typeface="Arial"/>
+            </a:endParaRPr>
+          </a:p>
+          <a:p>
+            <a:pPr>
+              <a:lnSpc>
+                <a:spcPct val="100000"/>
+              </a:lnSpc>
+              <a:spcAft>
+                <a:spcPts val="1142"/>
+              </a:spcAft>
+            </a:pPr>
+            <a:r>
+              <a:rPr b="1" lang="en-IN" sz="2200" spc="-1" strike="noStrike">
+                <a:solidFill>
+                  <a:srgbClr val="000000"/>
+                </a:solidFill>
+                <a:latin typeface="Times New Roman"/>
+                <a:ea typeface="DejaVu Sans"/>
+              </a:rPr>
+              <a:t>    </a:t>
+            </a:r>
+            <a:r>
+              <a:rPr b="1" lang="en-IN" sz="2200" spc="-1" strike="noStrike">
+                <a:solidFill>
+                  <a:srgbClr val="000000"/>
+                </a:solidFill>
+                <a:latin typeface="Times New Roman"/>
+                <a:ea typeface="DejaVu Sans"/>
+              </a:rPr>
+              <a:t>}</a:t>
+            </a:r>
+            <a:endParaRPr b="0" lang="en-IN" sz="2200" spc="-1" strike="noStrike">
+              <a:latin typeface="Arial"/>
+            </a:endParaRPr>
+          </a:p>
+          <a:p>
+            <a:pPr>
+              <a:lnSpc>
+                <a:spcPct val="100000"/>
+              </a:lnSpc>
+              <a:spcAft>
+                <a:spcPts val="1142"/>
+              </a:spcAft>
+            </a:pPr>
+            <a:r>
+              <a:rPr b="1" lang="en-IN" sz="2200" spc="-1" strike="noStrike">
+                <a:solidFill>
+                  <a:srgbClr val="000000"/>
+                </a:solidFill>
+                <a:latin typeface="Times New Roman"/>
+                <a:ea typeface="DejaVu Sans"/>
+              </a:rPr>
+              <a:t>}</a:t>
+            </a:r>
+            <a:endParaRPr b="0" lang="en-IN" sz="2200" spc="-1" strike="noStrike">
+              <a:latin typeface="Arial"/>
+            </a:endParaRPr>
+          </a:p>
+          <a:p>
+            <a:pPr>
+              <a:lnSpc>
+                <a:spcPct val="100000"/>
+              </a:lnSpc>
+              <a:spcAft>
+                <a:spcPts val="1142"/>
+              </a:spcAft>
+            </a:pPr>
+            <a:r>
+              <a:rPr b="1" lang="en-IN" sz="2800" spc="-1" strike="noStrike">
+                <a:solidFill>
+                  <a:srgbClr val="ff0000"/>
+                </a:solidFill>
+                <a:latin typeface="Times New Roman"/>
+                <a:ea typeface="DejaVu Sans"/>
+              </a:rPr>
+              <a:t>Things to Try :</a:t>
+            </a:r>
+            <a:endParaRPr b="0" lang="en-IN" sz="2800" spc="-1" strike="noStrike">
+              <a:latin typeface="Arial"/>
+            </a:endParaRPr>
+          </a:p>
+          <a:p>
+            <a:pPr>
+              <a:lnSpc>
+                <a:spcPct val="100000"/>
+              </a:lnSpc>
+              <a:spcAft>
+                <a:spcPts val="1142"/>
+              </a:spcAft>
+            </a:pPr>
+            <a:r>
+              <a:rPr b="1" lang="en-IN" sz="2800" spc="-1" strike="noStrike">
+                <a:solidFill>
+                  <a:srgbClr val="000000"/>
+                </a:solidFill>
+                <a:latin typeface="Times New Roman"/>
+                <a:ea typeface="DejaVu Sans"/>
+              </a:rPr>
+              <a:t>Run you code in </a:t>
+            </a:r>
+            <a:r>
+              <a:rPr b="1" lang="en-IN" sz="2800" spc="-1" strike="noStrike">
+                <a:solidFill>
+                  <a:srgbClr val="00a933"/>
+                </a:solidFill>
+                <a:latin typeface="Times New Roman"/>
+                <a:ea typeface="DejaVu Sans"/>
+              </a:rPr>
+              <a:t>(1) Batch mode</a:t>
+            </a:r>
+            <a:r>
+              <a:rPr b="1" lang="en-IN" sz="2800" spc="-1" strike="noStrike">
+                <a:solidFill>
+                  <a:srgbClr val="ff0000"/>
+                </a:solidFill>
+                <a:latin typeface="Times New Roman"/>
+                <a:ea typeface="DejaVu Sans"/>
+              </a:rPr>
+              <a:t> (2) Interactive mode.</a:t>
+            </a:r>
+            <a:endParaRPr b="0" lang="en-IN" sz="2800" spc="-1" strike="noStrike">
+              <a:latin typeface="Arial"/>
+            </a:endParaRPr>
+          </a:p>
+          <a:p>
+            <a:pPr>
+              <a:lnSpc>
+                <a:spcPct val="100000"/>
+              </a:lnSpc>
+              <a:spcAft>
+                <a:spcPts val="1142"/>
+              </a:spcAft>
+            </a:pPr>
+            <a:r>
+              <a:rPr b="1" lang="en-IN" sz="2800" spc="-1" strike="noStrike">
+                <a:solidFill>
+                  <a:srgbClr val="800080"/>
+                </a:solidFill>
+                <a:latin typeface="Times New Roman"/>
+                <a:ea typeface="DejaVu Sans"/>
+              </a:rPr>
+              <a:t>Now force trajectory storage :</a:t>
+            </a:r>
+            <a:r>
+              <a:rPr b="1" lang="en-IN" sz="2800" spc="-1" strike="noStrike">
+                <a:solidFill>
+                  <a:srgbClr val="ff0000"/>
+                </a:solidFill>
+                <a:latin typeface="Times New Roman"/>
+                <a:ea typeface="DejaVu Sans"/>
+              </a:rPr>
+              <a:t>  fpTrackingManager-&gt;SetStoreTrajectory(true);</a:t>
+            </a:r>
+            <a:endParaRPr b="0" lang="en-IN" sz="2800" spc="-1" strike="noStrike">
+              <a:latin typeface="Arial"/>
+            </a:endParaRPr>
+          </a:p>
+          <a:p>
+            <a:pPr>
+              <a:lnSpc>
+                <a:spcPct val="100000"/>
+              </a:lnSpc>
+              <a:spcAft>
+                <a:spcPts val="1142"/>
+              </a:spcAft>
+            </a:pPr>
+            <a:r>
+              <a:rPr b="1" lang="en-IN" sz="2800" spc="-1" strike="noStrike">
+                <a:solidFill>
+                  <a:srgbClr val="000000"/>
+                </a:solidFill>
+                <a:latin typeface="Times New Roman"/>
+                <a:ea typeface="DejaVu Sans"/>
+              </a:rPr>
+              <a:t>Again Run you code in </a:t>
+            </a:r>
+            <a:r>
+              <a:rPr b="1" lang="en-IN" sz="2800" spc="-1" strike="noStrike">
+                <a:solidFill>
+                  <a:srgbClr val="00a933"/>
+                </a:solidFill>
+                <a:latin typeface="Times New Roman"/>
+                <a:ea typeface="DejaVu Sans"/>
+              </a:rPr>
+              <a:t>(1) Batch mode </a:t>
+            </a:r>
+            <a:r>
+              <a:rPr b="1" lang="en-IN" sz="2800" spc="-1" strike="noStrike">
+                <a:solidFill>
+                  <a:srgbClr val="ff0000"/>
+                </a:solidFill>
+                <a:latin typeface="Times New Roman"/>
+                <a:ea typeface="DejaVu Sans"/>
+              </a:rPr>
+              <a:t>(2) Interactive mode.</a:t>
+            </a:r>
+            <a:endParaRPr b="0" lang="en-IN" sz="2800" spc="-1" strike="noStrike">
+              <a:latin typeface="Arial"/>
+            </a:endParaRPr>
+          </a:p>
+        </p:txBody>
+      </p:sp>
+      <p:sp>
+        <p:nvSpPr>
+          <p:cNvPr id="117" name="CustomShape 2"/>
+          <p:cNvSpPr/>
+          <p:nvPr/>
+        </p:nvSpPr>
+        <p:spPr>
+          <a:xfrm>
+            <a:off x="264240" y="465840"/>
+            <a:ext cx="8591400" cy="541800"/>
+          </a:xfrm>
+          <a:prstGeom prst="rect">
+            <a:avLst/>
+          </a:prstGeom>
+          <a:noFill/>
+          <a:ln>
+            <a:noFill/>
+          </a:ln>
+        </p:spPr>
+        <p:style>
+          <a:lnRef idx="0"/>
+          <a:fillRef idx="0"/>
+          <a:effectRef idx="0"/>
+          <a:fontRef idx="minor"/>
+        </p:style>
         <p:txBody>
           <a:bodyPr lIns="90000" rIns="90000" tIns="45000" bIns="45000">
             <a:noAutofit/>
           </a:bodyPr>
           <a:p>
-            <a:r>
-              <a:rPr b="1" lang="en-IN" sz="2600" spc="-1" strike="noStrike">
-                <a:solidFill>
-                  <a:srgbClr val="0000ff"/>
-                </a:solidFill>
-                <a:latin typeface="Times New Roman"/>
-                <a:ea typeface="DejaVu Sans"/>
-              </a:rPr>
-              <a:t>PostUserTrackingAction(const G4Track*)</a:t>
-            </a:r>
-            <a:endParaRPr b="0" lang="en-IN" sz="2600" spc="-1" strike="noStrike">
-              <a:latin typeface="Arial"/>
-            </a:endParaRPr>
-          </a:p>
-          <a:p>
-            <a:endParaRPr b="0" lang="en-IN" sz="2600" spc="-1" strike="noStrike">
-              <a:latin typeface="Arial"/>
-            </a:endParaRPr>
-          </a:p>
-          <a:p>
-            <a:r>
-              <a:rPr b="1" lang="en-IN" sz="2600" spc="-1" strike="noStrike">
-                <a:solidFill>
-                  <a:srgbClr val="1c1c1c"/>
-                </a:solidFill>
-                <a:latin typeface="Times New Roman"/>
-                <a:ea typeface="DejaVu Sans"/>
-              </a:rPr>
-              <a:t>Called when track has finished processing.</a:t>
-            </a:r>
-            <a:endParaRPr b="0" lang="en-IN" sz="2600" spc="-1" strike="noStrike">
-              <a:latin typeface="Arial"/>
-            </a:endParaRPr>
-          </a:p>
-          <a:p>
-            <a:endParaRPr b="0" lang="en-IN" sz="2600" spc="-1" strike="noStrike">
-              <a:latin typeface="Arial"/>
-            </a:endParaRPr>
-          </a:p>
-          <a:p>
-            <a:r>
-              <a:rPr b="1" lang="en-IN" sz="2600" spc="-1" strike="noStrike">
-                <a:solidFill>
-                  <a:srgbClr val="1c1c1c"/>
-                </a:solidFill>
-                <a:latin typeface="Times New Roman"/>
-                <a:ea typeface="DejaVu Sans"/>
-              </a:rPr>
-              <a:t>Storing or analyzing track data.</a:t>
-            </a:r>
-            <a:endParaRPr b="0" lang="en-IN" sz="2600" spc="-1" strike="noStrike">
-              <a:latin typeface="Arial"/>
-            </a:endParaRPr>
-          </a:p>
-          <a:p>
-            <a:endParaRPr b="0" lang="en-IN" sz="2600" spc="-1" strike="noStrike">
-              <a:latin typeface="Arial"/>
-            </a:endParaRPr>
-          </a:p>
-          <a:p>
-            <a:r>
-              <a:rPr b="1" lang="en-IN" sz="2600" spc="-1" strike="noStrike">
-                <a:solidFill>
-                  <a:srgbClr val="1c1c1c"/>
-                </a:solidFill>
-                <a:latin typeface="Times New Roman"/>
-                <a:ea typeface="DejaVu Sans"/>
-              </a:rPr>
-              <a:t>Collecting secondary particles information : counting number of secondaries produces as a result of interaction.</a:t>
-            </a:r>
-            <a:endParaRPr b="0" lang="en-IN" sz="2600" spc="-1" strike="noStrike">
-              <a:latin typeface="Arial"/>
-            </a:endParaRPr>
-          </a:p>
-          <a:p>
-            <a:endParaRPr b="0" lang="en-IN" sz="2600" spc="-1" strike="noStrike">
-              <a:latin typeface="Arial"/>
-            </a:endParaRPr>
-          </a:p>
-          <a:p>
-            <a:r>
-              <a:rPr b="1" lang="en-IN" sz="2600" spc="-1" strike="noStrike">
-                <a:solidFill>
-                  <a:srgbClr val="1c1c1c"/>
-                </a:solidFill>
-                <a:latin typeface="Times New Roman"/>
-                <a:ea typeface="DejaVu Sans"/>
-              </a:rPr>
-              <a:t>TrackingManager keeps the tracks of creations of all the particles. </a:t>
-            </a:r>
-            <a:r>
-              <a:rPr b="1" lang="en-IN" sz="2600" spc="-1" strike="noStrike">
-                <a:solidFill>
-                  <a:srgbClr val="0000ff"/>
-                </a:solidFill>
-                <a:latin typeface="Times New Roman"/>
-                <a:ea typeface="DejaVu Sans"/>
-              </a:rPr>
-              <a:t>GimmeSecondaries()</a:t>
-            </a:r>
-            <a:r>
-              <a:rPr b="1" lang="en-IN" sz="2600" spc="-1" strike="noStrike">
-                <a:solidFill>
-                  <a:srgbClr val="1c1c1c"/>
-                </a:solidFill>
-                <a:latin typeface="Times New Roman"/>
-                <a:ea typeface="DejaVu Sans"/>
-              </a:rPr>
-              <a:t> function of tracking manager may be called to get the number of secondary particles produced.</a:t>
-            </a:r>
-            <a:endParaRPr b="0" lang="en-IN" sz="2600" spc="-1" strike="noStrike">
-              <a:latin typeface="Arial"/>
-            </a:endParaRPr>
-          </a:p>
-          <a:p>
-            <a:r>
-              <a:rPr b="1" lang="en-IN" sz="2800" spc="-1" strike="noStrike">
-                <a:solidFill>
-                  <a:srgbClr val="ff0000"/>
-                </a:solidFill>
-                <a:latin typeface="Times New Roman"/>
-                <a:ea typeface="DejaVu Sans"/>
-              </a:rPr>
-              <a:t>Have a look the the source code G4UserTrackingAction.hh</a:t>
-            </a:r>
-            <a:endParaRPr b="0" lang="en-IN" sz="2800" spc="-1" strike="noStrike">
-              <a:latin typeface="Arial"/>
-            </a:endParaRPr>
-          </a:p>
-          <a:p>
-            <a:endParaRPr b="0" lang="en-IN" sz="2800" spc="-1" strike="noStrike">
-              <a:latin typeface="Arial"/>
-            </a:endParaRPr>
-          </a:p>
-          <a:p>
-            <a:endParaRPr b="0" lang="en-IN" sz="2800" spc="-1" strike="noStrike">
+            <a:pPr>
+              <a:lnSpc>
+                <a:spcPct val="100000"/>
+              </a:lnSpc>
+            </a:pPr>
+            <a:r>
+              <a:rPr b="1" lang="en-IN" sz="3200" spc="-1" strike="noStrike">
+                <a:solidFill>
+                  <a:srgbClr val="ffffff"/>
+                </a:solidFill>
+                <a:latin typeface="Times New Roman"/>
+                <a:ea typeface="DejaVu Sans"/>
+              </a:rPr>
+              <a:t>Trajectory verification</a:t>
+            </a:r>
+            <a:endParaRPr b="0" lang="en-IN" sz="3200" spc="-1" strike="noStrike">
               <a:latin typeface="Arial"/>
             </a:endParaRPr>
           </a:p>
@@ -5654,14 +6475,14 @@
       </p:grpSpPr>
       <p:sp>
         <p:nvSpPr>
-          <p:cNvPr id="111" name="TextShape 1"/>
-          <p:cNvSpPr txBox="1"/>
+          <p:cNvPr id="118" name="CustomShape 1"/>
+          <p:cNvSpPr/>
           <p:nvPr/>
         </p:nvSpPr>
         <p:spPr>
           <a:xfrm>
-            <a:off x="384480" y="360000"/>
-            <a:ext cx="7247520" cy="765360"/>
+            <a:off x="411120" y="432000"/>
+            <a:ext cx="8660520" cy="1444320"/>
           </a:xfrm>
           <a:prstGeom prst="rect">
             <a:avLst/>
@@ -5671,22 +6492,33 @@
             <a:noFill/>
           </a:ln>
         </p:spPr>
+        <p:style>
+          <a:lnRef idx="0"/>
+          <a:fillRef idx="0"/>
+          <a:effectRef idx="0"/>
+          <a:fontRef idx="minor"/>
+        </p:style>
         <p:txBody>
           <a:bodyPr lIns="90000" rIns="90000" tIns="45000" bIns="45000">
             <a:noAutofit/>
           </a:bodyPr>
           <a:p>
-            <a:r>
-              <a:rPr b="1" lang="en-IN" sz="4800" spc="-1" strike="noStrike">
+            <a:pPr>
+              <a:lnSpc>
+                <a:spcPct val="100000"/>
+              </a:lnSpc>
+            </a:pPr>
+            <a:r>
+              <a:rPr b="1" lang="en-IN" sz="3200" spc="-1" strike="noStrike">
                 <a:solidFill>
                   <a:srgbClr val="ffffff"/>
                 </a:solidFill>
                 <a:latin typeface="Times New Roman"/>
                 <a:ea typeface="DejaVu Sans"/>
               </a:rPr>
-              <a:t>Small Quiz</a:t>
-            </a:r>
-            <a:endParaRPr b="0" lang="en-IN" sz="4800" spc="-1" strike="noStrike">
+              <a:t>Some Important points about Trajectory</a:t>
+            </a:r>
+            <a:endParaRPr b="0" lang="en-IN" sz="3200" spc="-1" strike="noStrike">
               <a:latin typeface="Arial"/>
             </a:endParaRPr>
           </a:p>
@@ -5694,14 +6526,14 @@
       </p:sp>
       <p:sp>
         <p:nvSpPr>
-          <p:cNvPr id="112" name="CustomShape 2"/>
+          <p:cNvPr id="119" name="CustomShape 2"/>
           <p:cNvSpPr/>
           <p:nvPr/>
         </p:nvSpPr>
         <p:spPr>
           <a:xfrm>
             <a:off x="252000" y="1476000"/>
-            <a:ext cx="9828720" cy="5220000"/>
+            <a:ext cx="9828360" cy="5219640"/>
           </a:xfrm>
           <a:prstGeom prst="rect">
             <a:avLst/>
@@ -5719,7 +6551,7 @@
         </p:style>
         <p:txBody>
           <a:bodyPr lIns="0" rIns="0" tIns="0" bIns="0">
-            <a:normAutofit/>
+            <a:normAutofit fontScale="91000"/>
           </a:bodyPr>
           <a:p>
             <a:pPr>
@@ -5731,16 +6563,56 @@
               </a:spcAft>
             </a:pPr>
             <a:r>
-              <a:rPr b="1" lang="en-IN" sz="3600" spc="-1" strike="noStrike">
+              <a:rPr b="1" lang="en-IN" sz="2800" spc="-1" strike="noStrike">
+                <a:solidFill>
+                  <a:srgbClr val="000000"/>
+                </a:solidFill>
+                <a:latin typeface="Times New Roman"/>
+                <a:ea typeface="DejaVu Sans"/>
+              </a:rPr>
+              <a:t>Remember that you need to query </a:t>
+            </a:r>
+            <a:r>
+              <a:rPr b="1" lang="en-IN" sz="2800" spc="-1" strike="noStrike">
                 <a:solidFill>
                   <a:srgbClr val="0000ff"/>
                 </a:solidFill>
                 <a:latin typeface="Times New Roman"/>
                 <a:ea typeface="DejaVu Sans"/>
               </a:rPr>
-              <a:t>What is the correction location to call these following functions</a:t>
-            </a:r>
-            <a:endParaRPr b="0" lang="en-IN" sz="3600" spc="-1" strike="noStrike">
+              <a:t>TrackingManager</a:t>
+            </a:r>
+            <a:r>
+              <a:rPr b="1" lang="en-IN" sz="2800" spc="-1" strike="noStrike">
+                <a:solidFill>
+                  <a:srgbClr val="000000"/>
+                </a:solidFill>
+                <a:latin typeface="Times New Roman"/>
+                <a:ea typeface="DejaVu Sans"/>
+              </a:rPr>
+              <a:t> object </a:t>
+            </a:r>
+            <a:r>
+              <a:rPr b="1" lang="en-IN" sz="2800" spc="-1" strike="noStrike">
+                <a:solidFill>
+                  <a:srgbClr val="0000ff"/>
+                </a:solidFill>
+                <a:latin typeface="Times New Roman"/>
+                <a:ea typeface="DejaVu Sans"/>
+              </a:rPr>
+              <a:t>fpTrackingManager</a:t>
+            </a:r>
+            <a:r>
+              <a:rPr b="1" lang="en-IN" sz="2800" spc="-1" strike="noStrike">
+                <a:solidFill>
+                  <a:srgbClr val="000000"/>
+                </a:solidFill>
+                <a:latin typeface="Times New Roman"/>
+                <a:ea typeface="DejaVu Sans"/>
+              </a:rPr>
+              <a:t> in order to get  the trajectory.</a:t>
+            </a:r>
+            <a:endParaRPr b="0" lang="en-IN" sz="2800" spc="-1" strike="noStrike">
               <a:latin typeface="Arial"/>
             </a:endParaRPr>
           </a:p>
@@ -5753,7 +6625,17 @@
                 <a:spcPts val="1142"/>
               </a:spcAft>
             </a:pPr>
-            <a:endParaRPr b="0" lang="en-IN" sz="3600" spc="-1" strike="noStrike">
+            <a:r>
+              <a:rPr b="1" lang="en-IN" sz="2800" spc="-1" strike="noStrike">
+                <a:solidFill>
+                  <a:srgbClr val="000000"/>
+                </a:solidFill>
+                <a:latin typeface="Times New Roman"/>
+                <a:ea typeface="DejaVu Sans"/>
+              </a:rPr>
+              <a:t>Three important function related to TrackingManager</a:t>
+            </a:r>
+            <a:endParaRPr b="0" lang="en-IN" sz="2800" spc="-1" strike="noStrike">
               <a:latin typeface="Arial"/>
             </a:endParaRPr>
           </a:p>
@@ -5774,7 +6656,7 @@
                 <a:latin typeface="Times New Roman"/>
                 <a:ea typeface="DejaVu Sans"/>
               </a:rPr>
-              <a:t>GetStoreTrajectory()</a:t>
+              <a:t>(1) GetStoreTrajectory() (2) SetStoreTrajectory()</a:t>
             </a:r>
             <a:endParaRPr b="0" lang="en-IN" sz="2800" spc="-1" strike="noStrike">
               <a:latin typeface="Arial"/>
@@ -5797,7 +6679,7 @@
                 <a:latin typeface="Times New Roman"/>
                 <a:ea typeface="DejaVu Sans"/>
               </a:rPr>
-              <a:t>SetStoreTrajectory()</a:t>
+              <a:t>(3) GimmeTrajectory()</a:t>
             </a:r>
             <a:endParaRPr b="0" lang="en-IN" sz="2800" spc="-1" strike="noStrike">
               <a:latin typeface="Arial"/>
@@ -5812,6 +6694,19 @@
                 <a:spcPts val="1142"/>
               </a:spcAft>
             </a:pPr>
+            <a:endParaRPr b="0" lang="en-IN" sz="2800" spc="-1" strike="noStrike">
+              <a:latin typeface="Arial"/>
+            </a:endParaRPr>
+          </a:p>
+          <a:p>
+            <a:pPr>
+              <a:lnSpc>
+                <a:spcPct val="100000"/>
+              </a:lnSpc>
+              <a:spcAft>
+                <a:spcPts val="1142"/>
+              </a:spcAft>
+            </a:pPr>
             <a:r>
               <a:rPr b="1" lang="en-IN" sz="2800" spc="-1" strike="noStrike">
                 <a:solidFill>
@@ -5820,7 +6715,73 @@
                 <a:latin typeface="Times New Roman"/>
                 <a:ea typeface="DejaVu Sans"/>
               </a:rPr>
-              <a:t>GimmeTrajectory()</a:t>
+              <a:t>GetStoreTrajectory() </a:t>
+            </a:r>
+            <a:r>
+              <a:rPr b="1" lang="en-IN" sz="2800" spc="-1" strike="noStrike">
+                <a:solidFill>
+                  <a:srgbClr val="000000"/>
+                </a:solidFill>
+                <a:latin typeface="Times New Roman"/>
+                <a:ea typeface="DejaVu Sans"/>
+              </a:rPr>
+              <a:t>just tell whether the trajectory storage is enable or not.</a:t>
+            </a:r>
+            <a:endParaRPr b="0" lang="en-IN" sz="2800" spc="-1" strike="noStrike">
+              <a:latin typeface="Arial"/>
+            </a:endParaRPr>
+          </a:p>
+          <a:p>
+            <a:pPr>
+              <a:lnSpc>
+                <a:spcPct val="100000"/>
+              </a:lnSpc>
+              <a:spcAft>
+                <a:spcPts val="1142"/>
+              </a:spcAft>
+            </a:pPr>
+            <a:r>
+              <a:rPr b="1" lang="en-IN" sz="2800" spc="-1" strike="noStrike">
+                <a:solidFill>
+                  <a:srgbClr val="000000"/>
+                </a:solidFill>
+                <a:latin typeface="Times New Roman"/>
+                <a:ea typeface="DejaVu Sans"/>
+              </a:rPr>
+              <a:t>It does not give the Trajectory itself.</a:t>
+            </a:r>
+            <a:endParaRPr b="0" lang="en-IN" sz="2800" spc="-1" strike="noStrike">
+              <a:latin typeface="Arial"/>
+            </a:endParaRPr>
+          </a:p>
+          <a:p>
+            <a:pPr>
+              <a:lnSpc>
+                <a:spcPct val="100000"/>
+              </a:lnSpc>
+              <a:spcAft>
+                <a:spcPts val="1142"/>
+              </a:spcAft>
+            </a:pPr>
+            <a:r>
+              <a:rPr b="1" lang="en-IN" sz="2800" spc="-1" strike="noStrike">
+                <a:solidFill>
+                  <a:srgbClr val="800080"/>
+                </a:solidFill>
+                <a:latin typeface="Times New Roman"/>
+                <a:ea typeface="DejaVu Sans"/>
+              </a:rPr>
+              <a:t>GimmeTrajectory() </a:t>
+            </a:r>
+            <a:r>
+              <a:rPr b="1" lang="en-IN" sz="2800" spc="-1" strike="noStrike">
+                <a:solidFill>
+                  <a:srgbClr val="000000"/>
+                </a:solidFill>
+                <a:latin typeface="Times New Roman"/>
+                <a:ea typeface="DejaVu Sans"/>
+              </a:rPr>
+              <a:t>function actually gives you a trajectory only if trajectory storage flag is set.</a:t>
             </a:r>
             <a:endParaRPr b="0" lang="en-IN" sz="2800" spc="-1" strike="noStrike">
               <a:latin typeface="Arial"/>
@@ -5873,14 +6834,14 @@
       </p:grpSpPr>
       <p:sp>
         <p:nvSpPr>
-          <p:cNvPr id="113" name="CustomShape 1"/>
+          <p:cNvPr id="120" name="CustomShape 1"/>
           <p:cNvSpPr/>
           <p:nvPr/>
         </p:nvSpPr>
         <p:spPr>
           <a:xfrm>
-            <a:off x="360000" y="360000"/>
-            <a:ext cx="9358920" cy="898920"/>
+            <a:off x="288000" y="1519560"/>
+            <a:ext cx="9287640" cy="5969880"/>
           </a:xfrm>
           <a:prstGeom prst="rect">
             <a:avLst/>
@@ -5897,7 +6858,7 @@
           <a:fontRef idx="minor"/>
         </p:style>
         <p:txBody>
-          <a:bodyPr lIns="0" rIns="0" tIns="0" bIns="0" anchor="b">
+          <a:bodyPr lIns="90000" rIns="90000" tIns="45000" bIns="45000">
             <a:noAutofit/>
           </a:bodyPr>
           <a:p>
@@ -5907,491 +6868,201 @@
               </a:lnSpc>
             </a:pPr>
             <a:r>
-              <a:rPr b="1" lang="en-IN" sz="3200" spc="-1" strike="noStrike">
-                <a:solidFill>
-                  <a:srgbClr val="ffffff"/>
-                </a:solidFill>
-                <a:latin typeface="Noto Sans Black"/>
-                <a:ea typeface="DejaVu Sans"/>
-              </a:rPr>
-              <a:t>Step in Geant4</a:t>
-            </a:r>
-            <a:endParaRPr b="0" lang="en-IN" sz="3200" spc="-1" strike="noStrike">
+              <a:rPr b="1" lang="en-IN" sz="2600" spc="-1" strike="noStrike">
+                <a:solidFill>
+                  <a:srgbClr val="0000ff"/>
+                </a:solidFill>
+                <a:latin typeface="Times New Roman"/>
+                <a:ea typeface="DejaVu Sans"/>
+              </a:rPr>
+              <a:t>PostUserTrackingAction(const G4Track*)</a:t>
+            </a:r>
+            <a:endParaRPr b="0" lang="en-IN" sz="2600" spc="-1" strike="noStrike">
+              <a:latin typeface="Arial"/>
+            </a:endParaRPr>
+          </a:p>
+          <a:p>
+            <a:pPr>
+              <a:lnSpc>
+                <a:spcPct val="100000"/>
+              </a:lnSpc>
+            </a:pPr>
+            <a:endParaRPr b="0" lang="en-IN" sz="2600" spc="-1" strike="noStrike">
+              <a:latin typeface="Arial"/>
+            </a:endParaRPr>
+          </a:p>
+          <a:p>
+            <a:pPr>
+              <a:lnSpc>
+                <a:spcPct val="100000"/>
+              </a:lnSpc>
+            </a:pPr>
+            <a:r>
+              <a:rPr b="1" lang="en-IN" sz="2600" spc="-1" strike="noStrike">
+                <a:solidFill>
+                  <a:srgbClr val="1c1c1c"/>
+                </a:solidFill>
+                <a:latin typeface="Times New Roman"/>
+                <a:ea typeface="DejaVu Sans"/>
+              </a:rPr>
+              <a:t>Called when track has finished processing.</a:t>
+            </a:r>
+            <a:endParaRPr b="0" lang="en-IN" sz="2600" spc="-1" strike="noStrike">
+              <a:latin typeface="Arial"/>
+            </a:endParaRPr>
+          </a:p>
+          <a:p>
+            <a:pPr>
+              <a:lnSpc>
+                <a:spcPct val="100000"/>
+              </a:lnSpc>
+            </a:pPr>
+            <a:endParaRPr b="0" lang="en-IN" sz="2600" spc="-1" strike="noStrike">
+              <a:latin typeface="Arial"/>
+            </a:endParaRPr>
+          </a:p>
+          <a:p>
+            <a:pPr>
+              <a:lnSpc>
+                <a:spcPct val="100000"/>
+              </a:lnSpc>
+            </a:pPr>
+            <a:r>
+              <a:rPr b="1" lang="en-IN" sz="2600" spc="-1" strike="noStrike">
+                <a:solidFill>
+                  <a:srgbClr val="1c1c1c"/>
+                </a:solidFill>
+                <a:latin typeface="Times New Roman"/>
+                <a:ea typeface="DejaVu Sans"/>
+              </a:rPr>
+              <a:t>Storing or analyzing track data.</a:t>
+            </a:r>
+            <a:endParaRPr b="0" lang="en-IN" sz="2600" spc="-1" strike="noStrike">
+              <a:latin typeface="Arial"/>
+            </a:endParaRPr>
+          </a:p>
+          <a:p>
+            <a:pPr>
+              <a:lnSpc>
+                <a:spcPct val="100000"/>
+              </a:lnSpc>
+            </a:pPr>
+            <a:endParaRPr b="0" lang="en-IN" sz="2600" spc="-1" strike="noStrike">
+              <a:latin typeface="Arial"/>
+            </a:endParaRPr>
+          </a:p>
+          <a:p>
+            <a:pPr>
+              <a:lnSpc>
+                <a:spcPct val="100000"/>
+              </a:lnSpc>
+            </a:pPr>
+            <a:r>
+              <a:rPr b="1" lang="en-IN" sz="2600" spc="-1" strike="noStrike">
+                <a:solidFill>
+                  <a:srgbClr val="1c1c1c"/>
+                </a:solidFill>
+                <a:latin typeface="Times New Roman"/>
+                <a:ea typeface="DejaVu Sans"/>
+              </a:rPr>
+              <a:t>Collecting secondary particles information : counting number of secondaries produces as a result of interaction.</a:t>
+            </a:r>
+            <a:endParaRPr b="0" lang="en-IN" sz="2600" spc="-1" strike="noStrike">
+              <a:latin typeface="Arial"/>
+            </a:endParaRPr>
+          </a:p>
+          <a:p>
+            <a:pPr>
+              <a:lnSpc>
+                <a:spcPct val="100000"/>
+              </a:lnSpc>
+            </a:pPr>
+            <a:endParaRPr b="0" lang="en-IN" sz="2600" spc="-1" strike="noStrike">
+              <a:latin typeface="Arial"/>
+            </a:endParaRPr>
+          </a:p>
+          <a:p>
+            <a:pPr>
+              <a:lnSpc>
+                <a:spcPct val="100000"/>
+              </a:lnSpc>
+            </a:pPr>
+            <a:r>
+              <a:rPr b="1" lang="en-IN" sz="2600" spc="-1" strike="noStrike">
+                <a:solidFill>
+                  <a:srgbClr val="1c1c1c"/>
+                </a:solidFill>
+                <a:latin typeface="Times New Roman"/>
+                <a:ea typeface="DejaVu Sans"/>
+              </a:rPr>
+              <a:t>TrackingManager keeps the tracks of creations of all the particles. </a:t>
+            </a:r>
+            <a:r>
+              <a:rPr b="1" lang="en-IN" sz="2600" spc="-1" strike="noStrike">
+                <a:solidFill>
+                  <a:srgbClr val="0000ff"/>
+                </a:solidFill>
+                <a:latin typeface="Times New Roman"/>
+                <a:ea typeface="DejaVu Sans"/>
+              </a:rPr>
+              <a:t>GimmeSecondaries()</a:t>
+            </a:r>
+            <a:r>
+              <a:rPr b="1" lang="en-IN" sz="2600" spc="-1" strike="noStrike">
+                <a:solidFill>
+                  <a:srgbClr val="1c1c1c"/>
+                </a:solidFill>
+                <a:latin typeface="Times New Roman"/>
+                <a:ea typeface="DejaVu Sans"/>
+              </a:rPr>
+              <a:t> function of tracking manager may be called to get the number of secondary particles produced.</a:t>
+            </a:r>
+            <a:endParaRPr b="0" lang="en-IN" sz="2600" spc="-1" strike="noStrike">
+              <a:latin typeface="Arial"/>
+            </a:endParaRPr>
+          </a:p>
+          <a:p>
+            <a:pPr>
+              <a:lnSpc>
+                <a:spcPct val="100000"/>
+              </a:lnSpc>
+            </a:pPr>
+            <a:r>
+              <a:rPr b="1" lang="en-IN" sz="2800" spc="-1" strike="noStrike">
+                <a:solidFill>
+                  <a:srgbClr val="ff0000"/>
+                </a:solidFill>
+                <a:latin typeface="Times New Roman"/>
+                <a:ea typeface="DejaVu Sans"/>
+              </a:rPr>
+              <a:t>Have a look the the source code G4UserTrackingAction.hh</a:t>
+            </a:r>
+            <a:endParaRPr b="0" lang="en-IN" sz="2800" spc="-1" strike="noStrike">
+              <a:latin typeface="Arial"/>
+            </a:endParaRPr>
+          </a:p>
+          <a:p>
+            <a:pPr>
+              <a:lnSpc>
+                <a:spcPct val="100000"/>
+              </a:lnSpc>
+            </a:pPr>
+            <a:endParaRPr b="0" lang="en-IN" sz="2800" spc="-1" strike="noStrike">
+              <a:latin typeface="Arial"/>
+            </a:endParaRPr>
+          </a:p>
+          <a:p>
+            <a:pPr>
+              <a:lnSpc>
+                <a:spcPct val="100000"/>
+              </a:lnSpc>
+            </a:pPr>
+            <a:endParaRPr b="0" lang="en-IN" sz="2800" spc="-1" strike="noStrike">
               <a:latin typeface="Arial"/>
             </a:endParaRPr>
           </a:p>
         </p:txBody>
       </p:sp>
-      <p:sp>
-        <p:nvSpPr>
-          <p:cNvPr id="114" name="CustomShape 2"/>
-          <p:cNvSpPr/>
-          <p:nvPr/>
-        </p:nvSpPr>
-        <p:spPr>
-          <a:xfrm>
-            <a:off x="360000" y="1728000"/>
-            <a:ext cx="9178920" cy="4678920"/>
-          </a:xfrm>
-          <a:prstGeom prst="rect">
-            <a:avLst/>
-          </a:prstGeom>
-          <a:noFill/>
-          <a:ln>
-            <a:noFill/>
-          </a:ln>
-        </p:spPr>
-        <p:style>
-          <a:lnRef idx="0"/>
-          <a:fillRef idx="0"/>
-          <a:effectRef idx="0"/>
-          <a:fontRef idx="minor"/>
-        </p:style>
-        <p:txBody>
-          <a:bodyPr lIns="0" rIns="0" tIns="0" bIns="0">
-            <a:normAutofit fontScale="42000"/>
-          </a:bodyPr>
-          <a:p>
-            <a:pPr>
-              <a:lnSpc>
-                <a:spcPct val="100000"/>
-              </a:lnSpc>
-              <a:spcAft>
-                <a:spcPts val="1142"/>
-              </a:spcAft>
-            </a:pPr>
-            <a:r>
-              <a:rPr b="1" lang="en-IN" sz="2600" spc="-1" strike="noStrike">
-                <a:solidFill>
-                  <a:srgbClr val="1c1c1c"/>
-                </a:solidFill>
-                <a:latin typeface="Times New Roman"/>
-                <a:ea typeface="DejaVu Sans"/>
-              </a:rPr>
-              <a:t>An event consists of number of trajectories of primary and secondary particles.</a:t>
-            </a:r>
-            <a:endParaRPr b="0" lang="en-IN" sz="2600" spc="-1" strike="noStrike">
-              <a:latin typeface="Arial"/>
-            </a:endParaRPr>
-          </a:p>
-          <a:p>
-            <a:pPr>
-              <a:lnSpc>
-                <a:spcPct val="100000"/>
-              </a:lnSpc>
-              <a:spcAft>
-                <a:spcPts val="1142"/>
-              </a:spcAft>
-            </a:pPr>
-            <a:r>
-              <a:rPr b="1" lang="en-IN" sz="2600" spc="-1" strike="noStrike">
-                <a:solidFill>
-                  <a:srgbClr val="1c1c1c"/>
-                </a:solidFill>
-                <a:latin typeface="Times New Roman"/>
-                <a:ea typeface="DejaVu Sans"/>
-              </a:rPr>
-              <a:t>A trajectory consist of of number of steps.</a:t>
-            </a:r>
-            <a:endParaRPr b="0" lang="en-IN" sz="2600" spc="-1" strike="noStrike">
-              <a:latin typeface="Arial"/>
-            </a:endParaRPr>
-          </a:p>
-          <a:p>
-            <a:pPr>
-              <a:lnSpc>
-                <a:spcPct val="100000"/>
-              </a:lnSpc>
-              <a:spcAft>
-                <a:spcPts val="1142"/>
-              </a:spcAft>
-            </a:pPr>
-            <a:r>
-              <a:rPr b="1" lang="en-IN" sz="2600" spc="-1" strike="noStrike">
-                <a:solidFill>
-                  <a:srgbClr val="1c1c1c"/>
-                </a:solidFill>
-                <a:latin typeface="Times New Roman"/>
-                <a:ea typeface="DejaVu Sans"/>
-              </a:rPr>
-              <a:t>Step is represented by </a:t>
-            </a:r>
-            <a:r>
-              <a:rPr b="1" lang="en-IN" sz="2600" spc="-1" strike="noStrike">
-                <a:solidFill>
-                  <a:srgbClr val="0000ff"/>
-                </a:solidFill>
-                <a:latin typeface="Times New Roman"/>
-                <a:ea typeface="DejaVu Sans"/>
-              </a:rPr>
-              <a:t>G4Step</a:t>
-            </a:r>
-            <a:r>
-              <a:rPr b="1" lang="en-IN" sz="2600" spc="-1" strike="noStrike">
-                <a:solidFill>
-                  <a:srgbClr val="1c1c1c"/>
-                </a:solidFill>
-                <a:latin typeface="Times New Roman"/>
-                <a:ea typeface="DejaVu Sans"/>
-              </a:rPr>
-              <a:t> class, and consist of two point and the delta information within these two point.</a:t>
-            </a:r>
-            <a:endParaRPr b="0" lang="en-IN" sz="2600" spc="-1" strike="noStrike">
-              <a:latin typeface="Arial"/>
-            </a:endParaRPr>
-          </a:p>
-          <a:p>
-            <a:pPr>
-              <a:lnSpc>
-                <a:spcPct val="100000"/>
-              </a:lnSpc>
-              <a:spcAft>
-                <a:spcPts val="1142"/>
-              </a:spcAft>
-            </a:pPr>
-            <a:r>
-              <a:rPr b="1" lang="en-IN" sz="2600" spc="-1" strike="noStrike">
-                <a:solidFill>
-                  <a:srgbClr val="0000ff"/>
-                </a:solidFill>
-                <a:latin typeface="Times New Roman"/>
-                <a:ea typeface="DejaVu Sans"/>
-              </a:rPr>
-              <a:t>Does not store particle information, instead it maintains a pointer to </a:t>
-            </a:r>
-            <a:r>
-              <a:rPr b="1" lang="en-IN" sz="2600" spc="-1" strike="noStrike">
-                <a:solidFill>
-                  <a:srgbClr val="c9211e"/>
-                </a:solidFill>
-                <a:latin typeface="Times New Roman"/>
-                <a:ea typeface="DejaVu Sans"/>
-              </a:rPr>
-              <a:t>G4Track</a:t>
-            </a:r>
-            <a:r>
-              <a:rPr b="1" lang="en-IN" sz="2600" spc="-1" strike="noStrike">
-                <a:solidFill>
-                  <a:srgbClr val="0000ff"/>
-                </a:solidFill>
-                <a:latin typeface="Times New Roman"/>
-                <a:ea typeface="DejaVu Sans"/>
-              </a:rPr>
-              <a:t> class.</a:t>
-            </a:r>
-            <a:endParaRPr b="0" lang="en-IN" sz="2600" spc="-1" strike="noStrike">
-              <a:latin typeface="Arial"/>
-            </a:endParaRPr>
-          </a:p>
-          <a:p>
-            <a:pPr>
-              <a:lnSpc>
-                <a:spcPct val="100000"/>
-              </a:lnSpc>
-              <a:spcAft>
-                <a:spcPts val="1142"/>
-              </a:spcAft>
-            </a:pPr>
-            <a:r>
-              <a:rPr b="1" lang="en-IN" sz="2600" spc="-1" strike="noStrike">
-                <a:solidFill>
-                  <a:srgbClr val="1c1c1c"/>
-                </a:solidFill>
-                <a:latin typeface="Times New Roman"/>
-                <a:ea typeface="DejaVu Sans"/>
-              </a:rPr>
-              <a:t> </a:t>
-            </a:r>
-            <a:endParaRPr b="0" lang="en-IN" sz="2600" spc="-1" strike="noStrike">
-              <a:latin typeface="Arial"/>
-            </a:endParaRPr>
-          </a:p>
-          <a:p>
-            <a:pPr>
-              <a:lnSpc>
-                <a:spcPct val="100000"/>
-              </a:lnSpc>
-              <a:spcAft>
-                <a:spcPts val="1142"/>
-              </a:spcAft>
-            </a:pPr>
-            <a:r>
-              <a:rPr b="1" lang="en-IN" sz="2600" spc="-1" strike="noStrike">
-                <a:solidFill>
-                  <a:srgbClr val="1c1c1c"/>
-                </a:solidFill>
-                <a:latin typeface="Times New Roman"/>
-                <a:ea typeface="DejaVu Sans"/>
-              </a:rPr>
-              <a:t> </a:t>
-            </a:r>
-            <a:endParaRPr b="0" lang="en-IN" sz="2600" spc="-1" strike="noStrike">
-              <a:latin typeface="Arial"/>
-            </a:endParaRPr>
-          </a:p>
-          <a:p>
-            <a:pPr>
-              <a:lnSpc>
-                <a:spcPct val="100000"/>
-              </a:lnSpc>
-              <a:spcAft>
-                <a:spcPts val="1142"/>
-              </a:spcAft>
-            </a:pPr>
-            <a:r>
-              <a:rPr b="1" lang="en-IN" sz="2600" spc="-1" strike="noStrike">
-                <a:solidFill>
-                  <a:srgbClr val="1c1c1c"/>
-                </a:solidFill>
-                <a:latin typeface="Times New Roman"/>
-                <a:ea typeface="DejaVu Sans"/>
-              </a:rPr>
-              <a:t> </a:t>
-            </a:r>
-            <a:endParaRPr b="0" lang="en-IN" sz="2600" spc="-1" strike="noStrike">
-              <a:latin typeface="Arial"/>
-            </a:endParaRPr>
-          </a:p>
-          <a:p>
-            <a:pPr>
-              <a:lnSpc>
-                <a:spcPct val="100000"/>
-              </a:lnSpc>
-              <a:spcAft>
-                <a:spcPts val="1142"/>
-              </a:spcAft>
-            </a:pPr>
-            <a:r>
-              <a:rPr b="1" lang="en-IN" sz="2600" spc="-1" strike="noStrike">
-                <a:solidFill>
-                  <a:srgbClr val="1c1c1c"/>
-                </a:solidFill>
-                <a:latin typeface="Times New Roman"/>
-                <a:ea typeface="DejaVu Sans"/>
-              </a:rPr>
-              <a:t> </a:t>
-            </a:r>
-            <a:endParaRPr b="0" lang="en-IN" sz="2600" spc="-1" strike="noStrike">
-              <a:latin typeface="Arial"/>
-            </a:endParaRPr>
-          </a:p>
-          <a:p>
-            <a:pPr>
-              <a:lnSpc>
-                <a:spcPct val="100000"/>
-              </a:lnSpc>
-              <a:spcAft>
-                <a:spcPts val="1142"/>
-              </a:spcAft>
-            </a:pPr>
-            <a:r>
-              <a:rPr b="1" lang="en-IN" sz="2600" spc="-1" strike="noStrike">
-                <a:solidFill>
-                  <a:srgbClr val="1c1c1c"/>
-                </a:solidFill>
-                <a:latin typeface="Times New Roman"/>
-                <a:ea typeface="DejaVu Sans"/>
-              </a:rPr>
-              <a:t>It basically</a:t>
-            </a:r>
-            <a:r>
-              <a:rPr b="1" lang="en-IN" sz="2600" spc="-1" strike="noStrike">
-                <a:solidFill>
-                  <a:srgbClr val="0000ff"/>
-                </a:solidFill>
-                <a:latin typeface="Times New Roman"/>
-                <a:ea typeface="DejaVu Sans"/>
-              </a:rPr>
-              <a:t> stores delta information</a:t>
-            </a:r>
-            <a:r>
-              <a:rPr b="1" lang="en-IN" sz="2600" spc="-1" strike="noStrike">
-                <a:solidFill>
-                  <a:srgbClr val="1c1c1c"/>
-                </a:solidFill>
-                <a:latin typeface="Times New Roman"/>
-                <a:ea typeface="DejaVu Sans"/>
-              </a:rPr>
-              <a:t>. Information about the particle at </a:t>
-            </a:r>
-            <a:r>
-              <a:rPr b="1" lang="en-IN" sz="2600" spc="-1" strike="noStrike">
-                <a:solidFill>
-                  <a:srgbClr val="0000ff"/>
-                </a:solidFill>
-                <a:latin typeface="Times New Roman"/>
-                <a:ea typeface="DejaVu Sans"/>
-              </a:rPr>
-              <a:t>between two points.</a:t>
-            </a:r>
-            <a:endParaRPr b="0" lang="en-IN" sz="2600" spc="-1" strike="noStrike">
-              <a:latin typeface="Arial"/>
-            </a:endParaRPr>
-          </a:p>
-          <a:p>
-            <a:pPr>
-              <a:lnSpc>
-                <a:spcPct val="100000"/>
-              </a:lnSpc>
-              <a:spcAft>
-                <a:spcPts val="1142"/>
-              </a:spcAft>
-            </a:pPr>
-            <a:r>
-              <a:rPr b="1" lang="en-IN" sz="2600" spc="-1" strike="noStrike">
-                <a:solidFill>
-                  <a:srgbClr val="1c1c1c"/>
-                </a:solidFill>
-                <a:latin typeface="Times New Roman"/>
-                <a:ea typeface="DejaVu Sans"/>
-              </a:rPr>
-              <a:t>Point is represented by </a:t>
-            </a:r>
-            <a:r>
-              <a:rPr b="1" lang="en-IN" sz="2600" spc="-1" strike="noStrike">
-                <a:solidFill>
-                  <a:srgbClr val="0000ff"/>
-                </a:solidFill>
-                <a:latin typeface="Times New Roman"/>
-                <a:ea typeface="DejaVu Sans"/>
-              </a:rPr>
-              <a:t>G4StepPoint</a:t>
-            </a:r>
-            <a:r>
-              <a:rPr b="1" lang="en-IN" sz="2600" spc="-1" strike="noStrike">
-                <a:solidFill>
-                  <a:srgbClr val="1c1c1c"/>
-                </a:solidFill>
-                <a:latin typeface="Times New Roman"/>
-                <a:ea typeface="DejaVu Sans"/>
-              </a:rPr>
-              <a:t> class</a:t>
-            </a:r>
-            <a:endParaRPr b="0" lang="en-IN" sz="2600" spc="-1" strike="noStrike">
-              <a:latin typeface="Arial"/>
-            </a:endParaRPr>
-          </a:p>
-          <a:p>
-            <a:pPr>
-              <a:lnSpc>
-                <a:spcPct val="100000"/>
-              </a:lnSpc>
-              <a:spcAft>
-                <a:spcPts val="1142"/>
-              </a:spcAft>
-            </a:pPr>
-            <a:r>
-              <a:rPr b="1" lang="en-IN" sz="2600" spc="-1" strike="noStrike">
-                <a:solidFill>
-                  <a:srgbClr val="0000ff"/>
-                </a:solidFill>
-                <a:latin typeface="Times New Roman"/>
-                <a:ea typeface="DejaVu Sans"/>
-              </a:rPr>
-              <a:t>G4SteppingManager</a:t>
-            </a:r>
-            <a:r>
-              <a:rPr b="1" lang="en-IN" sz="2600" spc="-1" strike="noStrike">
-                <a:solidFill>
-                  <a:srgbClr val="1c1c1c"/>
-                </a:solidFill>
-                <a:latin typeface="Times New Roman"/>
-                <a:ea typeface="DejaVu Sans"/>
-              </a:rPr>
-              <a:t> is manager class responsible for managing track and can give the pointer to the current step.</a:t>
-            </a:r>
-            <a:endParaRPr b="0" lang="en-IN" sz="2600" spc="-1" strike="noStrike">
-              <a:latin typeface="Arial"/>
-            </a:endParaRPr>
-          </a:p>
-          <a:p>
-            <a:pPr>
-              <a:lnSpc>
-                <a:spcPct val="100000"/>
-              </a:lnSpc>
-              <a:spcAft>
-                <a:spcPts val="1142"/>
-              </a:spcAft>
-            </a:pPr>
-            <a:r>
-              <a:rPr b="1" lang="en-IN" sz="2600" spc="-1" strike="noStrike">
-                <a:solidFill>
-                  <a:srgbClr val="0000ff"/>
-                </a:solidFill>
-                <a:latin typeface="Times New Roman"/>
-                <a:ea typeface="DejaVu Sans"/>
-              </a:rPr>
-              <a:t>G4UserSteppingAction</a:t>
-            </a:r>
-            <a:r>
-              <a:rPr b="1" lang="en-IN" sz="2600" spc="-1" strike="noStrike">
-                <a:solidFill>
-                  <a:srgbClr val="1c1c1c"/>
-                </a:solidFill>
-                <a:latin typeface="Times New Roman"/>
-                <a:ea typeface="DejaVu Sans"/>
-              </a:rPr>
-              <a:t> is the optional user hook class that can be used to interact with the current step.</a:t>
-            </a:r>
-            <a:endParaRPr b="0" lang="en-IN" sz="2600" spc="-1" strike="noStrike">
-              <a:latin typeface="Arial"/>
-            </a:endParaRPr>
-          </a:p>
-        </p:txBody>
-      </p:sp>
-      <p:sp>
-        <p:nvSpPr>
-          <p:cNvPr id="115" name="CustomShape 3"/>
-          <p:cNvSpPr/>
-          <p:nvPr/>
-        </p:nvSpPr>
-        <p:spPr>
-          <a:xfrm>
-            <a:off x="-1008000" y="1296000"/>
-            <a:ext cx="70920" cy="360"/>
-          </a:xfrm>
-          <a:prstGeom prst="ellipse">
-            <a:avLst/>
-          </a:prstGeom>
-          <a:solidFill>
-            <a:srgbClr val="729fcf"/>
-          </a:solidFill>
-          <a:ln>
-            <a:solidFill>
-              <a:srgbClr val="3465a4"/>
-            </a:solidFill>
-          </a:ln>
-        </p:spPr>
-        <p:style>
-          <a:lnRef idx="0"/>
-          <a:fillRef idx="0"/>
-          <a:effectRef idx="0"/>
-          <a:fontRef idx="minor"/>
-        </p:style>
-      </p:sp>
-      <p:pic>
-        <p:nvPicPr>
-          <p:cNvPr id="116" name="" descr=""/>
-          <p:cNvPicPr/>
-          <p:nvPr/>
-        </p:nvPicPr>
-        <p:blipFill>
-          <a:blip r:embed="rId1"/>
-          <a:stretch/>
-        </p:blipFill>
-        <p:spPr>
-          <a:xfrm>
-            <a:off x="2592000" y="3456000"/>
-            <a:ext cx="3310920" cy="1059840"/>
-          </a:xfrm>
-          <a:prstGeom prst="rect">
-            <a:avLst/>
-          </a:prstGeom>
-          <a:ln>
-            <a:noFill/>
-          </a:ln>
-        </p:spPr>
-      </p:pic>
     </p:spTree>
   </p:cSld>
   <mc:AlternateContent>
@@ -6424,14 +7095,14 @@
       </p:grpSpPr>
       <p:sp>
         <p:nvSpPr>
-          <p:cNvPr id="117" name="CustomShape 1"/>
+          <p:cNvPr id="121" name="CustomShape 1"/>
           <p:cNvSpPr/>
           <p:nvPr/>
         </p:nvSpPr>
         <p:spPr>
           <a:xfrm>
-            <a:off x="360000" y="360000"/>
-            <a:ext cx="9358920" cy="898920"/>
+            <a:off x="384480" y="360000"/>
+            <a:ext cx="7247160" cy="765000"/>
           </a:xfrm>
           <a:prstGeom prst="rect">
             <a:avLst/>
@@ -6448,7 +7119,7 @@
           <a:fontRef idx="minor"/>
         </p:style>
         <p:txBody>
-          <a:bodyPr lIns="0" rIns="0" tIns="0" bIns="0" anchor="b">
+          <a:bodyPr lIns="90000" rIns="90000" tIns="45000" bIns="45000">
             <a:noAutofit/>
           </a:bodyPr>
           <a:p>
@@ -6458,16 +7129,16 @@
               </a:lnSpc>
             </a:pPr>
             <a:r>
-              <a:rPr b="1" lang="en-IN" sz="3200" spc="-1" strike="noStrike">
+              <a:rPr b="1" lang="en-IN" sz="4800" spc="-1" strike="noStrike">
                 <a:solidFill>
                   <a:srgbClr val="ffffff"/>
                 </a:solidFill>
                 <a:latin typeface="Times New Roman"/>
                 <a:ea typeface="DejaVu Sans"/>
               </a:rPr>
-              <a:t>Step Selection</a:t>
-            </a:r>
-            <a:endParaRPr b="0" lang="en-IN" sz="3200" spc="-1" strike="noStrike">
+              <a:t>Small Quiz</a:t>
+            </a:r>
+            <a:endParaRPr b="0" lang="en-IN" sz="4800" spc="-1" strike="noStrike">
               <a:latin typeface="Arial"/>
             </a:endParaRPr>
           </a:p>
@@ -6475,14 +7146,14 @@
       </p:sp>
       <p:sp>
         <p:nvSpPr>
-          <p:cNvPr id="118" name="CustomShape 2"/>
+          <p:cNvPr id="122" name="CustomShape 2"/>
           <p:cNvSpPr/>
           <p:nvPr/>
         </p:nvSpPr>
         <p:spPr>
           <a:xfrm>
-            <a:off x="360000" y="1980000"/>
-            <a:ext cx="9178920" cy="4678920"/>
+            <a:off x="252000" y="1476000"/>
+            <a:ext cx="9828360" cy="5219640"/>
           </a:xfrm>
           <a:prstGeom prst="rect">
             <a:avLst/>
@@ -6512,16 +7183,16 @@
               </a:spcAft>
             </a:pPr>
             <a:r>
-              <a:rPr b="1" lang="en-IN" sz="2600" spc="-1" strike="noStrike">
-                <a:solidFill>
-                  <a:srgbClr val="1c1c1c"/>
-                </a:solidFill>
-                <a:latin typeface="Times New Roman"/>
-                <a:ea typeface="DejaVu Sans"/>
-              </a:rPr>
-              <a:t>In Geant4, transportation is a process that is associated with each particle type.</a:t>
-            </a:r>
-            <a:endParaRPr b="0" lang="en-IN" sz="2600" spc="-1" strike="noStrike">
+              <a:rPr b="1" lang="en-IN" sz="3600" spc="-1" strike="noStrike">
+                <a:solidFill>
+                  <a:srgbClr val="0000ff"/>
+                </a:solidFill>
+                <a:latin typeface="Times New Roman"/>
+                <a:ea typeface="DejaVu Sans"/>
+              </a:rPr>
+              <a:t>What is the correct location to call these following functions</a:t>
+            </a:r>
+            <a:endParaRPr b="0" lang="en-IN" sz="3600" spc="-1" strike="noStrike">
               <a:latin typeface="Arial"/>
             </a:endParaRPr>
           </a:p>
@@ -6534,17 +7205,7 @@
                 <a:spcPts val="1142"/>
               </a:spcAft>
             </a:pPr>
-            <a:r>
-              <a:rPr b="1" lang="en-IN" sz="2600" spc="-1" strike="noStrike">
-                <a:solidFill>
-                  <a:srgbClr val="1c1c1c"/>
-                </a:solidFill>
-                <a:latin typeface="Times New Roman"/>
-                <a:ea typeface="DejaVu Sans"/>
-              </a:rPr>
-              <a:t>The transport process interacts with geometry boundaries.</a:t>
-            </a:r>
-            <a:endParaRPr b="0" lang="en-IN" sz="2600" spc="-1" strike="noStrike">
+            <a:endParaRPr b="0" lang="en-IN" sz="3600" spc="-1" strike="noStrike">
               <a:latin typeface="Arial"/>
             </a:endParaRPr>
           </a:p>
@@ -6558,16 +7219,16 @@
               </a:spcAft>
             </a:pPr>
             <a:r>
-              <a:rPr b="1" lang="en-IN" sz="2600" spc="-1" strike="noStrike">
-                <a:solidFill>
-                  <a:srgbClr val="1c1c1c"/>
-                </a:solidFill>
-                <a:latin typeface="Times New Roman"/>
-                <a:ea typeface="DejaVu Sans"/>
-              </a:rPr>
-              <a:t>All the processes associated with a particle participates for step selection and proposed a step length.</a:t>
-            </a:r>
-            <a:endParaRPr b="0" lang="en-IN" sz="2600" spc="-1" strike="noStrike">
+              <a:rPr b="1" lang="en-IN" sz="2800" spc="-1" strike="noStrike">
+                <a:solidFill>
+                  <a:srgbClr val="800080"/>
+                </a:solidFill>
+                <a:latin typeface="Times New Roman"/>
+                <a:ea typeface="DejaVu Sans"/>
+              </a:rPr>
+              <a:t>GetStoreTrajectory()</a:t>
+            </a:r>
+            <a:endParaRPr b="0" lang="en-IN" sz="2800" spc="-1" strike="noStrike">
               <a:latin typeface="Arial"/>
             </a:endParaRPr>
           </a:p>
@@ -6581,16 +7242,16 @@
               </a:spcAft>
             </a:pPr>
             <a:r>
-              <a:rPr b="1" lang="en-IN" sz="2600" spc="-1" strike="noStrike">
-                <a:solidFill>
-                  <a:srgbClr val="1c1c1c"/>
-                </a:solidFill>
-                <a:latin typeface="Times New Roman"/>
-                <a:ea typeface="DejaVu Sans"/>
-              </a:rPr>
-              <a:t>The process with the minimum step length becomes the winner, and the particle is moved by the step length proposed by the winner process.</a:t>
-            </a:r>
-            <a:endParaRPr b="0" lang="en-IN" sz="2600" spc="-1" strike="noStrike">
+              <a:rPr b="1" lang="en-IN" sz="2800" spc="-1" strike="noStrike">
+                <a:solidFill>
+                  <a:srgbClr val="800080"/>
+                </a:solidFill>
+                <a:latin typeface="Times New Roman"/>
+                <a:ea typeface="DejaVu Sans"/>
+              </a:rPr>
+              <a:t>SetStoreTrajectory()</a:t>
+            </a:r>
+            <a:endParaRPr b="0" lang="en-IN" sz="2800" spc="-1" strike="noStrike">
               <a:latin typeface="Arial"/>
             </a:endParaRPr>
           </a:p>
@@ -6604,16 +7265,29 @@
               </a:spcAft>
             </a:pPr>
             <a:r>
-              <a:rPr b="1" lang="en-IN" sz="2600" spc="-1" strike="noStrike">
-                <a:solidFill>
-                  <a:srgbClr val="1c1c1c"/>
-                </a:solidFill>
-                <a:latin typeface="Times New Roman"/>
-                <a:ea typeface="DejaVu Sans"/>
-              </a:rPr>
-              <a:t>The proposed step length given by a process is judged by the interaction length of the particle in the volume medium.</a:t>
-            </a:r>
-            <a:endParaRPr b="0" lang="en-IN" sz="2600" spc="-1" strike="noStrike">
+              <a:rPr b="1" lang="en-IN" sz="2800" spc="-1" strike="noStrike">
+                <a:solidFill>
+                  <a:srgbClr val="800080"/>
+                </a:solidFill>
+                <a:latin typeface="Times New Roman"/>
+                <a:ea typeface="DejaVu Sans"/>
+              </a:rPr>
+              <a:t>GimmeTrajectory()</a:t>
+            </a:r>
+            <a:endParaRPr b="0" lang="en-IN" sz="2800" spc="-1" strike="noStrike">
+              <a:latin typeface="Arial"/>
+            </a:endParaRPr>
+          </a:p>
+          <a:p>
+            <a:pPr>
+              <a:lnSpc>
+                <a:spcPct val="100000"/>
+              </a:lnSpc>
+              <a:spcAft>
+                <a:spcPts val="1142"/>
+              </a:spcAft>
+            </a:pPr>
+            <a:endParaRPr b="0" lang="en-IN" sz="2800" spc="-1" strike="noStrike">
               <a:latin typeface="Arial"/>
             </a:endParaRPr>
           </a:p>
@@ -6651,14 +7325,14 @@
       </p:grpSpPr>
       <p:sp>
         <p:nvSpPr>
-          <p:cNvPr id="119" name="CustomShape 1"/>
+          <p:cNvPr id="123" name="CustomShape 1"/>
           <p:cNvSpPr/>
           <p:nvPr/>
         </p:nvSpPr>
         <p:spPr>
           <a:xfrm>
             <a:off x="360000" y="360000"/>
-            <a:ext cx="9358920" cy="898920"/>
+            <a:ext cx="9358560" cy="898560"/>
           </a:xfrm>
           <a:prstGeom prst="rect">
             <a:avLst/>
@@ -6689,10 +7363,10 @@
                 <a:solidFill>
                   <a:srgbClr val="ffffff"/>
                 </a:solidFill>
-                <a:latin typeface="Times New Roman"/>
-                <a:ea typeface="DejaVu Sans"/>
-              </a:rPr>
-              <a:t>Scoring using UserSteppingAction</a:t>
+                <a:latin typeface="Noto Sans Black"/>
+                <a:ea typeface="DejaVu Sans"/>
+              </a:rPr>
+              <a:t>Step in Geant4</a:t>
             </a:r>
             <a:endParaRPr b="0" lang="en-IN" sz="3200" spc="-1" strike="noStrike">
               <a:latin typeface="Arial"/>
@@ -6702,14 +7376,14 @@
       </p:sp>
       <p:sp>
         <p:nvSpPr>
-          <p:cNvPr id="120" name="CustomShape 2"/>
+          <p:cNvPr id="124" name="CustomShape 2"/>
           <p:cNvSpPr/>
           <p:nvPr/>
         </p:nvSpPr>
         <p:spPr>
           <a:xfrm>
-            <a:off x="360000" y="1548000"/>
-            <a:ext cx="9178920" cy="4678920"/>
+            <a:off x="360000" y="1728000"/>
+            <a:ext cx="9178560" cy="4678560"/>
           </a:xfrm>
           <a:prstGeom prst="rect">
             <a:avLst/>
@@ -6727,7 +7401,7 @@
         </p:style>
         <p:txBody>
           <a:bodyPr lIns="0" rIns="0" tIns="0" bIns="0">
-            <a:normAutofit fontScale="88000"/>
+            <a:normAutofit fontScale="42000"/>
           </a:bodyPr>
           <a:p>
             <a:pPr>
@@ -6746,7 +7420,7 @@
                 <a:latin typeface="Times New Roman"/>
                 <a:ea typeface="DejaVu Sans"/>
               </a:rPr>
-              <a:t>UserSteppingAction class of Geant4 allows to access information from individual steps</a:t>
+              <a:t>An event consists of number of trajectories of primary and secondary particles.</a:t>
             </a:r>
             <a:endParaRPr b="0" lang="en-IN" sz="2600" spc="-1" strike="noStrike">
               <a:latin typeface="Arial"/>
@@ -6769,7 +7443,7 @@
                 <a:latin typeface="Times New Roman"/>
                 <a:ea typeface="DejaVu Sans"/>
               </a:rPr>
-              <a:t>SteppingManager class manages each and every step.</a:t>
+              <a:t>A trajectory consist of of number of steps.</a:t>
             </a:r>
             <a:endParaRPr b="0" lang="en-IN" sz="2600" spc="-1" strike="noStrike">
               <a:latin typeface="Arial"/>
@@ -6792,7 +7466,7 @@
                 <a:latin typeface="Times New Roman"/>
                 <a:ea typeface="DejaVu Sans"/>
               </a:rPr>
-              <a:t>To access the steps user needs to write a its stepping action class which should be inherited from </a:t>
+              <a:t>Step is represented by </a:t>
             </a:r>
             <a:r>
               <a:rPr b="1" lang="en-IN" sz="2600" spc="-1" strike="noStrike">
@@ -6802,7 +7476,7 @@
                 <a:latin typeface="Times New Roman"/>
                 <a:ea typeface="DejaVu Sans"/>
               </a:rPr>
-              <a:t>G4UserSteppingAction</a:t>
+              <a:t>G4Step</a:t>
             </a:r>
             <a:r>
               <a:rPr b="1" lang="en-IN" sz="2600" spc="-1" strike="noStrike">
@@ -6812,7 +7486,7 @@
                 <a:latin typeface="Times New Roman"/>
                 <a:ea typeface="DejaVu Sans"/>
               </a:rPr>
-              <a:t> class</a:t>
+              <a:t> class, and consist of two point and the delta information within these two point.</a:t>
             </a:r>
             <a:endParaRPr b="0" lang="en-IN" sz="2600" spc="-1" strike="noStrike">
               <a:latin typeface="Arial"/>
@@ -6830,32 +7504,32 @@
             <a:r>
               <a:rPr b="1" lang="en-IN" sz="2600" spc="-1" strike="noStrike">
                 <a:solidFill>
-                  <a:srgbClr val="1c1c1c"/>
-                </a:solidFill>
-                <a:latin typeface="Times New Roman"/>
-                <a:ea typeface="DejaVu Sans"/>
-              </a:rPr>
-              <a:t>Needs to override a function  </a:t>
+                  <a:srgbClr val="0000ff"/>
+                </a:solidFill>
+                <a:latin typeface="Times New Roman"/>
+                <a:ea typeface="DejaVu Sans"/>
+              </a:rPr>
+              <a:t>Does not store particle information, instead it maintains a pointer to </a:t>
             </a:r>
             <a:r>
               <a:rPr b="1" lang="en-IN" sz="2600" spc="-1" strike="noStrike">
                 <a:solidFill>
+                  <a:srgbClr val="c9211e"/>
+                </a:solidFill>
+                <a:latin typeface="Times New Roman"/>
+                <a:ea typeface="DejaVu Sans"/>
+              </a:rPr>
+              <a:t>G4Track</a:t>
+            </a:r>
+            <a:r>
+              <a:rPr b="1" lang="en-IN" sz="2600" spc="-1" strike="noStrike">
+                <a:solidFill>
                   <a:srgbClr val="0000ff"/>
                 </a:solidFill>
                 <a:latin typeface="Times New Roman"/>
                 <a:ea typeface="DejaVu Sans"/>
               </a:rPr>
-              <a:t>UserSteppingAction(G4Step *step)</a:t>
-            </a:r>
-            <a:r>
-              <a:rPr b="1" lang="en-IN" sz="2600" spc="-1" strike="noStrike">
-                <a:solidFill>
-                  <a:srgbClr val="1c1c1c"/>
-                </a:solidFill>
-                <a:latin typeface="Times New Roman"/>
-                <a:ea typeface="DejaVu Sans"/>
-              </a:rPr>
-              <a:t> to get the required information from the step.</a:t>
+              <a:t> class.</a:t>
             </a:r>
             <a:endParaRPr b="0" lang="en-IN" sz="2600" spc="-1" strike="noStrike">
               <a:latin typeface="Arial"/>
@@ -6878,7 +7552,7 @@
                 <a:latin typeface="Times New Roman"/>
                 <a:ea typeface="DejaVu Sans"/>
               </a:rPr>
-              <a:t>Internally the Geant4 engine calls this function at every step.</a:t>
+              <a:t> </a:t>
             </a:r>
             <a:endParaRPr b="0" lang="en-IN" sz="2600" spc="-1" strike="noStrike">
               <a:latin typeface="Arial"/>
@@ -6901,7 +7575,7 @@
                 <a:latin typeface="Times New Roman"/>
                 <a:ea typeface="DejaVu Sans"/>
               </a:rPr>
-              <a:t>Not a mandatory function.</a:t>
+              <a:t> </a:t>
             </a:r>
             <a:endParaRPr b="0" lang="en-IN" sz="2600" spc="-1" strike="noStrike">
               <a:latin typeface="Arial"/>
@@ -6924,7 +7598,7 @@
                 <a:latin typeface="Times New Roman"/>
                 <a:ea typeface="DejaVu Sans"/>
               </a:rPr>
-              <a:t>But becomes mandatory when you want the information control in your program.</a:t>
+              <a:t> </a:t>
             </a:r>
             <a:endParaRPr b="0" lang="en-IN" sz="2600" spc="-1" strike="noStrike">
               <a:latin typeface="Arial"/>
@@ -6939,6 +7613,16 @@
                 <a:spcPts val="1142"/>
               </a:spcAft>
             </a:pPr>
+            <a:r>
+              <a:rPr b="1" lang="en-IN" sz="2600" spc="-1" strike="noStrike">
+                <a:solidFill>
+                  <a:srgbClr val="1c1c1c"/>
+                </a:solidFill>
+                <a:latin typeface="Times New Roman"/>
+                <a:ea typeface="DejaVu Sans"/>
+              </a:rPr>
+              <a:t> </a:t>
+            </a:r>
             <a:endParaRPr b="0" lang="en-IN" sz="2600" spc="-1" strike="noStrike">
               <a:latin typeface="Arial"/>
             </a:endParaRPr>
@@ -6952,6 +7636,46 @@
                 <a:spcPts val="1142"/>
               </a:spcAft>
             </a:pPr>
+            <a:r>
+              <a:rPr b="1" lang="en-IN" sz="2600" spc="-1" strike="noStrike">
+                <a:solidFill>
+                  <a:srgbClr val="1c1c1c"/>
+                </a:solidFill>
+                <a:latin typeface="Times New Roman"/>
+                <a:ea typeface="DejaVu Sans"/>
+              </a:rPr>
+              <a:t>It basically</a:t>
+            </a:r>
+            <a:r>
+              <a:rPr b="1" lang="en-IN" sz="2600" spc="-1" strike="noStrike">
+                <a:solidFill>
+                  <a:srgbClr val="0000ff"/>
+                </a:solidFill>
+                <a:latin typeface="Times New Roman"/>
+                <a:ea typeface="DejaVu Sans"/>
+              </a:rPr>
+              <a:t> stores delta information</a:t>
+            </a:r>
+            <a:r>
+              <a:rPr b="1" lang="en-IN" sz="2600" spc="-1" strike="noStrike">
+                <a:solidFill>
+                  <a:srgbClr val="1c1c1c"/>
+                </a:solidFill>
+                <a:latin typeface="Times New Roman"/>
+                <a:ea typeface="DejaVu Sans"/>
+              </a:rPr>
+              <a:t>. Information about the particle at </a:t>
+            </a:r>
+            <a:r>
+              <a:rPr b="1" lang="en-IN" sz="2600" spc="-1" strike="noStrike">
+                <a:solidFill>
+                  <a:srgbClr val="0000ff"/>
+                </a:solidFill>
+                <a:latin typeface="Times New Roman"/>
+                <a:ea typeface="DejaVu Sans"/>
+              </a:rPr>
+              <a:t>between two points.</a:t>
+            </a:r>
             <a:endParaRPr b="0" lang="en-IN" sz="2600" spc="-1" strike="noStrike">
               <a:latin typeface="Arial"/>
             </a:endParaRPr>
@@ -6965,6 +7689,36 @@
                 <a:spcPts val="1142"/>
               </a:spcAft>
             </a:pPr>
+            <a:r>
+              <a:rPr b="1" lang="en-IN" sz="2600" spc="-1" strike="noStrike">
+                <a:solidFill>
+                  <a:srgbClr val="1c1c1c"/>
+                </a:solidFill>
+                <a:latin typeface="Times New Roman"/>
+                <a:ea typeface="DejaVu Sans"/>
+              </a:rPr>
+              <a:t>Point is represented by </a:t>
+            </a:r>
+            <a:r>
+              <a:rPr b="1" lang="en-IN" sz="2600" spc="-1" strike="noStrike">
+                <a:solidFill>
+                  <a:srgbClr val="0000ff"/>
+                </a:solidFill>
+                <a:latin typeface="Times New Roman"/>
+                <a:ea typeface="DejaVu Sans"/>
+              </a:rPr>
+              <a:t>G4StepPoint</a:t>
+            </a:r>
+            <a:r>
+              <a:rPr b="1" lang="en-IN" sz="2600" spc="-1" strike="noStrike">
+                <a:solidFill>
+                  <a:srgbClr val="1c1c1c"/>
+                </a:solidFill>
+                <a:latin typeface="Times New Roman"/>
+                <a:ea typeface="DejaVu Sans"/>
+              </a:rPr>
+              <a:t> class</a:t>
+            </a:r>
             <a:endParaRPr b="0" lang="en-IN" sz="2600" spc="-1" strike="noStrike">
               <a:latin typeface="Arial"/>
             </a:endParaRPr>
@@ -6978,12 +7732,118 @@
                 <a:spcPts val="1142"/>
               </a:spcAft>
             </a:pPr>
+            <a:r>
+              <a:rPr b="1" lang="en-IN" sz="2600" spc="-1" strike="noStrike">
+                <a:solidFill>
+                  <a:srgbClr val="0000ff"/>
+                </a:solidFill>
+                <a:latin typeface="Times New Roman"/>
+                <a:ea typeface="DejaVu Sans"/>
+              </a:rPr>
+              <a:t>G4SteppingManager</a:t>
+            </a:r>
+            <a:r>
+              <a:rPr b="1" lang="en-IN" sz="2600" spc="-1" strike="noStrike">
+                <a:solidFill>
+                  <a:srgbClr val="1c1c1c"/>
+                </a:solidFill>
+                <a:latin typeface="Times New Roman"/>
+                <a:ea typeface="DejaVu Sans"/>
+              </a:rPr>
+              <a:t> is manager class responsible for managing track and can give the pointer to the current step.</a:t>
+            </a:r>
             <a:endParaRPr b="0" lang="en-IN" sz="2600" spc="-1" strike="noStrike">
               <a:latin typeface="Arial"/>
             </a:endParaRPr>
           </a:p>
+          <a:p>
+            <a:pPr>
+              <a:lnSpc>
+                <a:spcPct val="100000"/>
+              </a:lnSpc>
+              <a:spcAft>
+                <a:spcPts val="1142"/>
+              </a:spcAft>
+            </a:pPr>
+            <a:r>
+              <a:rPr b="1" lang="en-IN" sz="2600" spc="-1" strike="noStrike">
+                <a:solidFill>
+                  <a:srgbClr val="0000ff"/>
+                </a:solidFill>
+                <a:latin typeface="Times New Roman"/>
+                <a:ea typeface="DejaVu Sans"/>
+              </a:rPr>
+              <a:t>G4UserSteppingAction</a:t>
+            </a:r>
+            <a:r>
+              <a:rPr b="1" lang="en-IN" sz="2600" spc="-1" strike="noStrike">
+                <a:solidFill>
+                  <a:srgbClr val="1c1c1c"/>
+                </a:solidFill>
+                <a:latin typeface="Times New Roman"/>
+                <a:ea typeface="DejaVu Sans"/>
+              </a:rPr>
+              <a:t> is the optional user hook class that can be used to interact with the current step.</a:t>
+            </a:r>
+            <a:endParaRPr b="0" lang="en-IN" sz="2600" spc="-1" strike="noStrike">
+              <a:latin typeface="Arial"/>
+            </a:endParaRPr>
+          </a:p>
         </p:txBody>
       </p:sp>
+      <p:sp>
+        <p:nvSpPr>
+          <p:cNvPr id="125" name="CustomShape 3"/>
+          <p:cNvSpPr/>
+          <p:nvPr/>
+        </p:nvSpPr>
+        <p:spPr>
+          <a:xfrm>
+            <a:off x="-1008000" y="1296000"/>
+            <a:ext cx="70560" cy="360"/>
+          </a:xfrm>
+          <a:prstGeom prst="ellipse">
+            <a:avLst/>
+          </a:prstGeom>
+          <a:solidFill>
+            <a:srgbClr val="729fcf"/>
+          </a:solidFill>
+          <a:ln>
+            <a:solidFill>
+              <a:srgbClr val="3465a4"/>
+            </a:solidFill>
+          </a:ln>
+        </p:spPr>
+        <p:style>
+          <a:lnRef idx="0"/>
+          <a:fillRef idx="0"/>
+          <a:effectRef idx="0"/>
+          <a:fontRef idx="minor"/>
+        </p:style>
+      </p:sp>
+      <p:pic>
+        <p:nvPicPr>
+          <p:cNvPr id="126" name="" descr=""/>
+          <p:cNvPicPr/>
+          <p:nvPr/>
+        </p:nvPicPr>
+        <p:blipFill>
+          <a:blip r:embed="rId1"/>
+          <a:stretch/>
+        </p:blipFill>
+        <p:spPr>
+          <a:xfrm>
+            <a:off x="2592000" y="3456000"/>
+            <a:ext cx="3310560" cy="1059480"/>
+          </a:xfrm>
+          <a:prstGeom prst="rect">
+            <a:avLst/>
+          </a:prstGeom>
+          <a:ln>
+            <a:noFill/>
+          </a:ln>
+        </p:spPr>
+      </p:pic>
     </p:spTree>
   </p:cSld>
   <mc:AlternateContent>
@@ -7023,7 +7883,7 @@
         <p:spPr>
           <a:xfrm>
             <a:off x="360000" y="360000"/>
-            <a:ext cx="9358920" cy="898920"/>
+            <a:ext cx="9358560" cy="898560"/>
           </a:xfrm>
           <a:prstGeom prst="rect">
             <a:avLst/>
@@ -7074,7 +7934,7 @@
         <p:spPr>
           <a:xfrm>
             <a:off x="360000" y="1620000"/>
-            <a:ext cx="9178920" cy="4678920"/>
+            <a:ext cx="9178560" cy="4678560"/>
           </a:xfrm>
           <a:prstGeom prst="rect">
             <a:avLst/>
@@ -7385,14 +8245,14 @@
       </p:grpSpPr>
       <p:sp>
         <p:nvSpPr>
-          <p:cNvPr id="121" name="TextShape 1"/>
-          <p:cNvSpPr txBox="1"/>
+          <p:cNvPr id="127" name="CustomShape 1"/>
+          <p:cNvSpPr/>
           <p:nvPr/>
         </p:nvSpPr>
         <p:spPr>
           <a:xfrm>
-            <a:off x="144720" y="1728000"/>
-            <a:ext cx="9431280" cy="4113720"/>
+            <a:off x="360000" y="360000"/>
+            <a:ext cx="9358560" cy="898560"/>
           </a:xfrm>
           <a:prstGeom prst="rect">
             <a:avLst/>
@@ -7402,137 +8262,33 @@
             <a:noFill/>
           </a:ln>
         </p:spPr>
+        <p:style>
+          <a:lnRef idx="0"/>
+          <a:fillRef idx="0"/>
+          <a:effectRef idx="0"/>
+          <a:fontRef idx="minor"/>
+        </p:style>
         <p:txBody>
-          <a:bodyPr lIns="90000" rIns="90000" tIns="45000" bIns="45000">
+          <a:bodyPr lIns="0" rIns="0" tIns="0" bIns="0" anchor="b">
             <a:noAutofit/>
           </a:bodyPr>
           <a:p>
-            <a:r>
-              <a:rPr b="1" lang="en-IN" sz="2600" spc="-1" strike="noStrike">
-                <a:solidFill>
-                  <a:srgbClr val="1c1c1c"/>
-                </a:solidFill>
-                <a:latin typeface="Times New Roman"/>
-                <a:ea typeface="DejaVu Sans"/>
-              </a:rPr>
-              <a:t>Suppose you fire gammas of 662 keV on NaI detector </a:t>
-            </a:r>
-            <a:endParaRPr b="0" lang="en-IN" sz="2600" spc="-1" strike="noStrike">
-              <a:latin typeface="Arial"/>
-            </a:endParaRPr>
-          </a:p>
-          <a:p>
-            <a:endParaRPr b="0" lang="en-IN" sz="2600" spc="-1" strike="noStrike">
-              <a:latin typeface="Arial"/>
-            </a:endParaRPr>
-          </a:p>
-          <a:p>
-            <a:r>
-              <a:rPr b="1" lang="en-IN" sz="2600" spc="-1" strike="noStrike">
-                <a:solidFill>
-                  <a:srgbClr val="1c1c1c"/>
-                </a:solidFill>
-                <a:latin typeface="Times New Roman"/>
-                <a:ea typeface="DejaVu Sans"/>
-              </a:rPr>
-              <a:t>How to get the total energy deposited in a detector in an event.</a:t>
-            </a:r>
-            <a:endParaRPr b="0" lang="en-IN" sz="2600" spc="-1" strike="noStrike">
-              <a:latin typeface="Arial"/>
-            </a:endParaRPr>
-          </a:p>
-          <a:p>
-            <a:endParaRPr b="0" lang="en-IN" sz="2600" spc="-1" strike="noStrike">
-              <a:latin typeface="Arial"/>
-            </a:endParaRPr>
-          </a:p>
-          <a:p>
-            <a:r>
-              <a:rPr b="1" lang="en-IN" sz="2600" spc="-1" strike="noStrike">
-                <a:solidFill>
-                  <a:srgbClr val="1c1c1c"/>
-                </a:solidFill>
-                <a:latin typeface="Times New Roman"/>
-                <a:ea typeface="DejaVu Sans"/>
-              </a:rPr>
-              <a:t>Exercise of hands-on session</a:t>
-            </a:r>
-            <a:endParaRPr b="0" lang="en-IN" sz="2600" spc="-1" strike="noStrike">
-              <a:latin typeface="Arial"/>
-            </a:endParaRPr>
-          </a:p>
-          <a:p>
-            <a:endParaRPr b="0" lang="en-IN" sz="2600" spc="-1" strike="noStrike">
-              <a:latin typeface="Arial"/>
-            </a:endParaRPr>
-          </a:p>
-          <a:p>
-            <a:r>
-              <a:rPr b="1" lang="en-IN" sz="2600" spc="-1" strike="noStrike">
-                <a:solidFill>
-                  <a:srgbClr val="1c1c1c"/>
-                </a:solidFill>
-                <a:latin typeface="Times New Roman"/>
-                <a:ea typeface="DejaVu Sans"/>
-              </a:rPr>
-              <a:t>Try to match the tracking output obtained using stepping action  with the output that you get from </a:t>
-            </a:r>
-            <a:r>
-              <a:rPr b="1" lang="en-IN" sz="2600" spc="-1" strike="noStrike">
-                <a:solidFill>
-                  <a:srgbClr val="0000ff"/>
-                </a:solidFill>
-                <a:latin typeface="Times New Roman"/>
-                <a:ea typeface="DejaVu Sans"/>
-              </a:rPr>
-              <a:t>/</a:t>
-            </a:r>
-            <a:r>
-              <a:rPr b="1" i="1" lang="en-IN" sz="2600" spc="-1" strike="noStrike">
-                <a:solidFill>
-                  <a:srgbClr val="0000ff"/>
-                </a:solidFill>
-                <a:latin typeface="Times New Roman"/>
-                <a:ea typeface="DejaVu Sans"/>
-              </a:rPr>
-              <a:t>tracking/</a:t>
-            </a:r>
-            <a:r>
-              <a:rPr b="1" lang="en-IN" sz="2600" spc="-1" strike="noStrike">
-                <a:solidFill>
-                  <a:srgbClr val="0000ff"/>
-                </a:solidFill>
-                <a:latin typeface="Times New Roman"/>
-                <a:ea typeface="DejaVu Sans"/>
-              </a:rPr>
-              <a:t>verbose 1 </a:t>
-            </a:r>
-            <a:endParaRPr b="0" lang="en-IN" sz="2600" spc="-1" strike="noStrike">
-              <a:latin typeface="Arial"/>
-            </a:endParaRPr>
-          </a:p>
-          <a:p>
-            <a:endParaRPr b="0" lang="en-IN" sz="2600" spc="-1" strike="noStrike">
-              <a:latin typeface="Arial"/>
-            </a:endParaRPr>
-          </a:p>
-          <a:p>
-            <a:r>
-              <a:rPr b="1" lang="en-IN" sz="2600" spc="-1" strike="noStrike">
-                <a:solidFill>
-                  <a:srgbClr val="1c1c1c"/>
-                </a:solidFill>
-                <a:latin typeface="Times New Roman"/>
-                <a:ea typeface="DejaVu Sans"/>
-              </a:rPr>
-              <a:t>Generate the energy spectra from NaI detector</a:t>
-            </a:r>
-            <a:endParaRPr b="0" lang="en-IN" sz="2600" spc="-1" strike="noStrike">
-              <a:latin typeface="Arial"/>
-            </a:endParaRPr>
-          </a:p>
-          <a:p>
-            <a:endParaRPr b="0" lang="en-IN" sz="2600" spc="-1" strike="noStrike">
+            <a:pPr>
+              <a:lnSpc>
+                <a:spcPct val="100000"/>
+              </a:lnSpc>
+            </a:pPr>
+            <a:r>
+              <a:rPr b="1" lang="en-IN" sz="3200" spc="-1" strike="noStrike">
+                <a:solidFill>
+                  <a:srgbClr val="ffffff"/>
+                </a:solidFill>
+                <a:latin typeface="Times New Roman"/>
+                <a:ea typeface="DejaVu Sans"/>
+              </a:rPr>
+              <a:t>Step Selection</a:t>
+            </a:r>
+            <a:endParaRPr b="0" lang="en-IN" sz="3200" spc="-1" strike="noStrike">
               <a:latin typeface="Arial"/>
             </a:endParaRPr>
           </a:p>
@@ -7540,14 +8296,14 @@
       </p:sp>
       <p:sp>
         <p:nvSpPr>
-          <p:cNvPr id="122" name="TextShape 2"/>
-          <p:cNvSpPr txBox="1"/>
+          <p:cNvPr id="128" name="CustomShape 2"/>
+          <p:cNvSpPr/>
           <p:nvPr/>
         </p:nvSpPr>
         <p:spPr>
           <a:xfrm>
-            <a:off x="328320" y="504000"/>
-            <a:ext cx="6151680" cy="542160"/>
+            <a:off x="360000" y="1980000"/>
+            <a:ext cx="9178560" cy="4678560"/>
           </a:xfrm>
           <a:prstGeom prst="rect">
             <a:avLst/>
@@ -7557,22 +8313,128 @@
             <a:noFill/>
           </a:ln>
         </p:spPr>
+        <p:style>
+          <a:lnRef idx="0"/>
+          <a:fillRef idx="0"/>
+          <a:effectRef idx="0"/>
+          <a:fontRef idx="minor"/>
+        </p:style>
         <p:txBody>
-          <a:bodyPr lIns="90000" rIns="90000" tIns="45000" bIns="45000">
-            <a:noAutofit/>
+          <a:bodyPr lIns="0" rIns="0" tIns="0" bIns="0">
+            <a:normAutofit/>
           </a:bodyPr>
           <a:p>
-            <a:r>
-              <a:rPr b="1" lang="en-IN" sz="3200" spc="-1" strike="noStrike">
-                <a:solidFill>
-                  <a:srgbClr val="ffffff"/>
-                </a:solidFill>
-                <a:latin typeface="Times New Roman"/>
-                <a:ea typeface="DejaVu Sans"/>
-              </a:rPr>
-              <a:t>Quiz </a:t>
-            </a:r>
-            <a:endParaRPr b="0" lang="en-IN" sz="3200" spc="-1" strike="noStrike">
+            <a:pPr>
+              <a:lnSpc>
+                <a:spcPct val="100000"/>
+              </a:lnSpc>
+              <a:spcAft>
+                <a:spcPts val="1142"/>
+              </a:spcAft>
+            </a:pPr>
+            <a:r>
+              <a:rPr b="1" lang="en-IN" sz="2600" spc="-1" strike="noStrike">
+                <a:solidFill>
+                  <a:srgbClr val="1c1c1c"/>
+                </a:solidFill>
+                <a:latin typeface="Times New Roman"/>
+                <a:ea typeface="DejaVu Sans"/>
+              </a:rPr>
+              <a:t>In Geant4, transportation is a process that is associated with each particle type.</a:t>
+            </a:r>
+            <a:endParaRPr b="0" lang="en-IN" sz="2600" spc="-1" strike="noStrike">
+              <a:latin typeface="Arial"/>
+            </a:endParaRPr>
+          </a:p>
+          <a:p>
+            <a:pPr>
+              <a:lnSpc>
+                <a:spcPct val="100000"/>
+              </a:lnSpc>
+              <a:spcAft>
+                <a:spcPts val="1142"/>
+              </a:spcAft>
+            </a:pPr>
+            <a:r>
+              <a:rPr b="1" lang="en-IN" sz="2600" spc="-1" strike="noStrike">
+                <a:solidFill>
+                  <a:srgbClr val="1c1c1c"/>
+                </a:solidFill>
+                <a:latin typeface="Times New Roman"/>
+                <a:ea typeface="DejaVu Sans"/>
+              </a:rPr>
+              <a:t>The transport process interacts with geometry boundaries.</a:t>
+            </a:r>
+            <a:endParaRPr b="0" lang="en-IN" sz="2600" spc="-1" strike="noStrike">
+              <a:latin typeface="Arial"/>
+            </a:endParaRPr>
+          </a:p>
+          <a:p>
+            <a:pPr>
+              <a:lnSpc>
+                <a:spcPct val="100000"/>
+              </a:lnSpc>
+              <a:spcAft>
+                <a:spcPts val="1142"/>
+              </a:spcAft>
+            </a:pPr>
+            <a:r>
+              <a:rPr b="1" lang="en-IN" sz="2600" spc="-1" strike="noStrike">
+                <a:solidFill>
+                  <a:srgbClr val="1c1c1c"/>
+                </a:solidFill>
+                <a:latin typeface="Times New Roman"/>
+                <a:ea typeface="DejaVu Sans"/>
+              </a:rPr>
+              <a:t>All the processes associated with a particle participates for step selection and proposed a step length.</a:t>
+            </a:r>
+            <a:endParaRPr b="0" lang="en-IN" sz="2600" spc="-1" strike="noStrike">
+              <a:latin typeface="Arial"/>
+            </a:endParaRPr>
+          </a:p>
+          <a:p>
+            <a:pPr>
+              <a:lnSpc>
+                <a:spcPct val="100000"/>
+              </a:lnSpc>
+              <a:spcAft>
+                <a:spcPts val="1142"/>
+              </a:spcAft>
+            </a:pPr>
+            <a:r>
+              <a:rPr b="1" lang="en-IN" sz="2600" spc="-1" strike="noStrike">
+                <a:solidFill>
+                  <a:srgbClr val="1c1c1c"/>
+                </a:solidFill>
+                <a:latin typeface="Times New Roman"/>
+                <a:ea typeface="DejaVu Sans"/>
+              </a:rPr>
+              <a:t>The process with the minimum step length becomes the winner, and the particle is moved by the step length proposed by the winner process.</a:t>
+            </a:r>
+            <a:endParaRPr b="0" lang="en-IN" sz="2600" spc="-1" strike="noStrike">
+              <a:latin typeface="Arial"/>
+            </a:endParaRPr>
+          </a:p>
+          <a:p>
+            <a:pPr>
+              <a:lnSpc>
+                <a:spcPct val="100000"/>
+              </a:lnSpc>
+              <a:spcAft>
+                <a:spcPts val="1142"/>
+              </a:spcAft>
+            </a:pPr>
+            <a:r>
+              <a:rPr b="1" lang="en-IN" sz="2600" spc="-1" strike="noStrike">
+                <a:solidFill>
+                  <a:srgbClr val="1c1c1c"/>
+                </a:solidFill>
+                <a:latin typeface="Times New Roman"/>
+                <a:ea typeface="DejaVu Sans"/>
+              </a:rPr>
+              <a:t>The proposed step length given by a process is judged by the interaction length of the particle in the volume medium.</a:t>
+            </a:r>
+            <a:endParaRPr b="0" lang="en-IN" sz="2600" spc="-1" strike="noStrike">
               <a:latin typeface="Arial"/>
             </a:endParaRPr>
           </a:p>
@@ -7608,39 +8470,16 @@
           <a:chExt cx="0" cy="0"/>
         </a:xfrm>
       </p:grpSpPr>
-      <p:pic>
-        <p:nvPicPr>
-          <p:cNvPr id="123" name="" descr=""/>
-          <p:cNvPicPr/>
+      <p:sp>
+        <p:nvSpPr>
+          <p:cNvPr id="129" name="CustomShape 1"/>
+          <p:cNvSpPr/>
           <p:nvPr/>
-        </p:nvPicPr>
-        <p:blipFill>
-          <a:blip r:embed="rId1"/>
-          <a:stretch/>
-        </p:blipFill>
-        <p:spPr>
-          <a:xfrm>
-            <a:off x="934560" y="1512000"/>
-            <a:ext cx="8209440" cy="5640480"/>
-          </a:xfrm>
-          <a:prstGeom prst="rect">
-            <a:avLst/>
-          </a:prstGeom>
-          <a:ln>
-            <a:noFill/>
-          </a:ln>
-        </p:spPr>
-      </p:pic>
-      <p:sp>
-        <p:nvSpPr>
-          <p:cNvPr id="124" name="TextShape 1"/>
-          <p:cNvSpPr txBox="1"/>
-          <p:nvPr/>
-        </p:nvSpPr>
-        <p:spPr>
-          <a:xfrm>
-            <a:off x="350640" y="504000"/>
-            <a:ext cx="8937360" cy="541800"/>
+        </p:nvSpPr>
+        <p:spPr>
+          <a:xfrm>
+            <a:off x="360000" y="360000"/>
+            <a:ext cx="9358560" cy="898560"/>
           </a:xfrm>
           <a:prstGeom prst="rect">
             <a:avLst/>
@@ -7650,11 +8489,22 @@
             <a:noFill/>
           </a:ln>
         </p:spPr>
+        <p:style>
+          <a:lnRef idx="0"/>
+          <a:fillRef idx="0"/>
+          <a:effectRef idx="0"/>
+          <a:fontRef idx="minor"/>
+        </p:style>
         <p:txBody>
-          <a:bodyPr lIns="90000" rIns="90000" tIns="45000" bIns="45000">
+          <a:bodyPr lIns="0" rIns="0" tIns="0" bIns="0" anchor="b">
             <a:noAutofit/>
           </a:bodyPr>
           <a:p>
+            <a:pPr>
+              <a:lnSpc>
+                <a:spcPct val="100000"/>
+              </a:lnSpc>
+            </a:pPr>
             <a:r>
               <a:rPr b="1" lang="en-IN" sz="3200" spc="-1" strike="noStrike">
                 <a:solidFill>
@@ -7663,9 +8513,293 @@
                 <a:latin typeface="Times New Roman"/>
                 <a:ea typeface="DejaVu Sans"/>
               </a:rPr>
-              <a:t>Information from Tracking verbose</a:t>
+              <a:t>Scoring using UserSteppingAction</a:t>
             </a:r>
             <a:endParaRPr b="0" lang="en-IN" sz="3200" spc="-1" strike="noStrike">
+              <a:latin typeface="Arial"/>
+            </a:endParaRPr>
+          </a:p>
+        </p:txBody>
+      </p:sp>
+      <p:sp>
+        <p:nvSpPr>
+          <p:cNvPr id="130" name="CustomShape 2"/>
+          <p:cNvSpPr/>
+          <p:nvPr/>
+        </p:nvSpPr>
+        <p:spPr>
+          <a:xfrm>
+            <a:off x="360000" y="1548000"/>
+            <a:ext cx="9178560" cy="4678560"/>
+          </a:xfrm>
+          <a:prstGeom prst="rect">
+            <a:avLst/>
+          </a:prstGeom>
+          <a:noFill/>
+          <a:ln>
+            <a:noFill/>
+          </a:ln>
+        </p:spPr>
+        <p:style>
+          <a:lnRef idx="0"/>
+          <a:fillRef idx="0"/>
+          <a:effectRef idx="0"/>
+          <a:fontRef idx="minor"/>
+        </p:style>
+        <p:txBody>
+          <a:bodyPr lIns="0" rIns="0" tIns="0" bIns="0">
+            <a:normAutofit fontScale="88000"/>
+          </a:bodyPr>
+          <a:p>
+            <a:pPr>
+              <a:lnSpc>
+                <a:spcPct val="100000"/>
+              </a:lnSpc>
+              <a:spcAft>
+                <a:spcPts val="1142"/>
+              </a:spcAft>
+            </a:pPr>
+            <a:r>
+              <a:rPr b="1" lang="en-IN" sz="2600" spc="-1" strike="noStrike">
+                <a:solidFill>
+                  <a:srgbClr val="1c1c1c"/>
+                </a:solidFill>
+                <a:latin typeface="Times New Roman"/>
+                <a:ea typeface="DejaVu Sans"/>
+              </a:rPr>
+              <a:t>UserSteppingAction class of Geant4 allows to access information from individual steps</a:t>
+            </a:r>
+            <a:endParaRPr b="0" lang="en-IN" sz="2600" spc="-1" strike="noStrike">
+              <a:latin typeface="Arial"/>
+            </a:endParaRPr>
+          </a:p>
+          <a:p>
+            <a:pPr>
+              <a:lnSpc>
+                <a:spcPct val="100000"/>
+              </a:lnSpc>
+              <a:spcAft>
+                <a:spcPts val="1142"/>
+              </a:spcAft>
+            </a:pPr>
+            <a:r>
+              <a:rPr b="1" lang="en-IN" sz="2600" spc="-1" strike="noStrike">
+                <a:solidFill>
+                  <a:srgbClr val="1c1c1c"/>
+                </a:solidFill>
+                <a:latin typeface="Times New Roman"/>
+                <a:ea typeface="DejaVu Sans"/>
+              </a:rPr>
+              <a:t>SteppingManager class manages each and every step.</a:t>
+            </a:r>
+            <a:endParaRPr b="0" lang="en-IN" sz="2600" spc="-1" strike="noStrike">
+              <a:latin typeface="Arial"/>
+            </a:endParaRPr>
+          </a:p>
+          <a:p>
+            <a:pPr>
+              <a:lnSpc>
+                <a:spcPct val="100000"/>
+              </a:lnSpc>
+              <a:spcAft>
+                <a:spcPts val="1142"/>
+              </a:spcAft>
+            </a:pPr>
+            <a:r>
+              <a:rPr b="1" lang="en-IN" sz="2600" spc="-1" strike="noStrike">
+                <a:solidFill>
+                  <a:srgbClr val="1c1c1c"/>
+                </a:solidFill>
+                <a:latin typeface="Times New Roman"/>
+                <a:ea typeface="DejaVu Sans"/>
+              </a:rPr>
+              <a:t>To access the steps user needs to write a its stepping action class which should be inherited from </a:t>
+            </a:r>
+            <a:r>
+              <a:rPr b="1" lang="en-IN" sz="2600" spc="-1" strike="noStrike">
+                <a:solidFill>
+                  <a:srgbClr val="0000ff"/>
+                </a:solidFill>
+                <a:latin typeface="Times New Roman"/>
+                <a:ea typeface="DejaVu Sans"/>
+              </a:rPr>
+              <a:t>G4UserSteppingAction</a:t>
+            </a:r>
+            <a:r>
+              <a:rPr b="1" lang="en-IN" sz="2600" spc="-1" strike="noStrike">
+                <a:solidFill>
+                  <a:srgbClr val="1c1c1c"/>
+                </a:solidFill>
+                <a:latin typeface="Times New Roman"/>
+                <a:ea typeface="DejaVu Sans"/>
+              </a:rPr>
+              <a:t> class</a:t>
+            </a:r>
+            <a:endParaRPr b="0" lang="en-IN" sz="2600" spc="-1" strike="noStrike">
+              <a:latin typeface="Arial"/>
+            </a:endParaRPr>
+          </a:p>
+          <a:p>
+            <a:pPr>
+              <a:lnSpc>
+                <a:spcPct val="100000"/>
+              </a:lnSpc>
+              <a:spcAft>
+                <a:spcPts val="1142"/>
+              </a:spcAft>
+            </a:pPr>
+            <a:r>
+              <a:rPr b="1" lang="en-IN" sz="2600" spc="-1" strike="noStrike">
+                <a:solidFill>
+                  <a:srgbClr val="1c1c1c"/>
+                </a:solidFill>
+                <a:latin typeface="Times New Roman"/>
+                <a:ea typeface="DejaVu Sans"/>
+              </a:rPr>
+              <a:t>Needs to override a function  </a:t>
+            </a:r>
+            <a:r>
+              <a:rPr b="1" lang="en-IN" sz="2600" spc="-1" strike="noStrike">
+                <a:solidFill>
+                  <a:srgbClr val="0000ff"/>
+                </a:solidFill>
+                <a:latin typeface="Times New Roman"/>
+                <a:ea typeface="DejaVu Sans"/>
+              </a:rPr>
+              <a:t>UserSteppingAction(G4Step *step)</a:t>
+            </a:r>
+            <a:r>
+              <a:rPr b="1" lang="en-IN" sz="2600" spc="-1" strike="noStrike">
+                <a:solidFill>
+                  <a:srgbClr val="1c1c1c"/>
+                </a:solidFill>
+                <a:latin typeface="Times New Roman"/>
+                <a:ea typeface="DejaVu Sans"/>
+              </a:rPr>
+              <a:t> to get the required information from the step.</a:t>
+            </a:r>
+            <a:endParaRPr b="0" lang="en-IN" sz="2600" spc="-1" strike="noStrike">
+              <a:latin typeface="Arial"/>
+            </a:endParaRPr>
+          </a:p>
+          <a:p>
+            <a:pPr>
+              <a:lnSpc>
+                <a:spcPct val="100000"/>
+              </a:lnSpc>
+              <a:spcAft>
+                <a:spcPts val="1142"/>
+              </a:spcAft>
+            </a:pPr>
+            <a:r>
+              <a:rPr b="1" lang="en-IN" sz="2600" spc="-1" strike="noStrike">
+                <a:solidFill>
+                  <a:srgbClr val="1c1c1c"/>
+                </a:solidFill>
+                <a:latin typeface="Times New Roman"/>
+                <a:ea typeface="DejaVu Sans"/>
+              </a:rPr>
+              <a:t>Internally the Geant4 engine calls this function at every step.</a:t>
+            </a:r>
+            <a:endParaRPr b="0" lang="en-IN" sz="2600" spc="-1" strike="noStrike">
+              <a:latin typeface="Arial"/>
+            </a:endParaRPr>
+          </a:p>
+          <a:p>
+            <a:pPr>
+              <a:lnSpc>
+                <a:spcPct val="100000"/>
+              </a:lnSpc>
+              <a:spcAft>
+                <a:spcPts val="1142"/>
+              </a:spcAft>
+            </a:pPr>
+            <a:r>
+              <a:rPr b="1" lang="en-IN" sz="2600" spc="-1" strike="noStrike">
+                <a:solidFill>
+                  <a:srgbClr val="1c1c1c"/>
+                </a:solidFill>
+                <a:latin typeface="Times New Roman"/>
+                <a:ea typeface="DejaVu Sans"/>
+              </a:rPr>
+              <a:t>Not a mandatory function.</a:t>
+            </a:r>
+            <a:endParaRPr b="0" lang="en-IN" sz="2600" spc="-1" strike="noStrike">
+              <a:latin typeface="Arial"/>
+            </a:endParaRPr>
+          </a:p>
+          <a:p>
+            <a:pPr>
+              <a:lnSpc>
+                <a:spcPct val="100000"/>
+              </a:lnSpc>
+              <a:spcAft>
+                <a:spcPts val="1142"/>
+              </a:spcAft>
+            </a:pPr>
+            <a:r>
+              <a:rPr b="1" lang="en-IN" sz="2600" spc="-1" strike="noStrike">
+                <a:solidFill>
+                  <a:srgbClr val="1c1c1c"/>
+                </a:solidFill>
+                <a:latin typeface="Times New Roman"/>
+                <a:ea typeface="DejaVu Sans"/>
+              </a:rPr>
+              <a:t>But becomes mandatory when you want the information control in your program.</a:t>
+            </a:r>
+            <a:endParaRPr b="0" lang="en-IN" sz="2600" spc="-1" strike="noStrike">
+              <a:latin typeface="Arial"/>
+            </a:endParaRPr>
+          </a:p>
+          <a:p>
+            <a:pPr>
+              <a:lnSpc>
+                <a:spcPct val="100000"/>
+              </a:lnSpc>
+              <a:spcAft>
+                <a:spcPts val="1142"/>
+              </a:spcAft>
+            </a:pPr>
+            <a:endParaRPr b="0" lang="en-IN" sz="2600" spc="-1" strike="noStrike">
+              <a:latin typeface="Arial"/>
+            </a:endParaRPr>
+          </a:p>
+          <a:p>
+            <a:pPr>
+              <a:lnSpc>
+                <a:spcPct val="100000"/>
+              </a:lnSpc>
+              <a:spcAft>
+                <a:spcPts val="1142"/>
+              </a:spcAft>
+            </a:pPr>
+            <a:endParaRPr b="0" lang="en-IN" sz="2600" spc="-1" strike="noStrike">
+              <a:latin typeface="Arial"/>
+            </a:endParaRPr>
+          </a:p>
+          <a:p>
+            <a:pPr>
+              <a:lnSpc>
+                <a:spcPct val="100000"/>
+              </a:lnSpc>
+              <a:spcAft>
+                <a:spcPts val="1142"/>
+              </a:spcAft>
+            </a:pPr>
+            <a:endParaRPr b="0" lang="en-IN" sz="2600" spc="-1" strike="noStrike">
+              <a:latin typeface="Arial"/>
+            </a:endParaRPr>
+          </a:p>
+          <a:p>
+            <a:pPr>
+              <a:lnSpc>
+                <a:spcPct val="100000"/>
+              </a:lnSpc>
+              <a:spcAft>
+                <a:spcPts val="1142"/>
+              </a:spcAft>
+            </a:pPr>
+            <a:endParaRPr b="0" lang="en-IN" sz="2600" spc="-1" strike="noStrike">
               <a:latin typeface="Arial"/>
             </a:endParaRPr>
           </a:p>
@@ -7703,14 +8837,209 @@
       </p:grpSpPr>
       <p:sp>
         <p:nvSpPr>
-          <p:cNvPr id="125" name="CustomShape 1"/>
+          <p:cNvPr id="131" name="CustomShape 1"/>
           <p:cNvSpPr/>
           <p:nvPr/>
         </p:nvSpPr>
         <p:spPr>
           <a:xfrm>
-            <a:off x="432000" y="580320"/>
-            <a:ext cx="1835280" cy="427320"/>
+            <a:off x="360000" y="360000"/>
+            <a:ext cx="9358560" cy="898560"/>
+          </a:xfrm>
+          <a:prstGeom prst="rect">
+            <a:avLst/>
+          </a:prstGeom>
+          <a:noFill/>
+          <a:ln>
+            <a:noFill/>
+          </a:ln>
+        </p:spPr>
+        <p:style>
+          <a:lnRef idx="0"/>
+          <a:fillRef idx="0"/>
+          <a:effectRef idx="0"/>
+          <a:fontRef idx="minor"/>
+        </p:style>
+        <p:txBody>
+          <a:bodyPr lIns="0" rIns="0" tIns="0" bIns="0" anchor="b">
+            <a:noAutofit/>
+          </a:bodyPr>
+          <a:p>
+            <a:pPr>
+              <a:lnSpc>
+                <a:spcPct val="100000"/>
+              </a:lnSpc>
+            </a:pPr>
+            <a:r>
+              <a:rPr b="1" lang="en-IN" sz="2600" spc="-1" strike="noStrike">
+                <a:solidFill>
+                  <a:srgbClr val="ffffff"/>
+                </a:solidFill>
+                <a:latin typeface="Arial"/>
+                <a:ea typeface="DejaVu Sans"/>
+              </a:rPr>
+              <a:t>Getting information from SteppingAction</a:t>
+            </a:r>
+            <a:endParaRPr b="1" lang="en-IN" sz="2600" spc="-1" strike="noStrike">
+              <a:latin typeface="Arial"/>
+            </a:endParaRPr>
+          </a:p>
+        </p:txBody>
+      </p:sp>
+      <p:sp>
+        <p:nvSpPr>
+          <p:cNvPr id="132" name="Line 2"/>
+          <p:cNvSpPr/>
+          <p:nvPr/>
+        </p:nvSpPr>
+        <p:spPr>
+          <a:xfrm>
+            <a:off x="4176000" y="1584000"/>
+            <a:ext cx="0" cy="4392000"/>
+          </a:xfrm>
+          <a:prstGeom prst="line">
+            <a:avLst/>
+          </a:prstGeom>
+          <a:ln w="36000">
+            <a:solidFill>
+              <a:srgbClr val="ff4000"/>
+            </a:solidFill>
+            <a:round/>
+          </a:ln>
+        </p:spPr>
+        <p:style>
+          <a:lnRef idx="0"/>
+          <a:fillRef idx="0"/>
+          <a:effectRef idx="0"/>
+          <a:fontRef idx="minor"/>
+        </p:style>
+      </p:sp>
+      <p:sp>
+        <p:nvSpPr>
+          <p:cNvPr id="133" name="TextShape 3"/>
+          <p:cNvSpPr txBox="1"/>
+          <p:nvPr/>
+        </p:nvSpPr>
+        <p:spPr>
+          <a:xfrm>
+            <a:off x="72000" y="6169320"/>
+            <a:ext cx="10076400" cy="602280"/>
+          </a:xfrm>
+          <a:prstGeom prst="rect">
+            <a:avLst/>
+          </a:prstGeom>
+          <a:noFill/>
+          <a:ln>
+            <a:noFill/>
+          </a:ln>
+        </p:spPr>
+        <p:txBody>
+          <a:bodyPr lIns="90000" rIns="90000" tIns="45000" bIns="45000">
+            <a:noAutofit/>
+          </a:bodyPr>
+          <a:p>
+            <a:r>
+              <a:rPr b="0" lang="en-IN" sz="1800" spc="-1" strike="noStrike">
+                <a:latin typeface="Arial"/>
+              </a:rPr>
+              <a:t>Now just register the object of your </a:t>
+            </a:r>
+            <a:r>
+              <a:rPr b="1" lang="en-IN" sz="1800" spc="-1" strike="noStrike">
+                <a:latin typeface="Arial"/>
+              </a:rPr>
+              <a:t>SteppingAction class</a:t>
+            </a:r>
+            <a:r>
+              <a:rPr b="0" lang="en-IN" sz="1800" spc="-1" strike="noStrike">
+                <a:latin typeface="Arial"/>
+              </a:rPr>
+              <a:t> with RunManager</a:t>
+            </a:r>
+            <a:endParaRPr b="0" lang="en-IN" sz="1800" spc="-1" strike="noStrike">
+              <a:latin typeface="Arial"/>
+            </a:endParaRPr>
+          </a:p>
+          <a:p>
+            <a:pPr>
+              <a:lnSpc>
+                <a:spcPct val="100000"/>
+              </a:lnSpc>
+            </a:pPr>
+            <a:r>
+              <a:rPr b="1" lang="en-IN" sz="1800" spc="-1" strike="noStrike">
+                <a:solidFill>
+                  <a:srgbClr val="ce181e"/>
+                </a:solidFill>
+                <a:latin typeface="Arial"/>
+                <a:ea typeface="Noto Sans CJK SC"/>
+              </a:rPr>
+              <a:t>SetUserAction(</a:t>
+            </a:r>
+            <a:r>
+              <a:rPr b="1" lang="en-IN" sz="1800" spc="-1" strike="noStrike">
+                <a:solidFill>
+                  <a:srgbClr val="000000"/>
+                </a:solidFill>
+                <a:latin typeface="Arial"/>
+                <a:ea typeface="Noto Sans CJK SC"/>
+              </a:rPr>
+              <a:t>new</a:t>
+            </a:r>
+            <a:r>
+              <a:rPr b="1" lang="en-IN" sz="1800" spc="-1" strike="noStrike">
+                <a:solidFill>
+                  <a:srgbClr val="ce181e"/>
+                </a:solidFill>
+                <a:latin typeface="Arial"/>
+                <a:ea typeface="Noto Sans CJK SC"/>
+              </a:rPr>
+              <a:t> </a:t>
+            </a:r>
+            <a:r>
+              <a:rPr b="1" lang="en-IN" sz="1600" spc="-1" strike="noStrike">
+                <a:solidFill>
+                  <a:srgbClr val="00a933"/>
+                </a:solidFill>
+                <a:latin typeface="Arial"/>
+                <a:ea typeface="Noto Sans CJK SC"/>
+              </a:rPr>
+              <a:t>MyClass</a:t>
+            </a:r>
+            <a:r>
+              <a:rPr b="1" lang="en-IN" sz="1600" spc="-1" strike="noStrike">
+                <a:solidFill>
+                  <a:srgbClr val="00a933"/>
+                </a:solidFill>
+                <a:latin typeface="Arial"/>
+              </a:rPr>
+              <a:t>_SteppingAction</a:t>
+            </a:r>
+            <a:r>
+              <a:rPr b="1" lang="en-IN" sz="1800" spc="-1" strike="noStrike">
+                <a:solidFill>
+                  <a:srgbClr val="ce181e"/>
+                </a:solidFill>
+                <a:latin typeface="Arial"/>
+              </a:rPr>
+              <a:t>);</a:t>
+            </a:r>
+            <a:endParaRPr b="0" lang="en-IN" sz="1800" spc="-1" strike="noStrike">
+              <a:latin typeface="Arial"/>
+            </a:endParaRPr>
+          </a:p>
+        </p:txBody>
+      </p:sp>
+      <p:sp>
+        <p:nvSpPr>
+          <p:cNvPr id="134" name="CustomShape 4"/>
+          <p:cNvSpPr/>
+          <p:nvPr/>
+        </p:nvSpPr>
+        <p:spPr>
+          <a:xfrm>
+            <a:off x="144000" y="2268000"/>
+            <a:ext cx="4264560" cy="3929760"/>
           </a:xfrm>
           <a:prstGeom prst="rect">
             <a:avLst/>
@@ -7737,16 +9066,165 @@
               </a:lnSpc>
             </a:pPr>
             <a:r>
-              <a:rPr b="1" lang="en-IN" sz="2400" spc="-1" strike="noStrike">
-                <a:solidFill>
-                  <a:srgbClr val="ffffff"/>
-                </a:solidFill>
-                <a:latin typeface="Times New Roman"/>
-                <a:ea typeface="DejaVu Sans"/>
-              </a:rPr>
-              <a:t>Messenger</a:t>
-            </a:r>
-            <a:endParaRPr b="0" lang="en-IN" sz="2400" spc="-1" strike="noStrike">
+              <a:rPr b="0" lang="en-IN" sz="1800" spc="-1" strike="noStrike">
+                <a:latin typeface="Arial"/>
+              </a:rPr>
+              <a:t>class </a:t>
+            </a:r>
+            <a:r>
+              <a:rPr b="1" lang="en-IN" sz="1800" spc="-1" strike="noStrike">
+                <a:solidFill>
+                  <a:srgbClr val="0000ff"/>
+                </a:solidFill>
+                <a:latin typeface="Arial"/>
+              </a:rPr>
+              <a:t>G4UserSteppingAction</a:t>
+            </a:r>
+            <a:endParaRPr b="0" lang="en-IN" sz="1800" spc="-1" strike="noStrike">
+              <a:latin typeface="Arial"/>
+            </a:endParaRPr>
+          </a:p>
+          <a:p>
+            <a:pPr>
+              <a:lnSpc>
+                <a:spcPct val="100000"/>
+              </a:lnSpc>
+            </a:pPr>
+            <a:r>
+              <a:rPr b="0" lang="en-IN" sz="1800" spc="-1" strike="noStrike">
+                <a:latin typeface="Arial"/>
+              </a:rPr>
+              <a:t>{</a:t>
+            </a:r>
+            <a:endParaRPr b="0" lang="en-IN" sz="1800" spc="-1" strike="noStrike">
+              <a:latin typeface="Arial"/>
+            </a:endParaRPr>
+          </a:p>
+          <a:p>
+            <a:pPr>
+              <a:lnSpc>
+                <a:spcPct val="100000"/>
+              </a:lnSpc>
+            </a:pPr>
+            <a:r>
+              <a:rPr b="0" lang="en-IN" sz="1800" spc="-1" strike="noStrike">
+                <a:latin typeface="Arial"/>
+              </a:rPr>
+              <a:t>   </a:t>
+            </a:r>
+            <a:r>
+              <a:rPr b="0" lang="en-IN" sz="1800" spc="-1" strike="noStrike">
+                <a:latin typeface="Arial"/>
+              </a:rPr>
+              <a:t>G4UserSteppingAction();</a:t>
+            </a:r>
+            <a:endParaRPr b="0" lang="en-IN" sz="1800" spc="-1" strike="noStrike">
+              <a:latin typeface="Arial"/>
+            </a:endParaRPr>
+          </a:p>
+          <a:p>
+            <a:pPr>
+              <a:lnSpc>
+                <a:spcPct val="100000"/>
+              </a:lnSpc>
+            </a:pPr>
+            <a:r>
+              <a:rPr b="0" lang="en-IN" sz="1800" spc="-1" strike="noStrike">
+                <a:latin typeface="Arial"/>
+              </a:rPr>
+              <a:t>   </a:t>
+            </a:r>
+            <a:r>
+              <a:rPr b="0" lang="en-IN" sz="1800" spc="-1" strike="noStrike">
+                <a:latin typeface="Arial"/>
+              </a:rPr>
+              <a:t>virtual ~</a:t>
+            </a:r>
+            <a:r>
+              <a:rPr b="0" lang="en-IN" sz="1800" spc="-1" strike="noStrike">
+                <a:solidFill>
+                  <a:srgbClr val="000000"/>
+                </a:solidFill>
+                <a:latin typeface="Arial"/>
+              </a:rPr>
+              <a:t>G4UserSteppingAction</a:t>
+            </a:r>
+            <a:r>
+              <a:rPr b="0" lang="en-IN" sz="1800" spc="-1" strike="noStrike">
+                <a:latin typeface="Arial"/>
+              </a:rPr>
+              <a:t>();</a:t>
+            </a:r>
+            <a:endParaRPr b="0" lang="en-IN" sz="1800" spc="-1" strike="noStrike">
+              <a:latin typeface="Arial"/>
+            </a:endParaRPr>
+          </a:p>
+          <a:p>
+            <a:pPr>
+              <a:lnSpc>
+                <a:spcPct val="100000"/>
+              </a:lnSpc>
+            </a:pPr>
+            <a:endParaRPr b="0" lang="en-IN" sz="1800" spc="-1" strike="noStrike">
+              <a:latin typeface="Arial"/>
+            </a:endParaRPr>
+          </a:p>
+          <a:p>
+            <a:pPr>
+              <a:lnSpc>
+                <a:spcPct val="100000"/>
+              </a:lnSpc>
+            </a:pPr>
+            <a:r>
+              <a:rPr b="0" lang="en-IN" sz="1800" spc="-1" strike="noStrike">
+                <a:latin typeface="Arial"/>
+              </a:rPr>
+              <a:t>   </a:t>
+            </a:r>
+            <a:r>
+              <a:rPr b="0" lang="en-IN" sz="1800" spc="-1" strike="noStrike">
+                <a:latin typeface="Arial"/>
+              </a:rPr>
+              <a:t>virtual void </a:t>
+            </a:r>
+            <a:r>
+              <a:rPr b="0" lang="en-IN" sz="1800" spc="-1" strike="noStrike">
+                <a:solidFill>
+                  <a:srgbClr val="be480a"/>
+                </a:solidFill>
+                <a:latin typeface="Arial"/>
+              </a:rPr>
+              <a:t>UserSteppingAction</a:t>
+            </a:r>
+            <a:r>
+              <a:rPr b="0" lang="en-IN" sz="1800" spc="-1" strike="noStrike">
+                <a:latin typeface="Arial"/>
+              </a:rPr>
+              <a:t>(const G4Step*)</a:t>
+            </a:r>
+            <a:r>
+              <a:rPr b="0" lang="en-IN" sz="1800" spc="-1" strike="noStrike">
+                <a:latin typeface="Arial"/>
+              </a:rPr>
+              <a:t>{;}</a:t>
+            </a:r>
+            <a:endParaRPr b="0" lang="en-IN" sz="1800" spc="-1" strike="noStrike">
+              <a:latin typeface="Arial"/>
+            </a:endParaRPr>
+          </a:p>
+          <a:p>
+            <a:pPr>
+              <a:lnSpc>
+                <a:spcPct val="100000"/>
+              </a:lnSpc>
+            </a:pPr>
+            <a:r>
+              <a:rPr b="0" lang="en-IN" sz="1800" spc="-1" strike="noStrike">
+                <a:latin typeface="Arial"/>
+              </a:rPr>
+              <a:t>};</a:t>
+            </a:r>
+            <a:endParaRPr b="0" lang="en-IN" sz="1800" spc="-1" strike="noStrike">
               <a:latin typeface="Arial"/>
             </a:endParaRPr>
           </a:p>
@@ -7754,14 +9232,868 @@
       </p:sp>
       <p:sp>
         <p:nvSpPr>
-          <p:cNvPr id="126" name="CustomShape 2"/>
+          <p:cNvPr id="135" name="CustomShape 5"/>
           <p:cNvSpPr/>
           <p:nvPr/>
         </p:nvSpPr>
         <p:spPr>
           <a:xfrm>
+            <a:off x="4652640" y="1715040"/>
+            <a:ext cx="5139000" cy="3475800"/>
+          </a:xfrm>
+          <a:prstGeom prst="rect">
+            <a:avLst/>
+          </a:prstGeom>
+          <a:noFill/>
+          <a:ln>
+            <a:noFill/>
+          </a:ln>
+        </p:spPr>
+        <p:style>
+          <a:lnRef idx="0"/>
+          <a:fillRef idx="0"/>
+          <a:effectRef idx="0"/>
+          <a:fontRef idx="minor"/>
+        </p:style>
+        <p:txBody>
+          <a:bodyPr lIns="90000" rIns="90000" tIns="45000" bIns="45000">
+            <a:noAutofit/>
+          </a:bodyPr>
+          <a:p>
+            <a:pPr>
+              <a:lnSpc>
+                <a:spcPct val="100000"/>
+              </a:lnSpc>
+            </a:pPr>
+            <a:r>
+              <a:rPr b="0" lang="en-IN" sz="1600" spc="-1" strike="noStrike">
+                <a:latin typeface="Arial"/>
+                <a:ea typeface="Noto Sans CJK SC"/>
+              </a:rPr>
+              <a:t>class </a:t>
+            </a:r>
+            <a:r>
+              <a:rPr b="1" lang="en-IN" sz="1600" spc="-1" strike="noStrike">
+                <a:solidFill>
+                  <a:srgbClr val="00a933"/>
+                </a:solidFill>
+                <a:latin typeface="Arial"/>
+                <a:ea typeface="Noto Sans CJK SC"/>
+              </a:rPr>
+              <a:t>MyClass_SteppingAction</a:t>
+            </a:r>
+            <a:r>
+              <a:rPr b="0" lang="en-IN" sz="1600" spc="-1" strike="noStrike">
+                <a:latin typeface="Arial"/>
+                <a:ea typeface="Noto Sans CJK SC"/>
+              </a:rPr>
+              <a:t> : public  </a:t>
+            </a:r>
+            <a:r>
+              <a:rPr b="1" lang="en-IN" sz="1600" spc="-1" strike="noStrike">
+                <a:solidFill>
+                  <a:srgbClr val="0000ff"/>
+                </a:solidFill>
+                <a:latin typeface="Arial"/>
+                <a:ea typeface="Noto Sans CJK SC"/>
+              </a:rPr>
+              <a:t>G4UserSteppingAction</a:t>
+            </a:r>
+            <a:r>
+              <a:rPr b="0" lang="en-IN" sz="1600" spc="-1" strike="noStrike">
+                <a:latin typeface="Arial"/>
+                <a:ea typeface="Noto Sans CJK SC"/>
+              </a:rPr>
+              <a:t>{</a:t>
+            </a:r>
+            <a:endParaRPr b="0" lang="en-IN" sz="1600" spc="-1" strike="noStrike">
+              <a:latin typeface="Arial"/>
+            </a:endParaRPr>
+          </a:p>
+          <a:p>
+            <a:pPr>
+              <a:lnSpc>
+                <a:spcPct val="100000"/>
+              </a:lnSpc>
+            </a:pPr>
+            <a:endParaRPr b="0" lang="en-IN" sz="1600" spc="-1" strike="noStrike">
+              <a:latin typeface="Arial"/>
+            </a:endParaRPr>
+          </a:p>
+          <a:p>
+            <a:pPr>
+              <a:lnSpc>
+                <a:spcPct val="100000"/>
+              </a:lnSpc>
+            </a:pPr>
+            <a:r>
+              <a:rPr b="0" lang="en-IN" sz="1600" spc="-1" strike="noStrike">
+                <a:latin typeface="Arial"/>
+                <a:ea typeface="Noto Sans CJK SC"/>
+              </a:rPr>
+              <a:t>    </a:t>
+            </a:r>
+            <a:r>
+              <a:rPr b="0" lang="en-IN" sz="1600" spc="-1" strike="noStrike">
+                <a:latin typeface="Arial"/>
+                <a:ea typeface="Noto Sans CJK SC"/>
+              </a:rPr>
+              <a:t>Sim01_SteppingAction();</a:t>
+            </a:r>
+            <a:endParaRPr b="0" lang="en-IN" sz="1600" spc="-1" strike="noStrike">
+              <a:latin typeface="Arial"/>
+            </a:endParaRPr>
+          </a:p>
+          <a:p>
+            <a:pPr>
+              <a:lnSpc>
+                <a:spcPct val="100000"/>
+              </a:lnSpc>
+            </a:pPr>
+            <a:r>
+              <a:rPr b="0" lang="en-IN" sz="1600" spc="-1" strike="noStrike">
+                <a:latin typeface="Arial"/>
+                <a:ea typeface="Noto Sans CJK SC"/>
+              </a:rPr>
+              <a:t>    </a:t>
+            </a:r>
+            <a:r>
+              <a:rPr b="0" lang="en-IN" sz="1600" spc="-1" strike="noStrike">
+                <a:latin typeface="Arial"/>
+                <a:ea typeface="Noto Sans CJK SC"/>
+              </a:rPr>
+              <a:t>~Sim01_SteppingAction();</a:t>
+            </a:r>
+            <a:endParaRPr b="0" lang="en-IN" sz="1600" spc="-1" strike="noStrike">
+              <a:latin typeface="Arial"/>
+            </a:endParaRPr>
+          </a:p>
+          <a:p>
+            <a:pPr>
+              <a:lnSpc>
+                <a:spcPct val="100000"/>
+              </a:lnSpc>
+            </a:pPr>
+            <a:endParaRPr b="0" lang="en-IN" sz="1600" spc="-1" strike="noStrike">
+              <a:latin typeface="Arial"/>
+            </a:endParaRPr>
+          </a:p>
+          <a:p>
+            <a:pPr>
+              <a:lnSpc>
+                <a:spcPct val="100000"/>
+              </a:lnSpc>
+            </a:pPr>
+            <a:r>
+              <a:rPr b="0" lang="en-IN" sz="1600" spc="-1" strike="noStrike">
+                <a:latin typeface="Arial"/>
+                <a:ea typeface="Noto Sans CJK SC"/>
+              </a:rPr>
+              <a:t>    </a:t>
+            </a:r>
+            <a:r>
+              <a:rPr b="0" lang="en-IN" sz="1600" spc="-1" strike="noStrike">
+                <a:solidFill>
+                  <a:srgbClr val="6a1816"/>
+                </a:solidFill>
+                <a:latin typeface="Arial"/>
+                <a:ea typeface="Noto Sans CJK SC"/>
+              </a:rPr>
+              <a:t>void </a:t>
+            </a:r>
+            <a:r>
+              <a:rPr b="1" lang="en-IN" sz="1600" spc="-1" strike="noStrike">
+                <a:solidFill>
+                  <a:srgbClr val="6a1816"/>
+                </a:solidFill>
+                <a:latin typeface="Arial"/>
+                <a:ea typeface="Noto Sans CJK SC"/>
+              </a:rPr>
+              <a:t>UserSteppingAction</a:t>
+            </a:r>
+            <a:r>
+              <a:rPr b="0" lang="en-IN" sz="1600" spc="-1" strike="noStrike">
+                <a:solidFill>
+                  <a:srgbClr val="6a1816"/>
+                </a:solidFill>
+                <a:latin typeface="Arial"/>
+                <a:ea typeface="Noto Sans CJK SC"/>
+              </a:rPr>
+              <a:t>(const G4Step *step){</a:t>
+            </a:r>
+            <a:endParaRPr b="0" lang="en-IN" sz="1600" spc="-1" strike="noStrike">
+              <a:latin typeface="Arial"/>
+            </a:endParaRPr>
+          </a:p>
+          <a:p>
+            <a:pPr>
+              <a:lnSpc>
+                <a:spcPct val="100000"/>
+              </a:lnSpc>
+            </a:pPr>
+            <a:r>
+              <a:rPr b="1" lang="en-IN" sz="1600" spc="-1" strike="noStrike">
+                <a:solidFill>
+                  <a:srgbClr val="6a1816"/>
+                </a:solidFill>
+                <a:latin typeface="Arial"/>
+                <a:ea typeface="Noto Sans CJK SC"/>
+              </a:rPr>
+              <a:t>	</a:t>
+            </a:r>
+            <a:r>
+              <a:rPr b="1" lang="en-IN" sz="1600" spc="-1" strike="noStrike">
+                <a:solidFill>
+                  <a:srgbClr val="000000"/>
+                </a:solidFill>
+                <a:latin typeface="Arial"/>
+                <a:ea typeface="Noto Sans CJK SC"/>
+              </a:rPr>
+              <a:t>//Write your stuff here like</a:t>
+            </a:r>
+            <a:endParaRPr b="0" lang="en-IN" sz="1600" spc="-1" strike="noStrike">
+              <a:latin typeface="Arial"/>
+            </a:endParaRPr>
+          </a:p>
+          <a:p>
+            <a:pPr>
+              <a:lnSpc>
+                <a:spcPct val="100000"/>
+              </a:lnSpc>
+            </a:pPr>
+            <a:r>
+              <a:rPr b="1" lang="en-IN" sz="1600" spc="-1" strike="noStrike">
+                <a:solidFill>
+                  <a:srgbClr val="000000"/>
+                </a:solidFill>
+                <a:latin typeface="Arial"/>
+                <a:ea typeface="Noto Sans CJK SC"/>
+              </a:rPr>
+              <a:t>	</a:t>
+            </a:r>
+            <a:r>
+              <a:rPr b="1" lang="en-IN" sz="1600" spc="-1" strike="noStrike">
+                <a:solidFill>
+                  <a:srgbClr val="000000"/>
+                </a:solidFill>
+                <a:latin typeface="Arial"/>
+                <a:ea typeface="Noto Sans CJK SC"/>
+              </a:rPr>
+              <a:t>//Use G4RunManager::GetRunManager()</a:t>
+            </a:r>
+            <a:endParaRPr b="0" lang="en-IN" sz="1600" spc="-1" strike="noStrike">
+              <a:latin typeface="Arial"/>
+            </a:endParaRPr>
+          </a:p>
+          <a:p>
+            <a:pPr>
+              <a:lnSpc>
+                <a:spcPct val="100000"/>
+              </a:lnSpc>
+            </a:pPr>
+            <a:endParaRPr b="0" lang="en-IN" sz="1600" spc="-1" strike="noStrike">
+              <a:latin typeface="Arial"/>
+            </a:endParaRPr>
+          </a:p>
+          <a:p>
+            <a:pPr>
+              <a:lnSpc>
+                <a:spcPct val="100000"/>
+              </a:lnSpc>
+            </a:pPr>
+            <a:r>
+              <a:rPr b="0" lang="en-IN" sz="1600" spc="-1" strike="noStrike">
+                <a:solidFill>
+                  <a:srgbClr val="6a1816"/>
+                </a:solidFill>
+                <a:latin typeface="Arial"/>
+                <a:ea typeface="Noto Sans CJK SC"/>
+              </a:rPr>
+              <a:t>	</a:t>
+            </a:r>
+            <a:r>
+              <a:rPr b="0" lang="en-IN" sz="1600" spc="-1" strike="noStrike">
+                <a:solidFill>
+                  <a:srgbClr val="6a1816"/>
+                </a:solidFill>
+                <a:latin typeface="Arial"/>
+                <a:ea typeface="Noto Sans CJK SC"/>
+              </a:rPr>
+              <a:t>std::cout &lt;&lt; step-&gt;GetLength() &lt;&lt; std::endl;</a:t>
+            </a:r>
+            <a:endParaRPr b="0" lang="en-IN" sz="1600" spc="-1" strike="noStrike">
+              <a:latin typeface="Arial"/>
+            </a:endParaRPr>
+          </a:p>
+          <a:p>
+            <a:pPr>
+              <a:lnSpc>
+                <a:spcPct val="100000"/>
+              </a:lnSpc>
+            </a:pPr>
+            <a:r>
+              <a:rPr b="0" lang="en-IN" sz="1600" spc="-1" strike="noStrike">
+                <a:solidFill>
+                  <a:srgbClr val="6a1816"/>
+                </a:solidFill>
+                <a:latin typeface="Arial"/>
+                <a:ea typeface="Noto Sans CJK SC"/>
+              </a:rPr>
+              <a:t>	</a:t>
+            </a:r>
+            <a:r>
+              <a:rPr b="0" lang="en-IN" sz="1600" spc="-1" strike="noStrike">
+                <a:solidFill>
+                  <a:srgbClr val="6a1816"/>
+                </a:solidFill>
+                <a:latin typeface="Arial"/>
+                <a:ea typeface="Noto Sans CJK SC"/>
+              </a:rPr>
+              <a:t>std::cout &lt;&lt; step-&gt;GetTotalEnergyDeposit() &lt;&lt; std::endl;</a:t>
+            </a:r>
+            <a:endParaRPr b="0" lang="en-IN" sz="1600" spc="-1" strike="noStrike">
+              <a:latin typeface="Arial"/>
+            </a:endParaRPr>
+          </a:p>
+          <a:p>
+            <a:pPr>
+              <a:lnSpc>
+                <a:spcPct val="100000"/>
+              </a:lnSpc>
+            </a:pPr>
+            <a:r>
+              <a:rPr b="0" lang="en-IN" sz="1600" spc="-1" strike="noStrike">
+                <a:solidFill>
+                  <a:srgbClr val="6a1816"/>
+                </a:solidFill>
+                <a:latin typeface="Arial"/>
+                <a:ea typeface="Noto Sans CJK SC"/>
+              </a:rPr>
+              <a:t>    </a:t>
+            </a:r>
+            <a:r>
+              <a:rPr b="0" lang="en-IN" sz="1600" spc="-1" strike="noStrike">
+                <a:solidFill>
+                  <a:srgbClr val="6a1816"/>
+                </a:solidFill>
+                <a:latin typeface="Arial"/>
+                <a:ea typeface="Noto Sans CJK SC"/>
+              </a:rPr>
+              <a:t>}</a:t>
+            </a:r>
+            <a:endParaRPr b="0" lang="en-IN" sz="1600" spc="-1" strike="noStrike">
+              <a:latin typeface="Arial"/>
+            </a:endParaRPr>
+          </a:p>
+          <a:p>
+            <a:pPr>
+              <a:lnSpc>
+                <a:spcPct val="100000"/>
+              </a:lnSpc>
+            </a:pPr>
+            <a:r>
+              <a:rPr b="0" lang="en-IN" sz="1600" spc="-1" strike="noStrike">
+                <a:solidFill>
+                  <a:srgbClr val="6a1816"/>
+                </a:solidFill>
+                <a:latin typeface="Arial"/>
+                <a:ea typeface="Noto Sans CJK SC"/>
+              </a:rPr>
+              <a:t>};</a:t>
+            </a:r>
+            <a:endParaRPr b="0" lang="en-IN" sz="1600" spc="-1" strike="noStrike">
+              <a:latin typeface="Arial"/>
+            </a:endParaRPr>
+          </a:p>
+        </p:txBody>
+      </p:sp>
+    </p:spTree>
+  </p:cSld>
+  <mc:AlternateContent>
+    <mc:Choice Requires="p14">
+      <p:transition spd="slow" p14:dur="2000"/>
+    </mc:Choice>
+    <mc:Fallback>
+      <p:transition spd="slow"/>
+    </mc:Fallback>
+  </mc:AlternateContent>
+</p:sld>
+</file>
+
+<file path=ppt/slides/slide23.xml><?xml version="1.0" encoding="utf-8"?>
+<p:sld xmlns:a="http://schemas.openxmlformats.org/drawingml/2006/main" xmlns:p="http://schemas.openxmlformats.org/presentationml/2006/main" xmlns:r="http://schemas.openxmlformats.org/officeDocument/2006/relationships" xmlns:p14="http://schemas.microsoft.com/office/powerpoint/2010/main" xmlns:p15="http://schemas.microsoft.com/office/powerpoint/2012/main" xmlns:mc="http://schemas.openxmlformats.org/markup-compatibility/2006">
+  <p:cSld>
+    <p:spTree>
+      <p:nvGrpSpPr>
+        <p:cNvPr id="1" name=""/>
+        <p:cNvGrpSpPr/>
+        <p:nvPr/>
+      </p:nvGrpSpPr>
+      <p:grpSpPr>
+        <a:xfrm>
+          <a:off x="0" y="0"/>
+          <a:ext cx="0" cy="0"/>
+          <a:chOff x="0" y="0"/>
+          <a:chExt cx="0" cy="0"/>
+        </a:xfrm>
+      </p:grpSpPr>
+      <p:sp>
+        <p:nvSpPr>
+          <p:cNvPr id="136" name="CustomShape 1"/>
+          <p:cNvSpPr/>
+          <p:nvPr/>
+        </p:nvSpPr>
+        <p:spPr>
+          <a:xfrm>
+            <a:off x="144720" y="1728000"/>
+            <a:ext cx="9430920" cy="4113360"/>
+          </a:xfrm>
+          <a:prstGeom prst="rect">
+            <a:avLst/>
+          </a:prstGeom>
+          <a:noFill/>
+          <a:ln>
+            <a:noFill/>
+          </a:ln>
+        </p:spPr>
+        <p:style>
+          <a:lnRef idx="0"/>
+          <a:fillRef idx="0"/>
+          <a:effectRef idx="0"/>
+          <a:fontRef idx="minor"/>
+        </p:style>
+        <p:txBody>
+          <a:bodyPr lIns="90000" rIns="90000" tIns="45000" bIns="45000">
+            <a:noAutofit/>
+          </a:bodyPr>
+          <a:p>
+            <a:pPr>
+              <a:lnSpc>
+                <a:spcPct val="100000"/>
+              </a:lnSpc>
+            </a:pPr>
+            <a:r>
+              <a:rPr b="1" lang="en-IN" sz="2600" spc="-1" strike="noStrike">
+                <a:solidFill>
+                  <a:srgbClr val="1c1c1c"/>
+                </a:solidFill>
+                <a:latin typeface="Times New Roman"/>
+                <a:ea typeface="DejaVu Sans"/>
+              </a:rPr>
+              <a:t>Suppose you fire gammas of 662 keV on NaI detector </a:t>
+            </a:r>
+            <a:endParaRPr b="0" lang="en-IN" sz="2600" spc="-1" strike="noStrike">
+              <a:latin typeface="Arial"/>
+            </a:endParaRPr>
+          </a:p>
+          <a:p>
+            <a:pPr>
+              <a:lnSpc>
+                <a:spcPct val="100000"/>
+              </a:lnSpc>
+            </a:pPr>
+            <a:endParaRPr b="0" lang="en-IN" sz="2600" spc="-1" strike="noStrike">
+              <a:latin typeface="Arial"/>
+            </a:endParaRPr>
+          </a:p>
+          <a:p>
+            <a:pPr>
+              <a:lnSpc>
+                <a:spcPct val="100000"/>
+              </a:lnSpc>
+            </a:pPr>
+            <a:r>
+              <a:rPr b="1" lang="en-IN" sz="2600" spc="-1" strike="noStrike">
+                <a:solidFill>
+                  <a:srgbClr val="1c1c1c"/>
+                </a:solidFill>
+                <a:latin typeface="Times New Roman"/>
+                <a:ea typeface="DejaVu Sans"/>
+              </a:rPr>
+              <a:t>How to get the total energy deposited in a detector in an event.</a:t>
+            </a:r>
+            <a:endParaRPr b="0" lang="en-IN" sz="2600" spc="-1" strike="noStrike">
+              <a:latin typeface="Arial"/>
+            </a:endParaRPr>
+          </a:p>
+          <a:p>
+            <a:pPr>
+              <a:lnSpc>
+                <a:spcPct val="100000"/>
+              </a:lnSpc>
+            </a:pPr>
+            <a:endParaRPr b="0" lang="en-IN" sz="2600" spc="-1" strike="noStrike">
+              <a:latin typeface="Arial"/>
+            </a:endParaRPr>
+          </a:p>
+          <a:p>
+            <a:pPr>
+              <a:lnSpc>
+                <a:spcPct val="100000"/>
+              </a:lnSpc>
+            </a:pPr>
+            <a:r>
+              <a:rPr b="1" lang="en-IN" sz="2600" spc="-1" strike="noStrike">
+                <a:solidFill>
+                  <a:srgbClr val="1c1c1c"/>
+                </a:solidFill>
+                <a:latin typeface="Times New Roman"/>
+                <a:ea typeface="DejaVu Sans"/>
+              </a:rPr>
+              <a:t>Exercise of hands-on session</a:t>
+            </a:r>
+            <a:endParaRPr b="0" lang="en-IN" sz="2600" spc="-1" strike="noStrike">
+              <a:latin typeface="Arial"/>
+            </a:endParaRPr>
+          </a:p>
+          <a:p>
+            <a:pPr>
+              <a:lnSpc>
+                <a:spcPct val="100000"/>
+              </a:lnSpc>
+            </a:pPr>
+            <a:endParaRPr b="0" lang="en-IN" sz="2600" spc="-1" strike="noStrike">
+              <a:latin typeface="Arial"/>
+            </a:endParaRPr>
+          </a:p>
+          <a:p>
+            <a:pPr>
+              <a:lnSpc>
+                <a:spcPct val="100000"/>
+              </a:lnSpc>
+            </a:pPr>
+            <a:r>
+              <a:rPr b="1" lang="en-IN" sz="2600" spc="-1" strike="noStrike">
+                <a:solidFill>
+                  <a:srgbClr val="1c1c1c"/>
+                </a:solidFill>
+                <a:latin typeface="Times New Roman"/>
+                <a:ea typeface="DejaVu Sans"/>
+              </a:rPr>
+              <a:t>Try to match the tracking output obtained using stepping action  with the output that you get from </a:t>
+            </a:r>
+            <a:r>
+              <a:rPr b="1" lang="en-IN" sz="2600" spc="-1" strike="noStrike">
+                <a:solidFill>
+                  <a:srgbClr val="0000ff"/>
+                </a:solidFill>
+                <a:latin typeface="Times New Roman"/>
+                <a:ea typeface="DejaVu Sans"/>
+              </a:rPr>
+              <a:t>/</a:t>
+            </a:r>
+            <a:r>
+              <a:rPr b="1" i="1" lang="en-IN" sz="2600" spc="-1" strike="noStrike">
+                <a:solidFill>
+                  <a:srgbClr val="0000ff"/>
+                </a:solidFill>
+                <a:latin typeface="Times New Roman"/>
+                <a:ea typeface="DejaVu Sans"/>
+              </a:rPr>
+              <a:t>tracking/</a:t>
+            </a:r>
+            <a:r>
+              <a:rPr b="1" lang="en-IN" sz="2600" spc="-1" strike="noStrike">
+                <a:solidFill>
+                  <a:srgbClr val="0000ff"/>
+                </a:solidFill>
+                <a:latin typeface="Times New Roman"/>
+                <a:ea typeface="DejaVu Sans"/>
+              </a:rPr>
+              <a:t>verbose 1 </a:t>
+            </a:r>
+            <a:endParaRPr b="0" lang="en-IN" sz="2600" spc="-1" strike="noStrike">
+              <a:latin typeface="Arial"/>
+            </a:endParaRPr>
+          </a:p>
+          <a:p>
+            <a:pPr>
+              <a:lnSpc>
+                <a:spcPct val="100000"/>
+              </a:lnSpc>
+            </a:pPr>
+            <a:endParaRPr b="0" lang="en-IN" sz="2600" spc="-1" strike="noStrike">
+              <a:latin typeface="Arial"/>
+            </a:endParaRPr>
+          </a:p>
+          <a:p>
+            <a:pPr>
+              <a:lnSpc>
+                <a:spcPct val="100000"/>
+              </a:lnSpc>
+            </a:pPr>
+            <a:r>
+              <a:rPr b="1" lang="en-IN" sz="2600" spc="-1" strike="noStrike">
+                <a:solidFill>
+                  <a:srgbClr val="1c1c1c"/>
+                </a:solidFill>
+                <a:latin typeface="Times New Roman"/>
+                <a:ea typeface="DejaVu Sans"/>
+              </a:rPr>
+              <a:t>Generate the energy spectra from NaI detector</a:t>
+            </a:r>
+            <a:endParaRPr b="0" lang="en-IN" sz="2600" spc="-1" strike="noStrike">
+              <a:latin typeface="Arial"/>
+            </a:endParaRPr>
+          </a:p>
+          <a:p>
+            <a:pPr>
+              <a:lnSpc>
+                <a:spcPct val="100000"/>
+              </a:lnSpc>
+            </a:pPr>
+            <a:endParaRPr b="0" lang="en-IN" sz="2600" spc="-1" strike="noStrike">
+              <a:latin typeface="Arial"/>
+            </a:endParaRPr>
+          </a:p>
+        </p:txBody>
+      </p:sp>
+      <p:sp>
+        <p:nvSpPr>
+          <p:cNvPr id="137" name="CustomShape 2"/>
+          <p:cNvSpPr/>
+          <p:nvPr/>
+        </p:nvSpPr>
+        <p:spPr>
+          <a:xfrm>
+            <a:off x="328320" y="504000"/>
+            <a:ext cx="6151320" cy="541800"/>
+          </a:xfrm>
+          <a:prstGeom prst="rect">
+            <a:avLst/>
+          </a:prstGeom>
+          <a:noFill/>
+          <a:ln>
+            <a:noFill/>
+          </a:ln>
+        </p:spPr>
+        <p:style>
+          <a:lnRef idx="0"/>
+          <a:fillRef idx="0"/>
+          <a:effectRef idx="0"/>
+          <a:fontRef idx="minor"/>
+        </p:style>
+        <p:txBody>
+          <a:bodyPr lIns="90000" rIns="90000" tIns="45000" bIns="45000">
+            <a:noAutofit/>
+          </a:bodyPr>
+          <a:p>
+            <a:pPr>
+              <a:lnSpc>
+                <a:spcPct val="100000"/>
+              </a:lnSpc>
+            </a:pPr>
+            <a:r>
+              <a:rPr b="1" lang="en-IN" sz="3200" spc="-1" strike="noStrike">
+                <a:solidFill>
+                  <a:srgbClr val="ffffff"/>
+                </a:solidFill>
+                <a:latin typeface="Times New Roman"/>
+                <a:ea typeface="DejaVu Sans"/>
+              </a:rPr>
+              <a:t>Quiz </a:t>
+            </a:r>
+            <a:endParaRPr b="0" lang="en-IN" sz="3200" spc="-1" strike="noStrike">
+              <a:latin typeface="Arial"/>
+            </a:endParaRPr>
+          </a:p>
+        </p:txBody>
+      </p:sp>
+    </p:spTree>
+  </p:cSld>
+  <mc:AlternateContent>
+    <mc:Choice Requires="p14">
+      <p:transition spd="slow" p14:dur="2000"/>
+    </mc:Choice>
+    <mc:Fallback>
+      <p:transition spd="slow"/>
+    </mc:Fallback>
+  </mc:AlternateContent>
+</p:sld>
+</file>
+
+<file path=ppt/slides/slide24.xml><?xml version="1.0" encoding="utf-8"?>
+<p:sld xmlns:a="http://schemas.openxmlformats.org/drawingml/2006/main" xmlns:p="http://schemas.openxmlformats.org/presentationml/2006/main" xmlns:r="http://schemas.openxmlformats.org/officeDocument/2006/relationships" xmlns:p14="http://schemas.microsoft.com/office/powerpoint/2010/main" xmlns:p15="http://schemas.microsoft.com/office/powerpoint/2012/main" xmlns:mc="http://schemas.openxmlformats.org/markup-compatibility/2006">
+  <p:cSld>
+    <p:spTree>
+      <p:nvGrpSpPr>
+        <p:cNvPr id="1" name=""/>
+        <p:cNvGrpSpPr/>
+        <p:nvPr/>
+      </p:nvGrpSpPr>
+      <p:grpSpPr>
+        <a:xfrm>
+          <a:off x="0" y="0"/>
+          <a:ext cx="0" cy="0"/>
+          <a:chOff x="0" y="0"/>
+          <a:chExt cx="0" cy="0"/>
+        </a:xfrm>
+      </p:grpSpPr>
+      <p:pic>
+        <p:nvPicPr>
+          <p:cNvPr id="138" name="" descr=""/>
+          <p:cNvPicPr/>
+          <p:nvPr/>
+        </p:nvPicPr>
+        <p:blipFill>
+          <a:blip r:embed="rId1"/>
+          <a:stretch/>
+        </p:blipFill>
+        <p:spPr>
+          <a:xfrm>
+            <a:off x="934560" y="1512000"/>
+            <a:ext cx="8209080" cy="5640120"/>
+          </a:xfrm>
+          <a:prstGeom prst="rect">
+            <a:avLst/>
+          </a:prstGeom>
+          <a:ln>
+            <a:noFill/>
+          </a:ln>
+        </p:spPr>
+      </p:pic>
+      <p:sp>
+        <p:nvSpPr>
+          <p:cNvPr id="139" name="CustomShape 1"/>
+          <p:cNvSpPr/>
+          <p:nvPr/>
+        </p:nvSpPr>
+        <p:spPr>
+          <a:xfrm>
+            <a:off x="350640" y="504000"/>
+            <a:ext cx="8937000" cy="541440"/>
+          </a:xfrm>
+          <a:prstGeom prst="rect">
+            <a:avLst/>
+          </a:prstGeom>
+          <a:noFill/>
+          <a:ln>
+            <a:noFill/>
+          </a:ln>
+        </p:spPr>
+        <p:style>
+          <a:lnRef idx="0"/>
+          <a:fillRef idx="0"/>
+          <a:effectRef idx="0"/>
+          <a:fontRef idx="minor"/>
+        </p:style>
+        <p:txBody>
+          <a:bodyPr lIns="90000" rIns="90000" tIns="45000" bIns="45000">
+            <a:noAutofit/>
+          </a:bodyPr>
+          <a:p>
+            <a:pPr>
+              <a:lnSpc>
+                <a:spcPct val="100000"/>
+              </a:lnSpc>
+            </a:pPr>
+            <a:r>
+              <a:rPr b="1" lang="en-IN" sz="3200" spc="-1" strike="noStrike">
+                <a:solidFill>
+                  <a:srgbClr val="ffffff"/>
+                </a:solidFill>
+                <a:latin typeface="Times New Roman"/>
+                <a:ea typeface="DejaVu Sans"/>
+              </a:rPr>
+              <a:t>Information from Tracking verbose</a:t>
+            </a:r>
+            <a:endParaRPr b="0" lang="en-IN" sz="3200" spc="-1" strike="noStrike">
+              <a:latin typeface="Arial"/>
+            </a:endParaRPr>
+          </a:p>
+        </p:txBody>
+      </p:sp>
+    </p:spTree>
+  </p:cSld>
+  <mc:AlternateContent>
+    <mc:Choice Requires="p14">
+      <p:transition spd="slow" p14:dur="2000"/>
+    </mc:Choice>
+    <mc:Fallback>
+      <p:transition spd="slow"/>
+    </mc:Fallback>
+  </mc:AlternateContent>
+</p:sld>
+</file>
+
+<file path=ppt/slides/slide25.xml><?xml version="1.0" encoding="utf-8"?>
+<p:sld xmlns:a="http://schemas.openxmlformats.org/drawingml/2006/main" xmlns:p="http://schemas.openxmlformats.org/presentationml/2006/main" xmlns:r="http://schemas.openxmlformats.org/officeDocument/2006/relationships" xmlns:p14="http://schemas.microsoft.com/office/powerpoint/2010/main" xmlns:p15="http://schemas.microsoft.com/office/powerpoint/2012/main" xmlns:mc="http://schemas.openxmlformats.org/markup-compatibility/2006">
+  <p:cSld>
+    <p:spTree>
+      <p:nvGrpSpPr>
+        <p:cNvPr id="1" name=""/>
+        <p:cNvGrpSpPr/>
+        <p:nvPr/>
+      </p:nvGrpSpPr>
+      <p:grpSpPr>
+        <a:xfrm>
+          <a:off x="0" y="0"/>
+          <a:ext cx="0" cy="0"/>
+          <a:chOff x="0" y="0"/>
+          <a:chExt cx="0" cy="0"/>
+        </a:xfrm>
+      </p:grpSpPr>
+      <p:sp>
+        <p:nvSpPr>
+          <p:cNvPr id="140" name="CustomShape 1"/>
+          <p:cNvSpPr/>
+          <p:nvPr/>
+        </p:nvSpPr>
+        <p:spPr>
+          <a:xfrm>
+            <a:off x="432000" y="580320"/>
+            <a:ext cx="1834920" cy="426960"/>
+          </a:xfrm>
+          <a:prstGeom prst="rect">
+            <a:avLst/>
+          </a:prstGeom>
+          <a:noFill/>
+          <a:ln>
+            <a:noFill/>
+          </a:ln>
+        </p:spPr>
+        <p:style>
+          <a:lnRef idx="0"/>
+          <a:fillRef idx="0"/>
+          <a:effectRef idx="0"/>
+          <a:fontRef idx="minor"/>
+        </p:style>
+        <p:txBody>
+          <a:bodyPr lIns="90000" rIns="90000" tIns="45000" bIns="45000">
+            <a:noAutofit/>
+          </a:bodyPr>
+          <a:p>
+            <a:pPr>
+              <a:lnSpc>
+                <a:spcPct val="100000"/>
+              </a:lnSpc>
+            </a:pPr>
+            <a:r>
+              <a:rPr b="1" lang="en-IN" sz="2400" spc="-1" strike="noStrike">
+                <a:solidFill>
+                  <a:srgbClr val="ffffff"/>
+                </a:solidFill>
+                <a:latin typeface="Times New Roman"/>
+                <a:ea typeface="DejaVu Sans"/>
+              </a:rPr>
+              <a:t>Messenger</a:t>
+            </a:r>
+            <a:endParaRPr b="0" lang="en-IN" sz="2400" spc="-1" strike="noStrike">
+              <a:latin typeface="Arial"/>
+            </a:endParaRPr>
+          </a:p>
+        </p:txBody>
+      </p:sp>
+      <p:sp>
+        <p:nvSpPr>
+          <p:cNvPr id="141" name="CustomShape 2"/>
+          <p:cNvSpPr/>
+          <p:nvPr/>
+        </p:nvSpPr>
+        <p:spPr>
+          <a:xfrm>
             <a:off x="360000" y="1980000"/>
-            <a:ext cx="5975640" cy="4678920"/>
+            <a:ext cx="5975280" cy="4678560"/>
           </a:xfrm>
           <a:prstGeom prst="rect">
             <a:avLst/>
@@ -7854,7 +10186,7 @@
       </p:sp>
       <p:pic>
         <p:nvPicPr>
-          <p:cNvPr id="127" name="" descr=""/>
+          <p:cNvPr id="142" name="" descr=""/>
           <p:cNvPicPr/>
           <p:nvPr/>
         </p:nvPicPr>
@@ -7865,7 +10197,7 @@
         <p:spPr>
           <a:xfrm>
             <a:off x="5240160" y="648000"/>
-            <a:ext cx="4810320" cy="6551640"/>
+            <a:ext cx="4809960" cy="6551280"/>
           </a:xfrm>
           <a:prstGeom prst="rect">
             <a:avLst/>
@@ -7907,14 +10239,14 @@
       </p:grpSpPr>
       <p:sp>
         <p:nvSpPr>
-          <p:cNvPr id="85" name="TextShape 1"/>
-          <p:cNvSpPr txBox="1"/>
+          <p:cNvPr id="85" name="CustomShape 1"/>
+          <p:cNvSpPr/>
           <p:nvPr/>
         </p:nvSpPr>
         <p:spPr>
           <a:xfrm>
             <a:off x="288000" y="429840"/>
-            <a:ext cx="9144000" cy="1328040"/>
+            <a:ext cx="9143640" cy="1327680"/>
           </a:xfrm>
           <a:prstGeom prst="rect">
             <a:avLst/>
@@ -7924,11 +10256,22 @@
             <a:noFill/>
           </a:ln>
         </p:spPr>
+        <p:style>
+          <a:lnRef idx="0"/>
+          <a:fillRef idx="0"/>
+          <a:effectRef idx="0"/>
+          <a:fontRef idx="minor"/>
+        </p:style>
         <p:txBody>
           <a:bodyPr lIns="90000" rIns="90000" tIns="45000" bIns="45000">
             <a:noAutofit/>
           </a:bodyPr>
           <a:p>
+            <a:pPr>
+              <a:lnSpc>
+                <a:spcPct val="100000"/>
+              </a:lnSpc>
+            </a:pPr>
             <a:r>
               <a:rPr b="1" lang="en-IN" sz="4400" spc="-1" strike="noStrike">
                 <a:solidFill>
@@ -7938,25 +10281,22 @@
               </a:rPr>
               <a:t>Overview of Tracking in Geant4</a:t>
             </a:r>
-            <a:endParaRPr b="1" lang="en-IN" sz="4400" spc="-1" strike="noStrike">
-              <a:solidFill>
-                <a:srgbClr val="ffffff"/>
-              </a:solidFill>
-              <a:latin typeface="Times New Roman"/>
+            <a:endParaRPr b="0" lang="en-IN" sz="4400" spc="-1" strike="noStrike">
+              <a:latin typeface="Arial"/>
             </a:endParaRPr>
           </a:p>
         </p:txBody>
       </p:sp>
       <p:sp>
         <p:nvSpPr>
-          <p:cNvPr id="86" name="TextShape 2"/>
-          <p:cNvSpPr txBox="1"/>
+          <p:cNvPr id="86" name="CustomShape 2"/>
+          <p:cNvSpPr/>
           <p:nvPr/>
         </p:nvSpPr>
         <p:spPr>
           <a:xfrm>
             <a:off x="457560" y="1600560"/>
-            <a:ext cx="9190440" cy="4525560"/>
+            <a:ext cx="9190080" cy="4525200"/>
           </a:xfrm>
           <a:prstGeom prst="rect">
             <a:avLst/>
@@ -7966,12 +10306,18 @@
             <a:noFill/>
           </a:ln>
         </p:spPr>
+        <p:style>
+          <a:lnRef idx="0"/>
+          <a:fillRef idx="0"/>
+          <a:effectRef idx="0"/>
+          <a:fontRef idx="minor"/>
+        </p:style>
         <p:txBody>
-          <a:bodyPr>
+          <a:bodyPr lIns="90000" rIns="90000" tIns="45000" bIns="45000">
             <a:noAutofit/>
           </a:bodyPr>
           <a:p>
-            <a:pPr marL="343080" indent="-342720">
+            <a:pPr marL="343080" indent="-342360">
               <a:lnSpc>
                 <a:spcPct val="100000"/>
               </a:lnSpc>
@@ -7991,23 +10337,14 @@
                 </a:solidFill>
                 <a:latin typeface="Calibri"/>
               </a:rPr>
-              <a:t>Tracking follows particles from creation to </a:t>
-            </a:r>
-            <a:r>
-              <a:rPr b="0" lang="en-IN" sz="3200" spc="-1" strike="noStrike">
-                <a:solidFill>
-                  <a:srgbClr val="000000"/>
-                </a:solidFill>
-                <a:latin typeface="Calibri"/>
-              </a:rPr>
-              <a:t>termination step-by-step.</a:t>
+              <a:t>Tracking follows particles from creation to termination step-by-step.</a:t>
             </a:r>
             <a:endParaRPr b="0" lang="en-IN" sz="3200" spc="-1" strike="noStrike">
               <a:latin typeface="Arial"/>
             </a:endParaRPr>
           </a:p>
           <a:p>
-            <a:pPr marL="343080" indent="-342720">
+            <a:pPr marL="343080" indent="-342360">
               <a:lnSpc>
                 <a:spcPct val="100000"/>
               </a:lnSpc>
@@ -8027,23 +10364,14 @@
                 </a:solidFill>
                 <a:latin typeface="Calibri"/>
               </a:rPr>
-              <a:t>- Includes interactions, decays, and field </a:t>
-            </a:r>
-            <a:r>
-              <a:rPr b="0" lang="en-IN" sz="3200" spc="-1" strike="noStrike">
-                <a:solidFill>
-                  <a:srgbClr val="000000"/>
-                </a:solidFill>
-                <a:latin typeface="Calibri"/>
-              </a:rPr>
-              <a:t>effects.</a:t>
+              <a:t>- Includes interactions, decays, and field effects.</a:t>
             </a:r>
             <a:endParaRPr b="0" lang="en-IN" sz="3200" spc="-1" strike="noStrike">
               <a:latin typeface="Arial"/>
             </a:endParaRPr>
           </a:p>
           <a:p>
-            <a:pPr marL="343080" indent="-342720">
+            <a:pPr marL="343080" indent="-342360">
               <a:lnSpc>
                 <a:spcPct val="100000"/>
               </a:lnSpc>
@@ -8063,23 +10391,14 @@
                 </a:solidFill>
                 <a:latin typeface="Calibri"/>
               </a:rPr>
-              <a:t>- Each step contributes to simulation </a:t>
-            </a:r>
-            <a:r>
-              <a:rPr b="0" lang="en-IN" sz="3200" spc="-1" strike="noStrike">
-                <a:solidFill>
-                  <a:srgbClr val="000000"/>
-                </a:solidFill>
-                <a:latin typeface="Calibri"/>
-              </a:rPr>
-              <a:t>accuracy.</a:t>
+              <a:t>- Each step contributes to simulation accuracy.</a:t>
             </a:r>
             <a:endParaRPr b="0" lang="en-IN" sz="3200" spc="-1" strike="noStrike">
               <a:latin typeface="Arial"/>
             </a:endParaRPr>
           </a:p>
           <a:p>
-            <a:pPr marL="343080" indent="-342720">
+            <a:pPr marL="343080" indent="-342360">
               <a:lnSpc>
                 <a:spcPct val="100000"/>
               </a:lnSpc>
@@ -8139,14 +10458,14 @@
       </p:grpSpPr>
       <p:sp>
         <p:nvSpPr>
-          <p:cNvPr id="87" name="TextShape 1"/>
-          <p:cNvSpPr txBox="1"/>
+          <p:cNvPr id="87" name="CustomShape 1"/>
+          <p:cNvSpPr/>
           <p:nvPr/>
         </p:nvSpPr>
         <p:spPr>
           <a:xfrm>
             <a:off x="288000" y="429840"/>
-            <a:ext cx="9144000" cy="1328040"/>
+            <a:ext cx="9143640" cy="1327680"/>
           </a:xfrm>
           <a:prstGeom prst="rect">
             <a:avLst/>
@@ -8156,6 +10475,12 @@
             <a:noFill/>
           </a:ln>
         </p:spPr>
+        <p:style>
+          <a:lnRef idx="0"/>
+          <a:fillRef idx="0"/>
+          <a:effectRef idx="0"/>
+          <a:fontRef idx="minor"/>
+        </p:style>
         <p:txBody>
           <a:bodyPr lIns="90000" rIns="90000" tIns="45000" bIns="45000">
             <a:noAutofit/>
@@ -8175,25 +10500,22 @@
               </a:rPr>
               <a:t>The Tracking Algorithm</a:t>
             </a:r>
-            <a:endParaRPr b="1" lang="en-IN" sz="4400" spc="-1" strike="noStrike">
-              <a:solidFill>
-                <a:srgbClr val="ffffff"/>
-              </a:solidFill>
-              <a:latin typeface="Times New Roman"/>
+            <a:endParaRPr b="0" lang="en-IN" sz="4400" spc="-1" strike="noStrike">
+              <a:latin typeface="Arial"/>
             </a:endParaRPr>
           </a:p>
         </p:txBody>
       </p:sp>
       <p:sp>
         <p:nvSpPr>
-          <p:cNvPr id="88" name="TextShape 2"/>
-          <p:cNvSpPr txBox="1"/>
+          <p:cNvPr id="88" name="CustomShape 2"/>
+          <p:cNvSpPr/>
           <p:nvPr/>
         </p:nvSpPr>
         <p:spPr>
           <a:xfrm>
             <a:off x="457560" y="1600560"/>
-            <a:ext cx="8229240" cy="4525560"/>
+            <a:ext cx="8228880" cy="4525200"/>
           </a:xfrm>
           <a:prstGeom prst="rect">
             <a:avLst/>
@@ -8203,12 +10525,18 @@
             <a:noFill/>
           </a:ln>
         </p:spPr>
+        <p:style>
+          <a:lnRef idx="0"/>
+          <a:fillRef idx="0"/>
+          <a:effectRef idx="0"/>
+          <a:fontRef idx="minor"/>
+        </p:style>
         <p:txBody>
-          <a:bodyPr>
+          <a:bodyPr lIns="90000" rIns="90000" tIns="45000" bIns="45000">
             <a:noAutofit/>
           </a:bodyPr>
           <a:p>
-            <a:pPr marL="343080" indent="-342720">
+            <a:pPr marL="343080" indent="-342360">
               <a:lnSpc>
                 <a:spcPct val="100000"/>
               </a:lnSpc>
@@ -8235,7 +10563,7 @@
             </a:endParaRPr>
           </a:p>
           <a:p>
-            <a:pPr marL="343080" indent="-342720">
+            <a:pPr marL="343080" indent="-342360">
               <a:lnSpc>
                 <a:spcPct val="100000"/>
               </a:lnSpc>
@@ -8262,7 +10590,7 @@
             </a:endParaRPr>
           </a:p>
           <a:p>
-            <a:pPr marL="343080" indent="-342720">
+            <a:pPr marL="343080" indent="-342360">
               <a:lnSpc>
                 <a:spcPct val="100000"/>
               </a:lnSpc>
@@ -8289,7 +10617,7 @@
             </a:endParaRPr>
           </a:p>
           <a:p>
-            <a:pPr marL="343080" indent="-342720">
+            <a:pPr marL="343080" indent="-342360">
               <a:lnSpc>
                 <a:spcPct val="100000"/>
               </a:lnSpc>
@@ -8316,7 +10644,7 @@
             </a:endParaRPr>
           </a:p>
           <a:p>
-            <a:pPr marL="343080" indent="-342720">
+            <a:pPr marL="343080" indent="-342360">
               <a:lnSpc>
                 <a:spcPct val="100000"/>
               </a:lnSpc>
@@ -8376,14 +10704,14 @@
       </p:grpSpPr>
       <p:sp>
         <p:nvSpPr>
-          <p:cNvPr id="89" name="TextShape 1"/>
-          <p:cNvSpPr txBox="1"/>
+          <p:cNvPr id="89" name="CustomShape 1"/>
+          <p:cNvSpPr/>
           <p:nvPr/>
         </p:nvSpPr>
         <p:spPr>
           <a:xfrm>
             <a:off x="617400" y="432000"/>
-            <a:ext cx="8742600" cy="1328040"/>
+            <a:ext cx="8742240" cy="1327680"/>
           </a:xfrm>
           <a:prstGeom prst="rect">
             <a:avLst/>
@@ -8393,11 +10721,22 @@
             <a:noFill/>
           </a:ln>
         </p:spPr>
+        <p:style>
+          <a:lnRef idx="0"/>
+          <a:fillRef idx="0"/>
+          <a:effectRef idx="0"/>
+          <a:fontRef idx="minor"/>
+        </p:style>
         <p:txBody>
           <a:bodyPr lIns="90000" rIns="90000" tIns="45000" bIns="45000">
             <a:noAutofit/>
           </a:bodyPr>
           <a:p>
+            <a:pPr>
+              <a:lnSpc>
+                <a:spcPct val="100000"/>
+              </a:lnSpc>
+            </a:pPr>
             <a:r>
               <a:rPr b="1" lang="en-IN" sz="4400" spc="-1" strike="noStrike">
                 <a:solidFill>
@@ -8407,25 +10746,22 @@
               </a:rPr>
               <a:t>Geant4 Classes for Tracking</a:t>
             </a:r>
-            <a:endParaRPr b="1" lang="en-IN" sz="4400" spc="-1" strike="noStrike">
-              <a:solidFill>
-                <a:srgbClr val="ffffff"/>
-              </a:solidFill>
-              <a:latin typeface="Times New Roman"/>
+            <a:endParaRPr b="0" lang="en-IN" sz="4400" spc="-1" strike="noStrike">
+              <a:latin typeface="Arial"/>
             </a:endParaRPr>
           </a:p>
         </p:txBody>
       </p:sp>
       <p:sp>
         <p:nvSpPr>
-          <p:cNvPr id="90" name="TextShape 2"/>
-          <p:cNvSpPr txBox="1"/>
+          <p:cNvPr id="90" name="CustomShape 2"/>
+          <p:cNvSpPr/>
           <p:nvPr/>
         </p:nvSpPr>
         <p:spPr>
           <a:xfrm>
             <a:off x="457560" y="1600560"/>
-            <a:ext cx="8229240" cy="4525560"/>
+            <a:ext cx="8228880" cy="4525200"/>
           </a:xfrm>
           <a:prstGeom prst="rect">
             <a:avLst/>
@@ -8435,12 +10771,18 @@
             <a:noFill/>
           </a:ln>
         </p:spPr>
+        <p:style>
+          <a:lnRef idx="0"/>
+          <a:fillRef idx="0"/>
+          <a:effectRef idx="0"/>
+          <a:fontRef idx="minor"/>
+        </p:style>
         <p:txBody>
-          <a:bodyPr>
+          <a:bodyPr lIns="90000" rIns="90000" tIns="45000" bIns="45000">
             <a:noAutofit/>
           </a:bodyPr>
           <a:p>
-            <a:pPr marL="343080" indent="-342720">
+            <a:pPr marL="343080" indent="-342360">
               <a:lnSpc>
                 <a:spcPct val="100000"/>
               </a:lnSpc>
@@ -8485,7 +10827,7 @@
             </a:endParaRPr>
           </a:p>
           <a:p>
-            <a:pPr marL="343080" indent="-342720">
+            <a:pPr marL="343080" indent="-342360">
               <a:lnSpc>
                 <a:spcPct val="100000"/>
               </a:lnSpc>
@@ -8530,7 +10872,7 @@
             </a:endParaRPr>
           </a:p>
           <a:p>
-            <a:pPr marL="343080" indent="-342720">
+            <a:pPr marL="343080" indent="-342360">
               <a:lnSpc>
                 <a:spcPct val="100000"/>
               </a:lnSpc>
@@ -8575,7 +10917,7 @@
             </a:endParaRPr>
           </a:p>
           <a:p>
-            <a:pPr marL="343080" indent="-342720">
+            <a:pPr marL="343080" indent="-342360">
               <a:lnSpc>
                 <a:spcPct val="100000"/>
               </a:lnSpc>
@@ -8660,7 +11002,7 @@
         <p:spPr>
           <a:xfrm>
             <a:off x="360000" y="360000"/>
-            <a:ext cx="9358920" cy="898920"/>
+            <a:ext cx="9358560" cy="898560"/>
           </a:xfrm>
           <a:prstGeom prst="rect">
             <a:avLst/>
@@ -8722,7 +11064,7 @@
         <p:spPr>
           <a:xfrm>
             <a:off x="144000" y="1692000"/>
-            <a:ext cx="4140000" cy="4678920"/>
+            <a:ext cx="4139640" cy="4678560"/>
           </a:xfrm>
           <a:prstGeom prst="rect">
             <a:avLst/>
@@ -9014,7 +11356,7 @@
         <p:spPr>
           <a:xfrm>
             <a:off x="4375440" y="2182320"/>
-            <a:ext cx="5632560" cy="3361680"/>
+            <a:ext cx="5632200" cy="3361320"/>
           </a:xfrm>
           <a:prstGeom prst="rect">
             <a:avLst/>
@@ -9063,7 +11405,7 @@
         <p:spPr>
           <a:xfrm>
             <a:off x="360000" y="360000"/>
-            <a:ext cx="9358920" cy="898920"/>
+            <a:ext cx="9358560" cy="898560"/>
           </a:xfrm>
           <a:prstGeom prst="rect">
             <a:avLst/>
@@ -9114,7 +11456,7 @@
         <p:spPr>
           <a:xfrm>
             <a:off x="324000" y="1656000"/>
-            <a:ext cx="9178920" cy="4678920"/>
+            <a:ext cx="9178560" cy="4678560"/>
           </a:xfrm>
           <a:prstGeom prst="rect">
             <a:avLst/>
@@ -9313,7 +11655,7 @@
         <p:spPr>
           <a:xfrm>
             <a:off x="360000" y="360000"/>
-            <a:ext cx="9358920" cy="898920"/>
+            <a:ext cx="9358560" cy="898560"/>
           </a:xfrm>
           <a:prstGeom prst="rect">
             <a:avLst/>
@@ -9364,7 +11706,7 @@
         <p:spPr>
           <a:xfrm>
             <a:off x="360000" y="1728000"/>
-            <a:ext cx="9178920" cy="4678920"/>
+            <a:ext cx="9178560" cy="4678560"/>
           </a:xfrm>
           <a:prstGeom prst="rect">
             <a:avLst/>
@@ -9563,7 +11905,7 @@
                 <a:latin typeface="Times New Roman"/>
                 <a:ea typeface="DejaVu Sans"/>
               </a:rPr>
-              <a:t> (Correction location to allocate resources which are local to an event)</a:t>
+              <a:t> (Correct location to allocate resources which are local to an event)</a:t>
             </a:r>
             <a:endParaRPr b="0" lang="en-IN" sz="2600" spc="-1" strike="noStrike">
               <a:latin typeface="Arial"/>
@@ -9652,8 +11994,8 @@
         </p:nvSpPr>
         <p:spPr>
           <a:xfrm>
-            <a:off x="360000" y="612000"/>
-            <a:ext cx="9358920" cy="466920"/>
+            <a:off x="360000" y="360000"/>
+            <a:ext cx="9358560" cy="898560"/>
           </a:xfrm>
           <a:prstGeom prst="rect">
             <a:avLst/>
@@ -9680,16 +12022,16 @@
               </a:lnSpc>
             </a:pPr>
             <a:r>
-              <a:rPr b="1" lang="en-IN" sz="3200" spc="-1" strike="noStrike">
+              <a:rPr b="1" lang="en-IN" sz="2600" spc="-1" strike="noStrike">
                 <a:solidFill>
                   <a:srgbClr val="ffffff"/>
                 </a:solidFill>
-                <a:latin typeface="Times New Roman"/>
-                <a:ea typeface="DejaVu Sans"/>
-              </a:rPr>
-              <a:t>What is a Track ??</a:t>
-            </a:r>
-            <a:endParaRPr b="0" lang="en-IN" sz="3200" spc="-1" strike="noStrike">
+                <a:latin typeface="Arial"/>
+                <a:ea typeface="DejaVu Sans"/>
+              </a:rPr>
+              <a:t>Getting information from EventAction by intercepting EventAction class</a:t>
+            </a:r>
+            <a:endParaRPr b="1" lang="en-IN" sz="2600" spc="-1" strike="noStrike">
               <a:latin typeface="Arial"/>
             </a:endParaRPr>
           </a:p>
@@ -9703,8 +12045,8 @@
         </p:nvSpPr>
         <p:spPr>
           <a:xfrm>
-            <a:off x="324000" y="1692000"/>
-            <a:ext cx="9178920" cy="4678920"/>
+            <a:off x="216000" y="2160000"/>
+            <a:ext cx="3960000" cy="2649960"/>
           </a:xfrm>
           <a:prstGeom prst="rect">
             <a:avLst/>
@@ -9721,283 +12063,894 @@
           <a:fontRef idx="minor"/>
         </p:style>
         <p:txBody>
-          <a:bodyPr lIns="0" rIns="0" tIns="0" bIns="0">
-            <a:normAutofit fontScale="55000"/>
+          <a:bodyPr lIns="90000" rIns="90000" tIns="45000" bIns="45000">
+            <a:noAutofit/>
           </a:bodyPr>
           <a:p>
             <a:pPr>
               <a:lnSpc>
                 <a:spcPct val="100000"/>
               </a:lnSpc>
-              <a:spcAft>
-                <a:spcPts val="1142"/>
-              </a:spcAft>
-            </a:pPr>
-            <a:r>
-              <a:rPr b="1" lang="en-IN" sz="3200" spc="-1" strike="noStrike">
-                <a:solidFill>
-                  <a:srgbClr val="ff0000"/>
-                </a:solidFill>
-                <a:latin typeface="Times New Roman"/>
-                <a:ea typeface="DejaVu Sans"/>
-              </a:rPr>
-              <a:t>Our perception : A sequence of steps followed by the particle</a:t>
-            </a:r>
-            <a:endParaRPr b="0" lang="en-IN" sz="3200" spc="-1" strike="noStrike">
-              <a:latin typeface="Arial"/>
-            </a:endParaRPr>
-          </a:p>
-          <a:p>
-            <a:pPr>
-              <a:lnSpc>
-                <a:spcPct val="100000"/>
-              </a:lnSpc>
-              <a:spcAft>
-                <a:spcPts val="1142"/>
-              </a:spcAft>
-            </a:pPr>
-            <a:r>
-              <a:rPr b="1" lang="en-IN" sz="2600" spc="-1" strike="noStrike">
-                <a:solidFill>
-                  <a:srgbClr val="1c1c1c"/>
-                </a:solidFill>
-                <a:latin typeface="Times New Roman"/>
-                <a:ea typeface="DejaVu Sans"/>
-              </a:rPr>
-              <a:t>In Geant4 terminology sequence of steps is a </a:t>
-            </a:r>
-            <a:r>
-              <a:rPr b="1" lang="en-IN" sz="2600" spc="-1" strike="noStrike">
+            </a:pPr>
+            <a:r>
+              <a:rPr b="0" lang="en-IN" sz="1500" spc="-1" strike="noStrike">
+                <a:latin typeface="Arial"/>
+              </a:rPr>
+              <a:t>class </a:t>
+            </a:r>
+            <a:r>
+              <a:rPr b="1" lang="en-IN" sz="1500" spc="-1" strike="noStrike">
                 <a:solidFill>
                   <a:srgbClr val="0000ff"/>
                 </a:solidFill>
-                <a:latin typeface="Times New Roman"/>
-                <a:ea typeface="DejaVu Sans"/>
-              </a:rPr>
-              <a:t>Trajectory</a:t>
-            </a:r>
-            <a:r>
-              <a:rPr b="1" lang="en-IN" sz="2600" spc="-1" strike="noStrike">
-                <a:solidFill>
-                  <a:srgbClr val="1c1c1c"/>
-                </a:solidFill>
-                <a:latin typeface="Times New Roman"/>
-                <a:ea typeface="DejaVu Sans"/>
-              </a:rPr>
-              <a:t>, not a track.</a:t>
-            </a:r>
-            <a:endParaRPr b="0" lang="en-IN" sz="2600" spc="-1" strike="noStrike">
-              <a:latin typeface="Arial"/>
-            </a:endParaRPr>
-          </a:p>
-          <a:p>
-            <a:pPr>
-              <a:lnSpc>
-                <a:spcPct val="100000"/>
-              </a:lnSpc>
-              <a:spcAft>
-                <a:spcPts val="1142"/>
-              </a:spcAft>
-            </a:pPr>
-            <a:r>
-              <a:rPr b="1" lang="en-IN" sz="2600" spc="-1" strike="noStrike">
+                <a:latin typeface="Arial"/>
+              </a:rPr>
+              <a:t>G4UserEventAction</a:t>
+            </a:r>
+            <a:endParaRPr b="0" lang="en-IN" sz="1500" spc="-1" strike="noStrike">
+              <a:latin typeface="Arial"/>
+            </a:endParaRPr>
+          </a:p>
+          <a:p>
+            <a:pPr>
+              <a:lnSpc>
+                <a:spcPct val="100000"/>
+              </a:lnSpc>
+            </a:pPr>
+            <a:r>
+              <a:rPr b="0" lang="en-IN" sz="1500" spc="-1" strike="noStrike">
+                <a:latin typeface="Arial"/>
+              </a:rPr>
+              <a:t>{</a:t>
+            </a:r>
+            <a:endParaRPr b="0" lang="en-IN" sz="1500" spc="-1" strike="noStrike">
+              <a:latin typeface="Arial"/>
+            </a:endParaRPr>
+          </a:p>
+          <a:p>
+            <a:pPr>
+              <a:lnSpc>
+                <a:spcPct val="100000"/>
+              </a:lnSpc>
+            </a:pPr>
+            <a:endParaRPr b="0" lang="en-IN" sz="1500" spc="-1" strike="noStrike">
+              <a:latin typeface="Arial"/>
+            </a:endParaRPr>
+          </a:p>
+          <a:p>
+            <a:pPr>
+              <a:lnSpc>
+                <a:spcPct val="100000"/>
+              </a:lnSpc>
+            </a:pPr>
+            <a:r>
+              <a:rPr b="0" lang="en-IN" sz="1500" spc="-1" strike="noStrike">
+                <a:latin typeface="Arial"/>
+              </a:rPr>
+              <a:t>      </a:t>
+            </a:r>
+            <a:r>
+              <a:rPr b="0" lang="en-IN" sz="1500" spc="-1" strike="noStrike">
+                <a:latin typeface="Arial"/>
+              </a:rPr>
+              <a:t>G4UserEventAction();</a:t>
+            </a:r>
+            <a:endParaRPr b="0" lang="en-IN" sz="1500" spc="-1" strike="noStrike">
+              <a:latin typeface="Arial"/>
+            </a:endParaRPr>
+          </a:p>
+          <a:p>
+            <a:pPr>
+              <a:lnSpc>
+                <a:spcPct val="100000"/>
+              </a:lnSpc>
+            </a:pPr>
+            <a:r>
+              <a:rPr b="0" lang="en-IN" sz="1500" spc="-1" strike="noStrike">
+                <a:latin typeface="Arial"/>
+              </a:rPr>
+              <a:t>      </a:t>
+            </a:r>
+            <a:r>
+              <a:rPr b="0" lang="en-IN" sz="1500" spc="-1" strike="noStrike">
+                <a:latin typeface="Arial"/>
+              </a:rPr>
+              <a:t>virtual ~G4UserEventAction();</a:t>
+            </a:r>
+            <a:endParaRPr b="0" lang="en-IN" sz="1500" spc="-1" strike="noStrike">
+              <a:latin typeface="Arial"/>
+            </a:endParaRPr>
+          </a:p>
+          <a:p>
+            <a:pPr>
+              <a:lnSpc>
+                <a:spcPct val="100000"/>
+              </a:lnSpc>
+            </a:pPr>
+            <a:r>
+              <a:rPr b="0" lang="en-IN" sz="1500" spc="-1" strike="noStrike">
+                <a:latin typeface="Arial"/>
+              </a:rPr>
+              <a:t>      </a:t>
+            </a:r>
+            <a:r>
+              <a:rPr b="0" lang="en-IN" sz="1500" spc="-1" strike="noStrike">
+                <a:latin typeface="Arial"/>
+              </a:rPr>
+              <a:t>virtual void </a:t>
+            </a:r>
+            <a:r>
+              <a:rPr b="1" lang="en-IN" sz="1500" spc="-1" strike="noStrike">
+                <a:solidFill>
+                  <a:srgbClr val="be480a"/>
+                </a:solidFill>
+                <a:latin typeface="Arial"/>
+              </a:rPr>
+              <a:t>BeginOfEventAction</a:t>
+            </a:r>
+            <a:r>
+              <a:rPr b="0" lang="en-IN" sz="1500" spc="-1" strike="noStrike">
+                <a:latin typeface="Arial"/>
+              </a:rPr>
+              <a:t>(const          G4Event* anEvent);</a:t>
+            </a:r>
+            <a:endParaRPr b="0" lang="en-IN" sz="1500" spc="-1" strike="noStrike">
+              <a:latin typeface="Arial"/>
+            </a:endParaRPr>
+          </a:p>
+          <a:p>
+            <a:pPr>
+              <a:lnSpc>
+                <a:spcPct val="100000"/>
+              </a:lnSpc>
+            </a:pPr>
+            <a:r>
+              <a:rPr b="0" lang="en-IN" sz="1500" spc="-1" strike="noStrike">
+                <a:latin typeface="Arial"/>
+              </a:rPr>
+              <a:t>      </a:t>
+            </a:r>
+            <a:r>
+              <a:rPr b="0" lang="en-IN" sz="1500" spc="-1" strike="noStrike">
+                <a:latin typeface="Arial"/>
+              </a:rPr>
+              <a:t>virtual void </a:t>
+            </a:r>
+            <a:r>
+              <a:rPr b="1" lang="en-IN" sz="1500" spc="-1" strike="noStrike">
+                <a:solidFill>
+                  <a:srgbClr val="be480a"/>
+                </a:solidFill>
+                <a:latin typeface="Arial"/>
+              </a:rPr>
+              <a:t>EndOfEventAction</a:t>
+            </a:r>
+            <a:r>
+              <a:rPr b="0" lang="en-IN" sz="1500" spc="-1" strike="noStrike">
+                <a:latin typeface="Arial"/>
+              </a:rPr>
+              <a:t>(const             G4Event* anEvent);</a:t>
+            </a:r>
+            <a:endParaRPr b="0" lang="en-IN" sz="1500" spc="-1" strike="noStrike">
+              <a:latin typeface="Arial"/>
+            </a:endParaRPr>
+          </a:p>
+          <a:p>
+            <a:pPr>
+              <a:lnSpc>
+                <a:spcPct val="100000"/>
+              </a:lnSpc>
+            </a:pPr>
+            <a:r>
+              <a:rPr b="0" lang="en-IN" sz="1500" spc="-1" strike="noStrike">
+                <a:latin typeface="Arial"/>
+              </a:rPr>
+              <a:t>}</a:t>
+            </a:r>
+            <a:endParaRPr b="0" lang="en-IN" sz="1500" spc="-1" strike="noStrike">
+              <a:latin typeface="Arial"/>
+            </a:endParaRPr>
+          </a:p>
+        </p:txBody>
+      </p:sp>
+      <p:sp>
+        <p:nvSpPr>
+          <p:cNvPr id="100" name="CustomShape 3"/>
+          <p:cNvSpPr/>
+          <p:nvPr/>
+        </p:nvSpPr>
+        <p:spPr>
+          <a:xfrm>
+            <a:off x="4580640" y="1446120"/>
+            <a:ext cx="5355360" cy="4183200"/>
+          </a:xfrm>
+          <a:prstGeom prst="rect">
+            <a:avLst/>
+          </a:prstGeom>
+          <a:noFill/>
+          <a:ln>
+            <a:noFill/>
+          </a:ln>
+        </p:spPr>
+        <p:style>
+          <a:lnRef idx="0"/>
+          <a:fillRef idx="0"/>
+          <a:effectRef idx="0"/>
+          <a:fontRef idx="minor"/>
+        </p:style>
+        <p:txBody>
+          <a:bodyPr lIns="90000" rIns="90000" tIns="45000" bIns="45000">
+            <a:noAutofit/>
+          </a:bodyPr>
+          <a:p>
+            <a:pPr>
+              <a:lnSpc>
+                <a:spcPct val="100000"/>
+              </a:lnSpc>
+            </a:pPr>
+            <a:r>
+              <a:rPr b="0" lang="en-IN" sz="1600" spc="-1" strike="noStrike">
+                <a:latin typeface="Arial"/>
+              </a:rPr>
+              <a:t>class </a:t>
+            </a:r>
+            <a:r>
+              <a:rPr b="1" lang="en-IN" sz="1600" spc="-1" strike="noStrike">
+                <a:solidFill>
+                  <a:srgbClr val="00a933"/>
+                </a:solidFill>
+                <a:latin typeface="Arial"/>
+              </a:rPr>
+              <a:t>MyClass_EventAction</a:t>
+            </a:r>
+            <a:r>
+              <a:rPr b="0" lang="en-IN" sz="1600" spc="-1" strike="noStrike">
+                <a:latin typeface="Arial"/>
+              </a:rPr>
+              <a:t> : public  </a:t>
+            </a:r>
+            <a:r>
+              <a:rPr b="1" lang="en-IN" sz="1600" spc="-1" strike="noStrike">
                 <a:solidFill>
                   <a:srgbClr val="0000ff"/>
                 </a:solidFill>
-                <a:latin typeface="Times New Roman"/>
-                <a:ea typeface="DejaVu Sans"/>
-              </a:rPr>
-              <a:t>Track</a:t>
-            </a:r>
-            <a:r>
-              <a:rPr b="1" lang="en-IN" sz="2600" spc="-1" strike="noStrike">
-                <a:solidFill>
-                  <a:srgbClr val="1c1c1c"/>
-                </a:solidFill>
-                <a:latin typeface="Times New Roman"/>
-                <a:ea typeface="DejaVu Sans"/>
-              </a:rPr>
-              <a:t> :  Represent by G4Track class represent the current state (snapshot of a particle).</a:t>
-            </a:r>
-            <a:endParaRPr b="0" lang="en-IN" sz="2600" spc="-1" strike="noStrike">
-              <a:latin typeface="Arial"/>
-            </a:endParaRPr>
-          </a:p>
-          <a:p>
-            <a:pPr>
-              <a:lnSpc>
-                <a:spcPct val="100000"/>
-              </a:lnSpc>
-              <a:spcAft>
-                <a:spcPts val="1142"/>
-              </a:spcAft>
-            </a:pPr>
-            <a:r>
-              <a:rPr b="1" lang="en-IN" sz="2600" spc="-1" strike="noStrike">
-                <a:solidFill>
-                  <a:srgbClr val="1c1c1c"/>
-                </a:solidFill>
-                <a:latin typeface="Times New Roman"/>
-                <a:ea typeface="DejaVu Sans"/>
-              </a:rPr>
-              <a:t>Gives information about the particle at the time of query.</a:t>
-            </a:r>
-            <a:endParaRPr b="0" lang="en-IN" sz="2600" spc="-1" strike="noStrike">
-              <a:latin typeface="Arial"/>
-            </a:endParaRPr>
-          </a:p>
-          <a:p>
-            <a:pPr>
-              <a:lnSpc>
-                <a:spcPct val="100000"/>
-              </a:lnSpc>
-              <a:spcAft>
-                <a:spcPts val="1142"/>
-              </a:spcAft>
-            </a:pPr>
-            <a:r>
-              <a:rPr b="1" lang="en-IN" sz="2600" spc="-1" strike="noStrike">
-                <a:solidFill>
-                  <a:srgbClr val="1c1c1c"/>
-                </a:solidFill>
-                <a:latin typeface="Times New Roman"/>
-                <a:ea typeface="DejaVu Sans"/>
-              </a:rPr>
-              <a:t>Pointer to the track object can be obtained from steps by call </a:t>
-            </a:r>
-            <a:r>
-              <a:rPr b="1" lang="en-IN" sz="2600" spc="-1" strike="noStrike">
-                <a:solidFill>
-                  <a:srgbClr val="0000ff"/>
-                </a:solidFill>
-                <a:latin typeface="Times New Roman"/>
-                <a:ea typeface="DejaVu Sans"/>
-              </a:rPr>
-              <a:t>GetTrack()</a:t>
-            </a:r>
-            <a:r>
-              <a:rPr b="1" lang="en-IN" sz="2600" spc="-1" strike="noStrike">
-                <a:solidFill>
-                  <a:srgbClr val="1c1c1c"/>
-                </a:solidFill>
-                <a:latin typeface="Times New Roman"/>
-                <a:ea typeface="DejaVu Sans"/>
-              </a:rPr>
-              <a:t> function.</a:t>
-            </a:r>
-            <a:endParaRPr b="0" lang="en-IN" sz="2600" spc="-1" strike="noStrike">
-              <a:latin typeface="Arial"/>
-            </a:endParaRPr>
-          </a:p>
-          <a:p>
-            <a:pPr>
-              <a:lnSpc>
-                <a:spcPct val="100000"/>
-              </a:lnSpc>
-              <a:spcAft>
-                <a:spcPts val="1142"/>
-              </a:spcAft>
-            </a:pPr>
-            <a:r>
-              <a:rPr b="1" lang="en-IN" sz="2600" spc="-1" strike="noStrike">
-                <a:solidFill>
-                  <a:srgbClr val="0000ff"/>
-                </a:solidFill>
-                <a:latin typeface="Times New Roman"/>
-                <a:ea typeface="DejaVu Sans"/>
-              </a:rPr>
-              <a:t>G4TrackingManager</a:t>
-            </a:r>
-            <a:r>
-              <a:rPr b="1" lang="en-IN" sz="2600" spc="-1" strike="noStrike">
-                <a:solidFill>
-                  <a:srgbClr val="1c1c1c"/>
-                </a:solidFill>
-                <a:latin typeface="Times New Roman"/>
-                <a:ea typeface="DejaVu Sans"/>
-              </a:rPr>
-              <a:t> is the manager class</a:t>
-            </a:r>
-            <a:endParaRPr b="0" lang="en-IN" sz="2600" spc="-1" strike="noStrike">
-              <a:latin typeface="Arial"/>
-            </a:endParaRPr>
-          </a:p>
-          <a:p>
-            <a:pPr>
-              <a:lnSpc>
-                <a:spcPct val="100000"/>
-              </a:lnSpc>
-              <a:spcAft>
-                <a:spcPts val="1142"/>
-              </a:spcAft>
-            </a:pPr>
-            <a:r>
-              <a:rPr b="1" lang="en-IN" sz="2600" spc="-1" strike="noStrike">
-                <a:solidFill>
-                  <a:srgbClr val="c9211e"/>
-                </a:solidFill>
-                <a:latin typeface="Times New Roman"/>
-                <a:ea typeface="DejaVu Sans"/>
-              </a:rPr>
-              <a:t>G4UserTrackingAction</a:t>
-            </a:r>
-            <a:r>
-              <a:rPr b="1" lang="en-IN" sz="2600" spc="-1" strike="noStrike">
-                <a:solidFill>
-                  <a:srgbClr val="1c1c1c"/>
-                </a:solidFill>
-                <a:latin typeface="Times New Roman"/>
-                <a:ea typeface="DejaVu Sans"/>
-              </a:rPr>
-              <a:t> is the optional user hook</a:t>
-            </a:r>
-            <a:endParaRPr b="0" lang="en-IN" sz="2600" spc="-1" strike="noStrike">
-              <a:latin typeface="Arial"/>
-            </a:endParaRPr>
-          </a:p>
-          <a:p>
-            <a:pPr>
-              <a:lnSpc>
-                <a:spcPct val="100000"/>
-              </a:lnSpc>
-              <a:spcAft>
-                <a:spcPts val="1142"/>
-              </a:spcAft>
-            </a:pPr>
-            <a:r>
-              <a:rPr b="1" lang="en-IN" sz="2600" spc="-1" strike="noStrike">
-                <a:solidFill>
-                  <a:srgbClr val="1c1c1c"/>
-                </a:solidFill>
-                <a:latin typeface="Times New Roman"/>
-                <a:ea typeface="DejaVu Sans"/>
-              </a:rPr>
-              <a:t>Create your own Tracking class inherited from G4UserTrackingAction to implement new features, and to interact with Track during the simulation</a:t>
-            </a:r>
-            <a:endParaRPr b="0" lang="en-IN" sz="2600" spc="-1" strike="noStrike">
-              <a:latin typeface="Arial"/>
-            </a:endParaRPr>
-          </a:p>
-          <a:p>
-            <a:pPr>
-              <a:lnSpc>
-                <a:spcPct val="100000"/>
-              </a:lnSpc>
-              <a:spcAft>
-                <a:spcPts val="1142"/>
-              </a:spcAft>
-            </a:pPr>
-            <a:r>
-              <a:rPr b="1" lang="en-IN" sz="2600" spc="-1" strike="noStrike">
-                <a:solidFill>
-                  <a:srgbClr val="1c1c1c"/>
-                </a:solidFill>
-                <a:latin typeface="Times New Roman"/>
-                <a:ea typeface="DejaVu Sans"/>
+                <a:latin typeface="Arial"/>
+              </a:rPr>
+              <a:t>G4UserEventAction</a:t>
+            </a:r>
+            <a:r>
+              <a:rPr b="0" lang="en-IN" sz="1600" spc="-1" strike="noStrike">
+                <a:latin typeface="Arial"/>
+              </a:rPr>
+              <a:t>{</a:t>
+            </a:r>
+            <a:endParaRPr b="0" lang="en-IN" sz="1600" spc="-1" strike="noStrike">
+              <a:latin typeface="Arial"/>
+            </a:endParaRPr>
+          </a:p>
+          <a:p>
+            <a:pPr>
+              <a:lnSpc>
+                <a:spcPct val="100000"/>
+              </a:lnSpc>
+            </a:pPr>
+            <a:endParaRPr b="0" lang="en-IN" sz="1600" spc="-1" strike="noStrike">
+              <a:latin typeface="Arial"/>
+            </a:endParaRPr>
+          </a:p>
+          <a:p>
+            <a:pPr>
+              <a:lnSpc>
+                <a:spcPct val="100000"/>
+              </a:lnSpc>
+            </a:pPr>
+            <a:r>
+              <a:rPr b="0" lang="en-IN" sz="1600" spc="-1" strike="noStrike">
+                <a:latin typeface="Arial"/>
+                <a:ea typeface="Noto Sans CJK SC"/>
+              </a:rPr>
+              <a:t>    </a:t>
+            </a:r>
+            <a:r>
+              <a:rPr b="1" lang="en-IN" sz="1600" spc="-1" strike="noStrike">
+                <a:solidFill>
+                  <a:srgbClr val="00a933"/>
+                </a:solidFill>
+                <a:latin typeface="Arial"/>
+              </a:rPr>
+              <a:t>MyClass</a:t>
+            </a:r>
+            <a:r>
+              <a:rPr b="0" lang="en-IN" sz="1600" spc="-1" strike="noStrike">
+                <a:latin typeface="Arial"/>
+              </a:rPr>
+              <a:t>_EventAction();</a:t>
+            </a:r>
+            <a:endParaRPr b="0" lang="en-IN" sz="1600" spc="-1" strike="noStrike">
+              <a:latin typeface="Arial"/>
+            </a:endParaRPr>
+          </a:p>
+          <a:p>
+            <a:pPr>
+              <a:lnSpc>
+                <a:spcPct val="100000"/>
+              </a:lnSpc>
+            </a:pPr>
+            <a:r>
+              <a:rPr b="0" lang="en-IN" sz="1600" spc="-1" strike="noStrike">
+                <a:latin typeface="Arial"/>
+                <a:ea typeface="Noto Sans CJK SC"/>
+              </a:rPr>
+              <a:t>    </a:t>
+            </a:r>
+            <a:r>
+              <a:rPr b="0" lang="en-IN" sz="1600" spc="-1" strike="noStrike">
+                <a:latin typeface="Arial"/>
+                <a:ea typeface="Noto Sans CJK SC"/>
+              </a:rPr>
+              <a:t>~</a:t>
+            </a:r>
+            <a:r>
+              <a:rPr b="1" lang="en-IN" sz="1600" spc="-1" strike="noStrike">
+                <a:solidFill>
+                  <a:srgbClr val="00a933"/>
+                </a:solidFill>
+                <a:latin typeface="Arial"/>
+              </a:rPr>
+              <a:t>MyClass</a:t>
+            </a:r>
+            <a:r>
+              <a:rPr b="0" lang="en-IN" sz="1600" spc="-1" strike="noStrike">
+                <a:latin typeface="Arial"/>
+              </a:rPr>
+              <a:t>_EventAction();</a:t>
+            </a:r>
+            <a:endParaRPr b="0" lang="en-IN" sz="1600" spc="-1" strike="noStrike">
+              <a:latin typeface="Arial"/>
+            </a:endParaRPr>
+          </a:p>
+          <a:p>
+            <a:pPr>
+              <a:lnSpc>
+                <a:spcPct val="100000"/>
+              </a:lnSpc>
+            </a:pPr>
+            <a:r>
+              <a:rPr b="0" lang="en-IN" sz="1600" spc="-1" strike="noStrike">
+                <a:latin typeface="Arial"/>
+              </a:rPr>
+              <a:t>     </a:t>
+            </a:r>
+            <a:r>
+              <a:rPr b="0" lang="en-IN" sz="1600" spc="-1" strike="noStrike">
+                <a:latin typeface="Arial"/>
+              </a:rPr>
+              <a:t>Doubel eDep;</a:t>
+            </a:r>
+            <a:endParaRPr b="0" lang="en-IN" sz="1600" spc="-1" strike="noStrike">
+              <a:latin typeface="Arial"/>
+            </a:endParaRPr>
+          </a:p>
+          <a:p>
+            <a:pPr>
+              <a:lnSpc>
+                <a:spcPct val="100000"/>
+              </a:lnSpc>
+            </a:pPr>
+            <a:endParaRPr b="0" lang="en-IN" sz="1600" spc="-1" strike="noStrike">
+              <a:latin typeface="Arial"/>
+            </a:endParaRPr>
+          </a:p>
+          <a:p>
+            <a:pPr>
+              <a:lnSpc>
+                <a:spcPct val="100000"/>
+              </a:lnSpc>
+            </a:pPr>
+            <a:r>
+              <a:rPr b="0" lang="en-IN" sz="1600" spc="-1" strike="noStrike">
+                <a:latin typeface="Arial"/>
+              </a:rPr>
+              <a:t>    </a:t>
+            </a:r>
+            <a:r>
+              <a:rPr b="0" lang="en-IN" sz="1600" spc="-1" strike="noStrike">
+                <a:solidFill>
+                  <a:srgbClr val="6a1816"/>
+                </a:solidFill>
+                <a:latin typeface="Arial"/>
+              </a:rPr>
+              <a:t>void </a:t>
+            </a:r>
+            <a:r>
+              <a:rPr b="1" lang="en-IN" sz="1600" spc="-1" strike="noStrike">
+                <a:solidFill>
+                  <a:srgbClr val="be480a"/>
+                </a:solidFill>
+                <a:latin typeface="Arial"/>
+              </a:rPr>
+              <a:t>BeginOfEventAction</a:t>
+            </a:r>
+            <a:r>
+              <a:rPr b="0" lang="en-IN" sz="1600" spc="-1" strike="noStrike">
+                <a:solidFill>
+                  <a:srgbClr val="6a1816"/>
+                </a:solidFill>
+                <a:latin typeface="Arial"/>
+              </a:rPr>
+              <a:t>(const G4Event* anEvent){</a:t>
+            </a:r>
+            <a:endParaRPr b="0" lang="en-IN" sz="1600" spc="-1" strike="noStrike">
+              <a:latin typeface="Arial"/>
+            </a:endParaRPr>
+          </a:p>
+          <a:p>
+            <a:pPr>
+              <a:lnSpc>
+                <a:spcPct val="100000"/>
+              </a:lnSpc>
+            </a:pPr>
+            <a:r>
+              <a:rPr b="1" lang="en-IN" sz="1600" spc="-1" strike="noStrike">
+                <a:solidFill>
+                  <a:srgbClr val="6a1816"/>
+                </a:solidFill>
+                <a:latin typeface="Arial"/>
+              </a:rPr>
+              <a:t>    </a:t>
+            </a:r>
+            <a:r>
+              <a:rPr b="1" lang="en-IN" sz="1600" spc="-1" strike="noStrike">
+                <a:solidFill>
+                  <a:srgbClr val="6a1816"/>
+                </a:solidFill>
+                <a:latin typeface="Arial"/>
+              </a:rPr>
+              <a:t>	</a:t>
+            </a:r>
+            <a:r>
+              <a:rPr b="1" lang="en-IN" sz="1600" spc="-1" strike="noStrike">
+                <a:solidFill>
+                  <a:srgbClr val="000000"/>
+                </a:solidFill>
+                <a:latin typeface="Arial"/>
+              </a:rPr>
+              <a:t>//Write your stuff here</a:t>
+            </a:r>
+            <a:endParaRPr b="0" lang="en-IN" sz="1600" spc="-1" strike="noStrike">
+              <a:latin typeface="Arial"/>
+            </a:endParaRPr>
+          </a:p>
+          <a:p>
+            <a:pPr>
+              <a:lnSpc>
+                <a:spcPct val="100000"/>
+              </a:lnSpc>
+            </a:pPr>
+            <a:r>
+              <a:rPr b="1" lang="en-IN" sz="1600" spc="-1" strike="noStrike">
+                <a:solidFill>
+                  <a:srgbClr val="000000"/>
+                </a:solidFill>
+                <a:latin typeface="Arial"/>
+              </a:rPr>
+              <a:t>	</a:t>
+            </a:r>
+            <a:r>
+              <a:rPr b="1" lang="en-IN" sz="1600" spc="-1" strike="noStrike">
+                <a:solidFill>
+                  <a:srgbClr val="000000"/>
+                </a:solidFill>
+                <a:latin typeface="Arial"/>
+              </a:rPr>
+              <a:t>//Initialize all event related parameter</a:t>
+            </a:r>
+            <a:endParaRPr b="0" lang="en-IN" sz="1600" spc="-1" strike="noStrike">
+              <a:latin typeface="Arial"/>
+            </a:endParaRPr>
+          </a:p>
+          <a:p>
+            <a:pPr>
+              <a:lnSpc>
+                <a:spcPct val="100000"/>
+              </a:lnSpc>
+            </a:pPr>
+            <a:r>
+              <a:rPr b="1" lang="en-IN" sz="1600" spc="-1" strike="noStrike">
+                <a:solidFill>
+                  <a:srgbClr val="6a1816"/>
+                </a:solidFill>
+                <a:latin typeface="Arial"/>
+              </a:rPr>
+              <a:t>	</a:t>
+            </a:r>
+            <a:r>
+              <a:rPr b="1" lang="en-IN" sz="1600" spc="-1" strike="noStrike">
+                <a:solidFill>
+                  <a:srgbClr val="6a1816"/>
+                </a:solidFill>
+                <a:latin typeface="Arial"/>
+              </a:rPr>
+              <a:t>eDep=0;</a:t>
+            </a:r>
+            <a:endParaRPr b="0" lang="en-IN" sz="1600" spc="-1" strike="noStrike">
+              <a:latin typeface="Arial"/>
+            </a:endParaRPr>
+          </a:p>
+          <a:p>
+            <a:pPr>
+              <a:lnSpc>
+                <a:spcPct val="100000"/>
+              </a:lnSpc>
+            </a:pPr>
+            <a:r>
+              <a:rPr b="0" lang="en-IN" sz="1600" spc="-1" strike="noStrike">
+                <a:solidFill>
+                  <a:srgbClr val="6a1816"/>
+                </a:solidFill>
+                <a:latin typeface="Arial"/>
+              </a:rPr>
+              <a:t>    </a:t>
+            </a:r>
+            <a:r>
+              <a:rPr b="0" lang="en-IN" sz="1600" spc="-1" strike="noStrike">
+                <a:solidFill>
+                  <a:srgbClr val="6a1816"/>
+                </a:solidFill>
+                <a:latin typeface="Arial"/>
+              </a:rPr>
+              <a:t>}</a:t>
+            </a:r>
+            <a:endParaRPr b="0" lang="en-IN" sz="1600" spc="-1" strike="noStrike">
+              <a:latin typeface="Arial"/>
+            </a:endParaRPr>
+          </a:p>
+          <a:p>
+            <a:pPr>
+              <a:lnSpc>
+                <a:spcPct val="100000"/>
+              </a:lnSpc>
+            </a:pPr>
+            <a:r>
+              <a:rPr b="0" lang="en-IN" sz="1600" spc="-1" strike="noStrike">
+                <a:solidFill>
+                  <a:srgbClr val="6a1816"/>
+                </a:solidFill>
+                <a:latin typeface="Arial"/>
+              </a:rPr>
+              <a:t>    </a:t>
+            </a:r>
+            <a:r>
+              <a:rPr b="0" lang="en-IN" sz="1600" spc="-1" strike="noStrike">
+                <a:solidFill>
+                  <a:srgbClr val="6a1816"/>
+                </a:solidFill>
+                <a:latin typeface="Arial"/>
+              </a:rPr>
+              <a:t>void </a:t>
+            </a:r>
+            <a:r>
+              <a:rPr b="1" lang="en-IN" sz="1600" spc="-1" strike="noStrike">
+                <a:solidFill>
+                  <a:srgbClr val="be480a"/>
+                </a:solidFill>
+                <a:latin typeface="Arial"/>
+              </a:rPr>
+              <a:t>EndOfEventAction</a:t>
+            </a:r>
+            <a:r>
+              <a:rPr b="0" lang="en-IN" sz="1600" spc="-1" strike="noStrike">
+                <a:solidFill>
+                  <a:srgbClr val="6a1816"/>
+                </a:solidFill>
+                <a:latin typeface="Arial"/>
+              </a:rPr>
+              <a:t>(const G4Event* anEvent){</a:t>
+            </a:r>
+            <a:endParaRPr b="0" lang="en-IN" sz="1600" spc="-1" strike="noStrike">
+              <a:latin typeface="Arial"/>
+            </a:endParaRPr>
+          </a:p>
+          <a:p>
+            <a:pPr>
+              <a:lnSpc>
+                <a:spcPct val="100000"/>
+              </a:lnSpc>
+            </a:pPr>
+            <a:r>
+              <a:rPr b="1" lang="en-IN" sz="1600" spc="-1" strike="noStrike">
+                <a:solidFill>
+                  <a:srgbClr val="6a1816"/>
+                </a:solidFill>
+                <a:latin typeface="Arial"/>
+              </a:rPr>
+              <a:t>    </a:t>
+            </a:r>
+            <a:r>
+              <a:rPr b="1" lang="en-IN" sz="1600" spc="-1" strike="noStrike">
+                <a:solidFill>
+                  <a:srgbClr val="6a1816"/>
+                </a:solidFill>
+                <a:latin typeface="Arial"/>
+              </a:rPr>
+              <a:t>	</a:t>
+            </a:r>
+            <a:r>
+              <a:rPr b="1" lang="en-IN" sz="1600" spc="-1" strike="noStrike">
+                <a:solidFill>
+                  <a:srgbClr val="000000"/>
+                </a:solidFill>
+                <a:latin typeface="Arial"/>
+              </a:rPr>
+              <a:t>//Write your stuff here</a:t>
+            </a:r>
+            <a:endParaRPr b="0" lang="en-IN" sz="1600" spc="-1" strike="noStrike">
+              <a:latin typeface="Arial"/>
+            </a:endParaRPr>
+          </a:p>
+          <a:p>
+            <a:pPr>
+              <a:lnSpc>
+                <a:spcPct val="100000"/>
+              </a:lnSpc>
+            </a:pPr>
+            <a:r>
+              <a:rPr b="1" lang="en-IN" sz="1600" spc="-1" strike="noStrike">
+                <a:solidFill>
+                  <a:srgbClr val="000000"/>
+                </a:solidFill>
+                <a:latin typeface="Arial"/>
+              </a:rPr>
+              <a:t>	</a:t>
+            </a:r>
+            <a:r>
+              <a:rPr b="1" lang="en-IN" sz="1600" spc="-1" strike="noStrike">
+                <a:solidFill>
+                  <a:srgbClr val="000000"/>
+                </a:solidFill>
+                <a:latin typeface="Arial"/>
+              </a:rPr>
+              <a:t>//Print total energy deposited</a:t>
+            </a:r>
+            <a:endParaRPr b="0" lang="en-IN" sz="1600" spc="-1" strike="noStrike">
+              <a:latin typeface="Arial"/>
+            </a:endParaRPr>
+          </a:p>
+          <a:p>
+            <a:pPr>
+              <a:lnSpc>
+                <a:spcPct val="100000"/>
+              </a:lnSpc>
+            </a:pPr>
+            <a:r>
+              <a:rPr b="1" lang="en-IN" sz="1600" spc="-1" strike="noStrike">
+                <a:solidFill>
+                  <a:srgbClr val="6a1816"/>
+                </a:solidFill>
+                <a:latin typeface="Arial"/>
+              </a:rPr>
+              <a:t>	</a:t>
+            </a:r>
+            <a:r>
+              <a:rPr b="1" lang="en-IN" sz="1600" spc="-1" strike="noStrike">
+                <a:solidFill>
+                  <a:srgbClr val="6a1816"/>
+                </a:solidFill>
+                <a:latin typeface="Arial"/>
+              </a:rPr>
+              <a:t>//Use G4RunManager::GetRunManager() </a:t>
+            </a:r>
+            <a:endParaRPr b="0" lang="en-IN" sz="1600" spc="-1" strike="noStrike">
+              <a:latin typeface="Arial"/>
+            </a:endParaRPr>
+          </a:p>
+          <a:p>
+            <a:pPr>
+              <a:lnSpc>
+                <a:spcPct val="100000"/>
+              </a:lnSpc>
+            </a:pPr>
+            <a:r>
+              <a:rPr b="0" lang="en-IN" sz="1600" spc="-1" strike="noStrike">
+                <a:solidFill>
+                  <a:srgbClr val="6a1816"/>
+                </a:solidFill>
+                <a:latin typeface="Arial"/>
+              </a:rPr>
+              <a:t>     </a:t>
+            </a:r>
+            <a:r>
+              <a:rPr b="0" lang="en-IN" sz="1600" spc="-1" strike="noStrike">
+                <a:solidFill>
+                  <a:srgbClr val="6a1816"/>
+                </a:solidFill>
+                <a:latin typeface="Arial"/>
+              </a:rPr>
+              <a:t>}</a:t>
+            </a:r>
+            <a:endParaRPr b="0" lang="en-IN" sz="1600" spc="-1" strike="noStrike">
+              <a:latin typeface="Arial"/>
+            </a:endParaRPr>
+          </a:p>
+          <a:p>
+            <a:pPr>
+              <a:lnSpc>
+                <a:spcPct val="100000"/>
+              </a:lnSpc>
+            </a:pPr>
+            <a:r>
+              <a:rPr b="0" lang="en-IN" sz="1800" spc="-1" strike="noStrike">
+                <a:solidFill>
+                  <a:srgbClr val="6a1816"/>
+                </a:solidFill>
+                <a:latin typeface="Arial"/>
+              </a:rPr>
+              <a:t>}</a:t>
+            </a:r>
+            <a:endParaRPr b="0" lang="en-IN" sz="1800" spc="-1" strike="noStrike">
+              <a:latin typeface="Arial"/>
+            </a:endParaRPr>
+          </a:p>
+          <a:p>
+            <a:pPr>
+              <a:lnSpc>
+                <a:spcPct val="100000"/>
+              </a:lnSpc>
+            </a:pPr>
+            <a:r>
+              <a:rPr b="0" lang="en-IN" sz="1600" spc="-1" strike="noStrike">
+                <a:solidFill>
+                  <a:srgbClr val="6a1816"/>
+                </a:solidFill>
+                <a:latin typeface="Arial"/>
+              </a:rPr>
+              <a:t>;</a:t>
+            </a:r>
+            <a:endParaRPr b="0" lang="en-IN" sz="1600" spc="-1" strike="noStrike">
+              <a:latin typeface="Arial"/>
+            </a:endParaRPr>
+          </a:p>
+        </p:txBody>
+      </p:sp>
+      <p:sp>
+        <p:nvSpPr>
+          <p:cNvPr id="101" name="Line 4"/>
+          <p:cNvSpPr/>
+          <p:nvPr/>
+        </p:nvSpPr>
+        <p:spPr>
+          <a:xfrm>
+            <a:off x="4176000" y="1584000"/>
+            <a:ext cx="0" cy="4392000"/>
+          </a:xfrm>
+          <a:prstGeom prst="line">
+            <a:avLst/>
+          </a:prstGeom>
+          <a:ln w="36000">
+            <a:solidFill>
+              <a:srgbClr val="ff4000"/>
+            </a:solidFill>
+            <a:round/>
+          </a:ln>
+        </p:spPr>
+        <p:style>
+          <a:lnRef idx="0"/>
+          <a:fillRef idx="0"/>
+          <a:effectRef idx="0"/>
+          <a:fontRef idx="minor"/>
+        </p:style>
+      </p:sp>
+      <p:sp>
+        <p:nvSpPr>
+          <p:cNvPr id="102" name="TextShape 5"/>
+          <p:cNvSpPr txBox="1"/>
+          <p:nvPr/>
+        </p:nvSpPr>
+        <p:spPr>
+          <a:xfrm>
+            <a:off x="72000" y="6169320"/>
+            <a:ext cx="10076400" cy="602280"/>
+          </a:xfrm>
+          <a:prstGeom prst="rect">
+            <a:avLst/>
+          </a:prstGeom>
+          <a:noFill/>
+          <a:ln>
+            <a:noFill/>
+          </a:ln>
+        </p:spPr>
+        <p:txBody>
+          <a:bodyPr lIns="90000" rIns="90000" tIns="45000" bIns="45000">
+            <a:noAutofit/>
+          </a:bodyPr>
+          <a:p>
+            <a:r>
+              <a:rPr b="0" lang="en-IN" sz="1800" spc="-1" strike="noStrike">
+                <a:latin typeface="Arial"/>
+              </a:rPr>
+              <a:t>Now just register the object of your </a:t>
+            </a:r>
+            <a:r>
+              <a:rPr b="1" lang="en-IN" sz="1800" spc="-1" strike="noStrike">
+                <a:latin typeface="Arial"/>
+              </a:rPr>
+              <a:t>EventAction</a:t>
+            </a:r>
+            <a:r>
+              <a:rPr b="0" lang="en-IN" sz="1800" spc="-1" strike="noStrike">
+                <a:latin typeface="Arial"/>
+              </a:rPr>
+              <a:t> with RunManager</a:t>
+            </a:r>
+            <a:endParaRPr b="0" lang="en-IN" sz="1800" spc="-1" strike="noStrike">
+              <a:latin typeface="Arial"/>
+            </a:endParaRPr>
+          </a:p>
+          <a:p>
+            <a:pPr>
+              <a:lnSpc>
+                <a:spcPct val="100000"/>
+              </a:lnSpc>
+            </a:pPr>
+            <a:r>
+              <a:rPr b="1" lang="en-IN" sz="1800" spc="-1" strike="noStrike">
+                <a:solidFill>
+                  <a:srgbClr val="ce181e"/>
+                </a:solidFill>
+                <a:latin typeface="Arial"/>
+                <a:ea typeface="Noto Sans CJK SC"/>
+              </a:rPr>
+              <a:t>SetUserAction(</a:t>
+            </a:r>
+            <a:r>
+              <a:rPr b="1" lang="en-IN" sz="1800" spc="-1" strike="noStrike">
+                <a:solidFill>
+                  <a:srgbClr val="000000"/>
+                </a:solidFill>
+                <a:latin typeface="Arial"/>
+                <a:ea typeface="Noto Sans CJK SC"/>
+              </a:rPr>
+              <a:t>new</a:t>
+            </a:r>
+            <a:r>
+              <a:rPr b="1" lang="en-IN" sz="1800" spc="-1" strike="noStrike">
+                <a:solidFill>
+                  <a:srgbClr val="ce181e"/>
+                </a:solidFill>
+                <a:latin typeface="Arial"/>
+                <a:ea typeface="Noto Sans CJK SC"/>
               </a:rPr>
               <a:t> </a:t>
             </a:r>
-            <a:endParaRPr b="0" lang="en-IN" sz="2600" spc="-1" strike="noStrike">
+            <a:r>
+              <a:rPr b="1" lang="en-IN" sz="1600" spc="-1" strike="noStrike">
+                <a:solidFill>
+                  <a:srgbClr val="00a933"/>
+                </a:solidFill>
+                <a:latin typeface="Arial"/>
+                <a:ea typeface="Noto Sans CJK SC"/>
+              </a:rPr>
+              <a:t>MyClass</a:t>
+            </a:r>
+            <a:r>
+              <a:rPr b="1" lang="en-IN" sz="1600" spc="-1" strike="noStrike">
+                <a:solidFill>
+                  <a:srgbClr val="00a933"/>
+                </a:solidFill>
+                <a:latin typeface="Arial"/>
+              </a:rPr>
+              <a:t>_EventAction</a:t>
+            </a:r>
+            <a:r>
+              <a:rPr b="1" lang="en-IN" sz="1800" spc="-1" strike="noStrike">
+                <a:solidFill>
+                  <a:srgbClr val="ce181e"/>
+                </a:solidFill>
+                <a:latin typeface="Arial"/>
+              </a:rPr>
+              <a:t>);</a:t>
+            </a:r>
+            <a:endParaRPr b="0" lang="en-IN" sz="1800" spc="-1" strike="noStrike">
               <a:latin typeface="Arial"/>
             </a:endParaRPr>
           </a:p>
